--- a/07News/06History/2014.pptx
+++ b/07News/06History/2014.pptx
@@ -9,22 +9,29 @@
     <p:sldMasterId id="2147483683" r:id="rId5"/>
   </p:sldMasterIdLst>
   <p:notesMasterIdLst>
-    <p:notesMasterId r:id="rId16"/>
+    <p:notesMasterId r:id="rId23"/>
   </p:notesMasterIdLst>
   <p:handoutMasterIdLst>
-    <p:handoutMasterId r:id="rId17"/>
+    <p:handoutMasterId r:id="rId24"/>
   </p:handoutMasterIdLst>
   <p:sldIdLst>
     <p:sldId id="603" r:id="rId6"/>
-    <p:sldId id="2448" r:id="rId7"/>
-    <p:sldId id="2442" r:id="rId8"/>
-    <p:sldId id="2443" r:id="rId9"/>
-    <p:sldId id="2449" r:id="rId10"/>
-    <p:sldId id="2450" r:id="rId11"/>
-    <p:sldId id="2451" r:id="rId12"/>
-    <p:sldId id="2453" r:id="rId13"/>
-    <p:sldId id="2452" r:id="rId14"/>
-    <p:sldId id="582" r:id="rId15"/>
+    <p:sldId id="2474" r:id="rId7"/>
+    <p:sldId id="2475" r:id="rId8"/>
+    <p:sldId id="2448" r:id="rId9"/>
+    <p:sldId id="2476" r:id="rId10"/>
+    <p:sldId id="2442" r:id="rId11"/>
+    <p:sldId id="2477" r:id="rId12"/>
+    <p:sldId id="2478" r:id="rId13"/>
+    <p:sldId id="2443" r:id="rId14"/>
+    <p:sldId id="2449" r:id="rId15"/>
+    <p:sldId id="2450" r:id="rId16"/>
+    <p:sldId id="2479" r:id="rId17"/>
+    <p:sldId id="2451" r:id="rId18"/>
+    <p:sldId id="2453" r:id="rId19"/>
+    <p:sldId id="2480" r:id="rId20"/>
+    <p:sldId id="2452" r:id="rId21"/>
+    <p:sldId id="582" r:id="rId22"/>
   </p:sldIdLst>
   <p:sldSz cx="12196763" cy="6858000"/>
   <p:notesSz cx="6858000" cy="9144000"/>
@@ -228,7 +235,7 @@
           <a:p>
             <a:fld id="{E8CF71B8-DF2A-2E41-BE66-2E18A767DA8A}" type="datetimeFigureOut">
               <a:rPr lang="en-US" smtClean="0"/>
-              <a:t>1/27/25</a:t>
+              <a:t>2/2/25</a:t>
             </a:fld>
             <a:endParaRPr lang="en-US"/>
           </a:p>
@@ -405,7 +412,7 @@
           <a:p>
             <a:fld id="{0DD60A27-BF12-6744-9E93-932A0E34D8BB}" type="datetimeFigureOut">
               <a:rPr lang="en-US" smtClean="0"/>
-              <a:t>1/27/25</a:t>
+              <a:t>2/2/25</a:t>
             </a:fld>
             <a:endParaRPr lang="en-US"/>
           </a:p>
@@ -756,6 +763,426 @@
 </p:notes>
 </file>
 
+<file path=ppt/notesSlides/notesSlide2.xml><?xml version="1.0" encoding="utf-8"?>
+<p:notes xmlns:a="http://schemas.openxmlformats.org/drawingml/2006/main" xmlns:r="http://schemas.openxmlformats.org/officeDocument/2006/relationships" xmlns:p="http://schemas.openxmlformats.org/presentationml/2006/main">
+  <p:cSld>
+    <p:spTree>
+      <p:nvGrpSpPr>
+        <p:cNvPr id="1" name=""/>
+        <p:cNvGrpSpPr/>
+        <p:nvPr/>
+      </p:nvGrpSpPr>
+      <p:grpSpPr>
+        <a:xfrm>
+          <a:off x="0" y="0"/>
+          <a:ext cx="0" cy="0"/>
+          <a:chOff x="0" y="0"/>
+          <a:chExt cx="0" cy="0"/>
+        </a:xfrm>
+      </p:grpSpPr>
+      <p:sp>
+        <p:nvSpPr>
+          <p:cNvPr id="2" name="幻灯片图像占位符 1"/>
+          <p:cNvSpPr>
+            <a:spLocks noGrp="1" noRot="1" noChangeAspect="1"/>
+          </p:cNvSpPr>
+          <p:nvPr>
+            <p:ph type="sldImg"/>
+          </p:nvPr>
+        </p:nvSpPr>
+        <p:spPr/>
+      </p:sp>
+      <p:sp>
+        <p:nvSpPr>
+          <p:cNvPr id="3" name="备注占位符 2"/>
+          <p:cNvSpPr>
+            <a:spLocks noGrp="1"/>
+          </p:cNvSpPr>
+          <p:nvPr>
+            <p:ph type="body" idx="1"/>
+          </p:nvPr>
+        </p:nvSpPr>
+        <p:spPr/>
+        <p:txBody>
+          <a:bodyPr/>
+          <a:lstStyle/>
+          <a:p>
+            <a:endParaRPr kumimoji="1" lang="zh-CN" altLang="en-US" dirty="0"/>
+          </a:p>
+        </p:txBody>
+      </p:sp>
+      <p:sp>
+        <p:nvSpPr>
+          <p:cNvPr id="4" name="灯片编号占位符 3"/>
+          <p:cNvSpPr>
+            <a:spLocks noGrp="1"/>
+          </p:cNvSpPr>
+          <p:nvPr>
+            <p:ph type="sldNum" sz="quarter" idx="5"/>
+          </p:nvPr>
+        </p:nvSpPr>
+        <p:spPr/>
+        <p:txBody>
+          <a:bodyPr/>
+          <a:lstStyle/>
+          <a:p>
+            <a:fld id="{17021A3A-000B-724D-82E6-58165F25070D}" type="slidenum">
+              <a:rPr kumimoji="1" lang="zh-CN" altLang="en-US" smtClean="0"/>
+              <a:t>2</a:t>
+            </a:fld>
+            <a:endParaRPr kumimoji="1" lang="zh-CN" altLang="en-US"/>
+          </a:p>
+        </p:txBody>
+      </p:sp>
+    </p:spTree>
+    <p:extLst>
+      <p:ext uri="{BB962C8B-B14F-4D97-AF65-F5344CB8AC3E}">
+        <p14:creationId xmlns:p14="http://schemas.microsoft.com/office/powerpoint/2010/main" val="1073162434"/>
+      </p:ext>
+    </p:extLst>
+  </p:cSld>
+  <p:clrMapOvr>
+    <a:masterClrMapping/>
+  </p:clrMapOvr>
+</p:notes>
+</file>
+
+<file path=ppt/notesSlides/notesSlide3.xml><?xml version="1.0" encoding="utf-8"?>
+<p:notes xmlns:a="http://schemas.openxmlformats.org/drawingml/2006/main" xmlns:r="http://schemas.openxmlformats.org/officeDocument/2006/relationships" xmlns:p="http://schemas.openxmlformats.org/presentationml/2006/main">
+  <p:cSld>
+    <p:spTree>
+      <p:nvGrpSpPr>
+        <p:cNvPr id="1" name=""/>
+        <p:cNvGrpSpPr/>
+        <p:nvPr/>
+      </p:nvGrpSpPr>
+      <p:grpSpPr>
+        <a:xfrm>
+          <a:off x="0" y="0"/>
+          <a:ext cx="0" cy="0"/>
+          <a:chOff x="0" y="0"/>
+          <a:chExt cx="0" cy="0"/>
+        </a:xfrm>
+      </p:grpSpPr>
+      <p:sp>
+        <p:nvSpPr>
+          <p:cNvPr id="2" name="幻灯片图像占位符 1"/>
+          <p:cNvSpPr>
+            <a:spLocks noGrp="1" noRot="1" noChangeAspect="1"/>
+          </p:cNvSpPr>
+          <p:nvPr>
+            <p:ph type="sldImg"/>
+          </p:nvPr>
+        </p:nvSpPr>
+        <p:spPr/>
+      </p:sp>
+      <p:sp>
+        <p:nvSpPr>
+          <p:cNvPr id="3" name="备注占位符 2"/>
+          <p:cNvSpPr>
+            <a:spLocks noGrp="1"/>
+          </p:cNvSpPr>
+          <p:nvPr>
+            <p:ph type="body" idx="1"/>
+          </p:nvPr>
+        </p:nvSpPr>
+        <p:spPr/>
+        <p:txBody>
+          <a:bodyPr/>
+          <a:lstStyle/>
+          <a:p>
+            <a:endParaRPr kumimoji="1" lang="zh-CN" altLang="en-US" dirty="0"/>
+          </a:p>
+        </p:txBody>
+      </p:sp>
+      <p:sp>
+        <p:nvSpPr>
+          <p:cNvPr id="4" name="灯片编号占位符 3"/>
+          <p:cNvSpPr>
+            <a:spLocks noGrp="1"/>
+          </p:cNvSpPr>
+          <p:nvPr>
+            <p:ph type="sldNum" sz="quarter" idx="5"/>
+          </p:nvPr>
+        </p:nvSpPr>
+        <p:spPr/>
+        <p:txBody>
+          <a:bodyPr/>
+          <a:lstStyle/>
+          <a:p>
+            <a:fld id="{17021A3A-000B-724D-82E6-58165F25070D}" type="slidenum">
+              <a:rPr kumimoji="1" lang="zh-CN" altLang="en-US" smtClean="0"/>
+              <a:t>5</a:t>
+            </a:fld>
+            <a:endParaRPr kumimoji="1" lang="zh-CN" altLang="en-US"/>
+          </a:p>
+        </p:txBody>
+      </p:sp>
+    </p:spTree>
+    <p:extLst>
+      <p:ext uri="{BB962C8B-B14F-4D97-AF65-F5344CB8AC3E}">
+        <p14:creationId xmlns:p14="http://schemas.microsoft.com/office/powerpoint/2010/main" val="1934914440"/>
+      </p:ext>
+    </p:extLst>
+  </p:cSld>
+  <p:clrMapOvr>
+    <a:masterClrMapping/>
+  </p:clrMapOvr>
+</p:notes>
+</file>
+
+<file path=ppt/notesSlides/notesSlide4.xml><?xml version="1.0" encoding="utf-8"?>
+<p:notes xmlns:a="http://schemas.openxmlformats.org/drawingml/2006/main" xmlns:r="http://schemas.openxmlformats.org/officeDocument/2006/relationships" xmlns:p="http://schemas.openxmlformats.org/presentationml/2006/main">
+  <p:cSld>
+    <p:spTree>
+      <p:nvGrpSpPr>
+        <p:cNvPr id="1" name=""/>
+        <p:cNvGrpSpPr/>
+        <p:nvPr/>
+      </p:nvGrpSpPr>
+      <p:grpSpPr>
+        <a:xfrm>
+          <a:off x="0" y="0"/>
+          <a:ext cx="0" cy="0"/>
+          <a:chOff x="0" y="0"/>
+          <a:chExt cx="0" cy="0"/>
+        </a:xfrm>
+      </p:grpSpPr>
+      <p:sp>
+        <p:nvSpPr>
+          <p:cNvPr id="2" name="幻灯片图像占位符 1"/>
+          <p:cNvSpPr>
+            <a:spLocks noGrp="1" noRot="1" noChangeAspect="1"/>
+          </p:cNvSpPr>
+          <p:nvPr>
+            <p:ph type="sldImg"/>
+          </p:nvPr>
+        </p:nvSpPr>
+        <p:spPr/>
+      </p:sp>
+      <p:sp>
+        <p:nvSpPr>
+          <p:cNvPr id="3" name="备注占位符 2"/>
+          <p:cNvSpPr>
+            <a:spLocks noGrp="1"/>
+          </p:cNvSpPr>
+          <p:nvPr>
+            <p:ph type="body" idx="1"/>
+          </p:nvPr>
+        </p:nvSpPr>
+        <p:spPr/>
+        <p:txBody>
+          <a:bodyPr/>
+          <a:lstStyle/>
+          <a:p>
+            <a:endParaRPr kumimoji="1" lang="zh-CN" altLang="en-US" dirty="0"/>
+          </a:p>
+        </p:txBody>
+      </p:sp>
+      <p:sp>
+        <p:nvSpPr>
+          <p:cNvPr id="4" name="灯片编号占位符 3"/>
+          <p:cNvSpPr>
+            <a:spLocks noGrp="1"/>
+          </p:cNvSpPr>
+          <p:nvPr>
+            <p:ph type="sldNum" sz="quarter" idx="5"/>
+          </p:nvPr>
+        </p:nvSpPr>
+        <p:spPr/>
+        <p:txBody>
+          <a:bodyPr/>
+          <a:lstStyle/>
+          <a:p>
+            <a:fld id="{17021A3A-000B-724D-82E6-58165F25070D}" type="slidenum">
+              <a:rPr kumimoji="1" lang="zh-CN" altLang="en-US" smtClean="0"/>
+              <a:t>8</a:t>
+            </a:fld>
+            <a:endParaRPr kumimoji="1" lang="zh-CN" altLang="en-US"/>
+          </a:p>
+        </p:txBody>
+      </p:sp>
+    </p:spTree>
+    <p:extLst>
+      <p:ext uri="{BB962C8B-B14F-4D97-AF65-F5344CB8AC3E}">
+        <p14:creationId xmlns:p14="http://schemas.microsoft.com/office/powerpoint/2010/main" val="729306218"/>
+      </p:ext>
+    </p:extLst>
+  </p:cSld>
+  <p:clrMapOvr>
+    <a:masterClrMapping/>
+  </p:clrMapOvr>
+</p:notes>
+</file>
+
+<file path=ppt/notesSlides/notesSlide5.xml><?xml version="1.0" encoding="utf-8"?>
+<p:notes xmlns:a="http://schemas.openxmlformats.org/drawingml/2006/main" xmlns:r="http://schemas.openxmlformats.org/officeDocument/2006/relationships" xmlns:p="http://schemas.openxmlformats.org/presentationml/2006/main">
+  <p:cSld>
+    <p:spTree>
+      <p:nvGrpSpPr>
+        <p:cNvPr id="1" name=""/>
+        <p:cNvGrpSpPr/>
+        <p:nvPr/>
+      </p:nvGrpSpPr>
+      <p:grpSpPr>
+        <a:xfrm>
+          <a:off x="0" y="0"/>
+          <a:ext cx="0" cy="0"/>
+          <a:chOff x="0" y="0"/>
+          <a:chExt cx="0" cy="0"/>
+        </a:xfrm>
+      </p:grpSpPr>
+      <p:sp>
+        <p:nvSpPr>
+          <p:cNvPr id="2" name="幻灯片图像占位符 1"/>
+          <p:cNvSpPr>
+            <a:spLocks noGrp="1" noRot="1" noChangeAspect="1"/>
+          </p:cNvSpPr>
+          <p:nvPr>
+            <p:ph type="sldImg"/>
+          </p:nvPr>
+        </p:nvSpPr>
+        <p:spPr/>
+      </p:sp>
+      <p:sp>
+        <p:nvSpPr>
+          <p:cNvPr id="3" name="备注占位符 2"/>
+          <p:cNvSpPr>
+            <a:spLocks noGrp="1"/>
+          </p:cNvSpPr>
+          <p:nvPr>
+            <p:ph type="body" idx="1"/>
+          </p:nvPr>
+        </p:nvSpPr>
+        <p:spPr/>
+        <p:txBody>
+          <a:bodyPr/>
+          <a:lstStyle/>
+          <a:p>
+            <a:endParaRPr kumimoji="1" lang="zh-CN" altLang="en-US" dirty="0"/>
+          </a:p>
+        </p:txBody>
+      </p:sp>
+      <p:sp>
+        <p:nvSpPr>
+          <p:cNvPr id="4" name="灯片编号占位符 3"/>
+          <p:cNvSpPr>
+            <a:spLocks noGrp="1"/>
+          </p:cNvSpPr>
+          <p:nvPr>
+            <p:ph type="sldNum" sz="quarter" idx="5"/>
+          </p:nvPr>
+        </p:nvSpPr>
+        <p:spPr/>
+        <p:txBody>
+          <a:bodyPr/>
+          <a:lstStyle/>
+          <a:p>
+            <a:fld id="{17021A3A-000B-724D-82E6-58165F25070D}" type="slidenum">
+              <a:rPr kumimoji="1" lang="zh-CN" altLang="en-US" smtClean="0"/>
+              <a:t>12</a:t>
+            </a:fld>
+            <a:endParaRPr kumimoji="1" lang="zh-CN" altLang="en-US"/>
+          </a:p>
+        </p:txBody>
+      </p:sp>
+    </p:spTree>
+    <p:extLst>
+      <p:ext uri="{BB962C8B-B14F-4D97-AF65-F5344CB8AC3E}">
+        <p14:creationId xmlns:p14="http://schemas.microsoft.com/office/powerpoint/2010/main" val="4060422042"/>
+      </p:ext>
+    </p:extLst>
+  </p:cSld>
+  <p:clrMapOvr>
+    <a:masterClrMapping/>
+  </p:clrMapOvr>
+</p:notes>
+</file>
+
+<file path=ppt/notesSlides/notesSlide6.xml><?xml version="1.0" encoding="utf-8"?>
+<p:notes xmlns:a="http://schemas.openxmlformats.org/drawingml/2006/main" xmlns:r="http://schemas.openxmlformats.org/officeDocument/2006/relationships" xmlns:p="http://schemas.openxmlformats.org/presentationml/2006/main">
+  <p:cSld>
+    <p:spTree>
+      <p:nvGrpSpPr>
+        <p:cNvPr id="1" name=""/>
+        <p:cNvGrpSpPr/>
+        <p:nvPr/>
+      </p:nvGrpSpPr>
+      <p:grpSpPr>
+        <a:xfrm>
+          <a:off x="0" y="0"/>
+          <a:ext cx="0" cy="0"/>
+          <a:chOff x="0" y="0"/>
+          <a:chExt cx="0" cy="0"/>
+        </a:xfrm>
+      </p:grpSpPr>
+      <p:sp>
+        <p:nvSpPr>
+          <p:cNvPr id="2" name="幻灯片图像占位符 1"/>
+          <p:cNvSpPr>
+            <a:spLocks noGrp="1" noRot="1" noChangeAspect="1"/>
+          </p:cNvSpPr>
+          <p:nvPr>
+            <p:ph type="sldImg"/>
+          </p:nvPr>
+        </p:nvSpPr>
+        <p:spPr/>
+      </p:sp>
+      <p:sp>
+        <p:nvSpPr>
+          <p:cNvPr id="3" name="备注占位符 2"/>
+          <p:cNvSpPr>
+            <a:spLocks noGrp="1"/>
+          </p:cNvSpPr>
+          <p:nvPr>
+            <p:ph type="body" idx="1"/>
+          </p:nvPr>
+        </p:nvSpPr>
+        <p:spPr/>
+        <p:txBody>
+          <a:bodyPr/>
+          <a:lstStyle/>
+          <a:p>
+            <a:endParaRPr kumimoji="1" lang="zh-CN" altLang="en-US" dirty="0"/>
+          </a:p>
+        </p:txBody>
+      </p:sp>
+      <p:sp>
+        <p:nvSpPr>
+          <p:cNvPr id="4" name="灯片编号占位符 3"/>
+          <p:cNvSpPr>
+            <a:spLocks noGrp="1"/>
+          </p:cNvSpPr>
+          <p:nvPr>
+            <p:ph type="sldNum" sz="quarter" idx="5"/>
+          </p:nvPr>
+        </p:nvSpPr>
+        <p:spPr/>
+        <p:txBody>
+          <a:bodyPr/>
+          <a:lstStyle/>
+          <a:p>
+            <a:fld id="{17021A3A-000B-724D-82E6-58165F25070D}" type="slidenum">
+              <a:rPr kumimoji="1" lang="zh-CN" altLang="en-US" smtClean="0"/>
+              <a:t>15</a:t>
+            </a:fld>
+            <a:endParaRPr kumimoji="1" lang="zh-CN" altLang="en-US"/>
+          </a:p>
+        </p:txBody>
+      </p:sp>
+    </p:spTree>
+    <p:extLst>
+      <p:ext uri="{BB962C8B-B14F-4D97-AF65-F5344CB8AC3E}">
+        <p14:creationId xmlns:p14="http://schemas.microsoft.com/office/powerpoint/2010/main" val="474575674"/>
+      </p:ext>
+    </p:extLst>
+  </p:cSld>
+  <p:clrMapOvr>
+    <a:masterClrMapping/>
+  </p:clrMapOvr>
+</p:notes>
+</file>
+
 <file path=ppt/slideLayouts/slideLayout1.xml><?xml version="1.0" encoding="utf-8"?>
 <p:sldLayout xmlns:a="http://schemas.openxmlformats.org/drawingml/2006/main" xmlns:r="http://schemas.openxmlformats.org/officeDocument/2006/relationships" xmlns:p="http://schemas.openxmlformats.org/presentationml/2006/main" preserve="1" userDrawn="1">
   <p:cSld name="1_自定义版式">
@@ -1819,6 +2246,520 @@
 </file>
 
 <file path=ppt/slideLayouts/slideLayout5.xml><?xml version="1.0" encoding="utf-8"?>
+<p:sldLayout xmlns:a="http://schemas.openxmlformats.org/drawingml/2006/main" xmlns:r="http://schemas.openxmlformats.org/officeDocument/2006/relationships" xmlns:p="http://schemas.openxmlformats.org/presentationml/2006/main" userDrawn="1">
+  <p:cSld name="1_篇章页">
+    <p:spTree>
+      <p:nvGrpSpPr>
+        <p:cNvPr id="1" name=""/>
+        <p:cNvGrpSpPr/>
+        <p:nvPr/>
+      </p:nvGrpSpPr>
+      <p:grpSpPr>
+        <a:xfrm>
+          <a:off x="0" y="0"/>
+          <a:ext cx="0" cy="0"/>
+          <a:chOff x="0" y="0"/>
+          <a:chExt cx="0" cy="0"/>
+        </a:xfrm>
+      </p:grpSpPr>
+      <p:pic>
+        <p:nvPicPr>
+          <p:cNvPr id="5" name="图片 4">
+            <a:extLst>
+              <a:ext uri="{FF2B5EF4-FFF2-40B4-BE49-F238E27FC236}">
+                <a16:creationId xmlns:a16="http://schemas.microsoft.com/office/drawing/2014/main" id="{1BD3EAA6-5124-3D4A-95FF-740B70F60318}"/>
+              </a:ext>
+            </a:extLst>
+          </p:cNvPr>
+          <p:cNvPicPr>
+            <a:picLocks noChangeAspect="1"/>
+          </p:cNvPicPr>
+          <p:nvPr userDrawn="1"/>
+        </p:nvPicPr>
+        <p:blipFill>
+          <a:blip r:embed="rId2" cstate="print">
+            <a:extLst>
+              <a:ext uri="{28A0092B-C50C-407E-A947-70E740481C1C}">
+                <a14:useLocalDpi xmlns:a14="http://schemas.microsoft.com/office/drawing/2010/main"/>
+              </a:ext>
+            </a:extLst>
+          </a:blip>
+          <a:stretch>
+            <a:fillRect/>
+          </a:stretch>
+        </p:blipFill>
+        <p:spPr>
+          <a:xfrm>
+            <a:off x="0" y="0"/>
+            <a:ext cx="12196763" cy="6858000"/>
+          </a:xfrm>
+          <a:prstGeom prst="rect">
+            <a:avLst/>
+          </a:prstGeom>
+        </p:spPr>
+      </p:pic>
+      <p:sp>
+        <p:nvSpPr>
+          <p:cNvPr id="2" name="TextBox 2">
+            <a:extLst>
+              <a:ext uri="{FF2B5EF4-FFF2-40B4-BE49-F238E27FC236}">
+                <a16:creationId xmlns:a16="http://schemas.microsoft.com/office/drawing/2014/main" id="{F3652C3B-3BDF-C967-C9F7-FC41B185F5A1}"/>
+              </a:ext>
+            </a:extLst>
+          </p:cNvPr>
+          <p:cNvSpPr txBox="1"/>
+          <p:nvPr userDrawn="1"/>
+        </p:nvSpPr>
+        <p:spPr>
+          <a:xfrm>
+            <a:off x="543605" y="6449875"/>
+            <a:ext cx="728026" cy="295466"/>
+          </a:xfrm>
+          <a:prstGeom prst="rect">
+            <a:avLst/>
+          </a:prstGeom>
+          <a:noFill/>
+        </p:spPr>
+        <p:txBody>
+          <a:bodyPr wrap="square" rtlCol="0">
+            <a:spAutoFit/>
+          </a:bodyPr>
+          <a:lstStyle/>
+          <a:p>
+            <a:pPr>
+              <a:lnSpc>
+                <a:spcPct val="120000"/>
+              </a:lnSpc>
+              <a:spcBef>
+                <a:spcPct val="20000"/>
+              </a:spcBef>
+              <a:buClr>
+                <a:srgbClr val="1D1D1A"/>
+              </a:buClr>
+              <a:buSzPct val="50000"/>
+              <a:buFont typeface="Wingdings" pitchFamily="2" charset="2"/>
+              <a:buNone/>
+            </a:pPr>
+            <a:r>
+              <a:rPr lang="en-US" altLang="zh-CN" sz="1200" dirty="0">
+                <a:solidFill>
+                  <a:schemeClr val="tx2"/>
+                </a:solidFill>
+                <a:latin typeface="Futura-Medium" panose="020B0602020204020303" pitchFamily="34" charset="-79"/>
+                <a:ea typeface="微软雅黑" panose="020B0503020204020204" pitchFamily="34" charset="-122"/>
+                <a:cs typeface="Futura-Medium" panose="020B0602020204020303" pitchFamily="34" charset="-79"/>
+              </a:rPr>
+              <a:t>ZOMI</a:t>
+            </a:r>
+            <a:endParaRPr lang="en-US" sz="1200" dirty="0">
+              <a:solidFill>
+                <a:schemeClr val="tx2"/>
+              </a:solidFill>
+              <a:latin typeface="Futura-Medium" panose="020B0602020204020303" pitchFamily="34" charset="-79"/>
+              <a:ea typeface="微软雅黑" panose="020B0503020204020204" pitchFamily="34" charset="-122"/>
+              <a:cs typeface="Futura-Medium" panose="020B0602020204020303" pitchFamily="34" charset="-79"/>
+            </a:endParaRPr>
+          </a:p>
+        </p:txBody>
+      </p:sp>
+      <p:sp>
+        <p:nvSpPr>
+          <p:cNvPr id="3" name="TextBox 3">
+            <a:extLst>
+              <a:ext uri="{FF2B5EF4-FFF2-40B4-BE49-F238E27FC236}">
+                <a16:creationId xmlns:a16="http://schemas.microsoft.com/office/drawing/2014/main" id="{62216C8F-403B-B46A-188F-43EEF71787AB}"/>
+              </a:ext>
+            </a:extLst>
+          </p:cNvPr>
+          <p:cNvSpPr txBox="1"/>
+          <p:nvPr userDrawn="1"/>
+        </p:nvSpPr>
+        <p:spPr>
+          <a:xfrm>
+            <a:off x="8358978" y="6505275"/>
+            <a:ext cx="499730" cy="184666"/>
+          </a:xfrm>
+          <a:prstGeom prst="rect">
+            <a:avLst/>
+          </a:prstGeom>
+          <a:noFill/>
+        </p:spPr>
+        <p:txBody>
+          <a:bodyPr wrap="square" lIns="0" tIns="0" rIns="0" bIns="0" rtlCol="0">
+            <a:spAutoFit/>
+          </a:bodyPr>
+          <a:lstStyle/>
+          <a:p>
+            <a:pPr algn="ctr" defTabSz="890204" fontAlgn="auto">
+              <a:spcBef>
+                <a:spcPts val="0"/>
+              </a:spcBef>
+              <a:spcAft>
+                <a:spcPts val="0"/>
+              </a:spcAft>
+              <a:defRPr/>
+            </a:pPr>
+            <a:fld id="{C3837181-38C6-AD4F-B8BA-B444770388BB}" type="slidenum">
+              <a:rPr lang="en-US" sz="1200" smtClean="0">
+                <a:solidFill>
+                  <a:schemeClr val="tx2"/>
+                </a:solidFill>
+                <a:latin typeface="Arial" panose="020B0604020202020204" pitchFamily="34" charset="0"/>
+                <a:ea typeface="华文细黑" pitchFamily="2" charset="-122"/>
+                <a:cs typeface="Arial" panose="020B0604020202020204" pitchFamily="34" charset="0"/>
+              </a:rPr>
+              <a:pPr algn="ctr" defTabSz="890204" fontAlgn="auto">
+                <a:spcBef>
+                  <a:spcPts val="0"/>
+                </a:spcBef>
+                <a:spcAft>
+                  <a:spcPts val="0"/>
+                </a:spcAft>
+                <a:defRPr/>
+              </a:pPr>
+              <a:t>‹#›</a:t>
+            </a:fld>
+            <a:endParaRPr lang="en-US" sz="1200" dirty="0">
+              <a:solidFill>
+                <a:schemeClr val="tx2"/>
+              </a:solidFill>
+              <a:latin typeface="Arial" panose="020B0604020202020204" pitchFamily="34" charset="0"/>
+              <a:ea typeface="华文细黑" pitchFamily="2" charset="-122"/>
+              <a:cs typeface="Arial" panose="020B0604020202020204" pitchFamily="34" charset="0"/>
+            </a:endParaRPr>
+          </a:p>
+        </p:txBody>
+      </p:sp>
+      <p:pic>
+        <p:nvPicPr>
+          <p:cNvPr id="4" name="图片 3">
+            <a:extLst>
+              <a:ext uri="{FF2B5EF4-FFF2-40B4-BE49-F238E27FC236}">
+                <a16:creationId xmlns:a16="http://schemas.microsoft.com/office/drawing/2014/main" id="{1503A16B-634D-EAB9-B25D-7FC30383ACC6}"/>
+              </a:ext>
+            </a:extLst>
+          </p:cNvPr>
+          <p:cNvPicPr>
+            <a:picLocks noChangeAspect="1"/>
+          </p:cNvPicPr>
+          <p:nvPr userDrawn="1"/>
+        </p:nvPicPr>
+        <p:blipFill>
+          <a:blip r:embed="rId3" cstate="print">
+            <a:alphaModFix amt="70000"/>
+            <a:extLst>
+              <a:ext uri="{28A0092B-C50C-407E-A947-70E740481C1C}">
+                <a14:useLocalDpi xmlns:a14="http://schemas.microsoft.com/office/drawing/2010/main"/>
+              </a:ext>
+            </a:extLst>
+          </a:blip>
+          <a:stretch>
+            <a:fillRect/>
+          </a:stretch>
+        </p:blipFill>
+        <p:spPr>
+          <a:xfrm>
+            <a:off x="266621" y="6471608"/>
+            <a:ext cx="252000" cy="252000"/>
+          </a:xfrm>
+          <a:prstGeom prst="ellipse">
+            <a:avLst/>
+          </a:prstGeom>
+          <a:ln w="28575" cap="rnd">
+            <a:solidFill>
+              <a:schemeClr val="tx2"/>
+            </a:solidFill>
+            <a:prstDash val="solid"/>
+          </a:ln>
+          <a:effectLst/>
+        </p:spPr>
+      </p:pic>
+      <p:sp>
+        <p:nvSpPr>
+          <p:cNvPr id="6" name="TextBox 2">
+            <a:extLst>
+              <a:ext uri="{FF2B5EF4-FFF2-40B4-BE49-F238E27FC236}">
+                <a16:creationId xmlns:a16="http://schemas.microsoft.com/office/drawing/2014/main" id="{1F0AA649-F2A3-8307-89FA-873D519CD422}"/>
+              </a:ext>
+            </a:extLst>
+          </p:cNvPr>
+          <p:cNvSpPr txBox="1"/>
+          <p:nvPr userDrawn="1"/>
+        </p:nvSpPr>
+        <p:spPr>
+          <a:xfrm>
+            <a:off x="8830447" y="6458435"/>
+            <a:ext cx="3237243" cy="278346"/>
+          </a:xfrm>
+          <a:prstGeom prst="rect">
+            <a:avLst/>
+          </a:prstGeom>
+          <a:noFill/>
+        </p:spPr>
+        <p:txBody>
+          <a:bodyPr wrap="square" rtlCol="0">
+            <a:spAutoFit/>
+          </a:bodyPr>
+          <a:lstStyle/>
+          <a:p>
+            <a:pPr algn="r">
+              <a:lnSpc>
+                <a:spcPct val="120000"/>
+              </a:lnSpc>
+              <a:spcBef>
+                <a:spcPct val="20000"/>
+              </a:spcBef>
+              <a:buClr>
+                <a:srgbClr val="1D1D1A"/>
+              </a:buClr>
+              <a:buSzPct val="50000"/>
+              <a:buFont typeface="Wingdings" pitchFamily="2" charset="2"/>
+              <a:buNone/>
+            </a:pPr>
+            <a:r>
+              <a:rPr lang="en-US" altLang="zh-CN" sz="1100" dirty="0">
+                <a:solidFill>
+                  <a:schemeClr val="tx2"/>
+                </a:solidFill>
+                <a:latin typeface="Gill Sans MT" panose="020B0502020104020203" pitchFamily="34" charset="0"/>
+                <a:ea typeface="+mj-ea"/>
+                <a:cs typeface="Futura-Medium" panose="020B0602020204020303" pitchFamily="34" charset="-79"/>
+              </a:rPr>
+              <a:t>GitHub</a:t>
+            </a:r>
+            <a:r>
+              <a:rPr lang="zh-CN" altLang="en-US" sz="1100" dirty="0">
+                <a:solidFill>
+                  <a:schemeClr val="tx2"/>
+                </a:solidFill>
+                <a:latin typeface="Gill Sans MT" panose="020B0502020104020203" pitchFamily="34" charset="0"/>
+                <a:ea typeface="+mj-ea"/>
+                <a:cs typeface="Futura-Medium" panose="020B0602020204020303" pitchFamily="34" charset="-79"/>
+              </a:rPr>
+              <a:t> </a:t>
+            </a:r>
+            <a:r>
+              <a:rPr lang="en-US" altLang="zh-CN" sz="1100" dirty="0">
+                <a:solidFill>
+                  <a:schemeClr val="tx2"/>
+                </a:solidFill>
+                <a:latin typeface="Gill Sans MT" panose="020B0502020104020203" pitchFamily="34" charset="0"/>
+                <a:ea typeface="+mj-ea"/>
+                <a:cs typeface="Futura-Medium" panose="020B0602020204020303" pitchFamily="34" charset="-79"/>
+              </a:rPr>
+              <a:t>https://</a:t>
+            </a:r>
+            <a:r>
+              <a:rPr lang="en-US" altLang="zh-CN" sz="1100" dirty="0" err="1">
+                <a:solidFill>
+                  <a:schemeClr val="tx2"/>
+                </a:solidFill>
+                <a:latin typeface="Gill Sans MT" panose="020B0502020104020203" pitchFamily="34" charset="0"/>
+                <a:ea typeface="+mj-ea"/>
+                <a:cs typeface="Futura-Medium" panose="020B0602020204020303" pitchFamily="34" charset="-79"/>
+              </a:rPr>
+              <a:t>github.com</a:t>
+            </a:r>
+            <a:r>
+              <a:rPr lang="en-US" altLang="zh-CN" sz="1100" dirty="0">
+                <a:solidFill>
+                  <a:schemeClr val="tx2"/>
+                </a:solidFill>
+                <a:latin typeface="Gill Sans MT" panose="020B0502020104020203" pitchFamily="34" charset="0"/>
+                <a:ea typeface="+mj-ea"/>
+                <a:cs typeface="Futura-Medium" panose="020B0602020204020303" pitchFamily="34" charset="-79"/>
+              </a:rPr>
+              <a:t>/chenzomi12/</a:t>
+            </a:r>
+            <a:r>
+              <a:rPr lang="en-US" altLang="zh-CN" sz="1100" dirty="0" err="1">
+                <a:solidFill>
+                  <a:schemeClr val="tx2"/>
+                </a:solidFill>
+                <a:latin typeface="Gill Sans MT" panose="020B0502020104020203" pitchFamily="34" charset="0"/>
+                <a:ea typeface="+mj-ea"/>
+                <a:cs typeface="Futura-Medium" panose="020B0602020204020303" pitchFamily="34" charset="-79"/>
+              </a:rPr>
+              <a:t>AIFoundation</a:t>
+            </a:r>
+            <a:endParaRPr lang="en-US" sz="1100" dirty="0">
+              <a:solidFill>
+                <a:schemeClr val="tx2"/>
+              </a:solidFill>
+              <a:latin typeface="Gill Sans MT" panose="020B0502020104020203" pitchFamily="34" charset="0"/>
+              <a:ea typeface="+mj-ea"/>
+              <a:cs typeface="Futura-Medium" panose="020B0602020204020303" pitchFamily="34" charset="-79"/>
+            </a:endParaRPr>
+          </a:p>
+        </p:txBody>
+      </p:sp>
+      <p:sp>
+        <p:nvSpPr>
+          <p:cNvPr id="7" name="内容占位符 2">
+            <a:extLst>
+              <a:ext uri="{FF2B5EF4-FFF2-40B4-BE49-F238E27FC236}">
+                <a16:creationId xmlns:a16="http://schemas.microsoft.com/office/drawing/2014/main" id="{35A58353-89D2-75E1-4F31-34BFB4BE3291}"/>
+              </a:ext>
+            </a:extLst>
+          </p:cNvPr>
+          <p:cNvSpPr>
+            <a:spLocks noGrp="1"/>
+          </p:cNvSpPr>
+          <p:nvPr>
+            <p:ph sz="half" idx="1"/>
+          </p:nvPr>
+        </p:nvSpPr>
+        <p:spPr>
+          <a:xfrm>
+            <a:off x="481757" y="2406869"/>
+            <a:ext cx="11161240" cy="3603651"/>
+          </a:xfrm>
+          <a:prstGeom prst="rect">
+            <a:avLst/>
+          </a:prstGeom>
+          <a:noFill/>
+        </p:spPr>
+        <p:txBody>
+          <a:bodyPr anchor="ctr">
+            <a:normAutofit/>
+          </a:bodyPr>
+          <a:lstStyle>
+            <a:lvl1pPr marL="0" marR="0" indent="0" algn="ctr" defTabSz="1218804" rtl="0" eaLnBrk="0" fontAlgn="base" latinLnBrk="0" hangingPunct="0">
+              <a:lnSpc>
+                <a:spcPct val="100000"/>
+              </a:lnSpc>
+              <a:spcBef>
+                <a:spcPts val="0"/>
+              </a:spcBef>
+              <a:spcAft>
+                <a:spcPct val="0"/>
+              </a:spcAft>
+              <a:buClr>
+                <a:srgbClr val="71B2FF"/>
+              </a:buClr>
+              <a:buSzPct val="110000"/>
+              <a:buFont typeface="+mj-lt"/>
+              <a:buNone/>
+              <a:tabLst/>
+              <a:defRPr kumimoji="0" lang="zh-CN" altLang="en-US" sz="9600" b="1" i="0" u="none" strike="noStrike" kern="0" cap="none" spc="0" normalizeH="0" baseline="0" dirty="0">
+                <a:ln>
+                  <a:noFill/>
+                </a:ln>
+                <a:solidFill>
+                  <a:schemeClr val="bg1"/>
+                </a:solidFill>
+                <a:effectLst/>
+                <a:uLnTx/>
+                <a:uFillTx/>
+                <a:latin typeface="Futura-Medium" panose="020B0602020204020303" pitchFamily="34" charset="-79"/>
+                <a:ea typeface="微软雅黑" pitchFamily="34" charset="-122"/>
+                <a:cs typeface="Futura-Medium" panose="020B0602020204020303" pitchFamily="34" charset="-79"/>
+              </a:defRPr>
+            </a:lvl1pPr>
+            <a:lvl2pPr marL="476096" marR="0" indent="-236990" algn="l" defTabSz="1218804" rtl="0" eaLnBrk="0" fontAlgn="base" latinLnBrk="0" hangingPunct="0">
+              <a:lnSpc>
+                <a:spcPct val="150000"/>
+              </a:lnSpc>
+              <a:spcBef>
+                <a:spcPts val="0"/>
+              </a:spcBef>
+              <a:spcAft>
+                <a:spcPct val="0"/>
+              </a:spcAft>
+              <a:buClr>
+                <a:srgbClr val="71B2FF"/>
+              </a:buClr>
+              <a:buFont typeface="Arial" panose="020B0604020202020204" pitchFamily="34" charset="0"/>
+              <a:buChar char="◦"/>
+              <a:tabLst/>
+              <a:defRPr kumimoji="0" lang="zh-CN" altLang="en-US" sz="1200" b="0" i="0" u="none" strike="noStrike" kern="0" cap="none" spc="0" normalizeH="0" baseline="0" dirty="0">
+                <a:ln>
+                  <a:noFill/>
+                </a:ln>
+                <a:solidFill>
+                  <a:srgbClr val="374154"/>
+                </a:solidFill>
+                <a:effectLst/>
+                <a:uLnTx/>
+                <a:uFillTx/>
+                <a:latin typeface="微软雅黑" pitchFamily="34" charset="-122"/>
+                <a:ea typeface="微软雅黑" pitchFamily="34" charset="-122"/>
+                <a:cs typeface="+mn-cs"/>
+              </a:defRPr>
+            </a:lvl2pPr>
+            <a:lvl3pPr marL="833696" marR="0" indent="-236990" algn="l" defTabSz="1218804" rtl="0" eaLnBrk="0" fontAlgn="base" latinLnBrk="0" hangingPunct="0">
+              <a:lnSpc>
+                <a:spcPct val="150000"/>
+              </a:lnSpc>
+              <a:spcBef>
+                <a:spcPts val="0"/>
+              </a:spcBef>
+              <a:spcAft>
+                <a:spcPct val="0"/>
+              </a:spcAft>
+              <a:buClr>
+                <a:srgbClr val="71B2FF"/>
+              </a:buClr>
+              <a:buFontTx/>
+              <a:buChar char="-"/>
+              <a:tabLst/>
+              <a:defRPr kumimoji="0" lang="zh-CN" altLang="en-US" sz="1200" b="0" i="0" u="none" strike="noStrike" kern="0" cap="none" spc="0" normalizeH="0" baseline="0" dirty="0">
+                <a:ln>
+                  <a:noFill/>
+                </a:ln>
+                <a:solidFill>
+                  <a:srgbClr val="374154"/>
+                </a:solidFill>
+                <a:effectLst/>
+                <a:uLnTx/>
+                <a:uFillTx/>
+                <a:latin typeface="微软雅黑" pitchFamily="34" charset="-122"/>
+                <a:ea typeface="微软雅黑" pitchFamily="34" charset="-122"/>
+                <a:cs typeface="+mn-cs"/>
+              </a:defRPr>
+            </a:lvl3pPr>
+            <a:lvl4pPr>
+              <a:defRPr sz="1542"/>
+            </a:lvl4pPr>
+            <a:lvl5pPr>
+              <a:defRPr sz="1542"/>
+            </a:lvl5pPr>
+            <a:lvl6pPr>
+              <a:defRPr sz="1542"/>
+            </a:lvl6pPr>
+            <a:lvl7pPr>
+              <a:defRPr sz="1542"/>
+            </a:lvl7pPr>
+            <a:lvl8pPr>
+              <a:defRPr sz="1542"/>
+            </a:lvl8pPr>
+            <a:lvl9pPr>
+              <a:defRPr sz="1542"/>
+            </a:lvl9pPr>
+          </a:lstStyle>
+          <a:p>
+            <a:pPr lvl="0"/>
+            <a:r>
+              <a:rPr lang="zh-CN" altLang="en-US" dirty="0"/>
+              <a:t>单击此处编辑母版文本样式</a:t>
+            </a:r>
+          </a:p>
+        </p:txBody>
+      </p:sp>
+    </p:spTree>
+    <p:extLst>
+      <p:ext uri="{BB962C8B-B14F-4D97-AF65-F5344CB8AC3E}">
+        <p14:creationId xmlns:p14="http://schemas.microsoft.com/office/powerpoint/2010/main" val="504425646"/>
+      </p:ext>
+    </p:extLst>
+  </p:cSld>
+  <p:clrMapOvr>
+    <a:masterClrMapping/>
+  </p:clrMapOvr>
+</p:sldLayout>
+</file>
+
+<file path=ppt/slideLayouts/slideLayout6.xml><?xml version="1.0" encoding="utf-8"?>
 <p:sldLayout xmlns:a="http://schemas.openxmlformats.org/drawingml/2006/main" xmlns:r="http://schemas.openxmlformats.org/officeDocument/2006/relationships" xmlns:p="http://schemas.openxmlformats.org/presentationml/2006/main" preserve="1" userDrawn="1">
   <p:cSld name="标题幻灯片">
     <p:spTree>
@@ -2037,7 +2978,7 @@
 </p:sldLayout>
 </file>
 
-<file path=ppt/slideLayouts/slideLayout6.xml><?xml version="1.0" encoding="utf-8"?>
+<file path=ppt/slideLayouts/slideLayout7.xml><?xml version="1.0" encoding="utf-8"?>
 <p:sldLayout xmlns:a="http://schemas.openxmlformats.org/drawingml/2006/main" xmlns:r="http://schemas.openxmlformats.org/officeDocument/2006/relationships" xmlns:p="http://schemas.openxmlformats.org/presentationml/2006/main" preserve="1" userDrawn="1">
   <p:cSld name="3_标题幻灯片">
     <p:spTree>
@@ -2236,7 +3177,7 @@
 </p:sldLayout>
 </file>
 
-<file path=ppt/slideLayouts/slideLayout7.xml><?xml version="1.0" encoding="utf-8"?>
+<file path=ppt/slideLayouts/slideLayout8.xml><?xml version="1.0" encoding="utf-8"?>
 <p:sldLayout xmlns:a="http://schemas.openxmlformats.org/drawingml/2006/main" xmlns:r="http://schemas.openxmlformats.org/officeDocument/2006/relationships" xmlns:p="http://schemas.openxmlformats.org/presentationml/2006/main" preserve="1" userDrawn="1">
   <p:cSld name="标题幻灯片">
     <p:spTree>
@@ -2446,7 +3387,7 @@
 </p:sldLayout>
 </file>
 
-<file path=ppt/slideLayouts/slideLayout8.xml><?xml version="1.0" encoding="utf-8"?>
+<file path=ppt/slideLayouts/slideLayout9.xml><?xml version="1.0" encoding="utf-8"?>
 <p:sldLayout xmlns:a="http://schemas.openxmlformats.org/drawingml/2006/main" xmlns:r="http://schemas.openxmlformats.org/officeDocument/2006/relationships" xmlns:p="http://schemas.openxmlformats.org/presentationml/2006/main" preserve="1" userDrawn="1">
   <p:cSld name="结束页">
     <p:bg>
@@ -12987,7 +13928,7 @@
           <p:nvPr userDrawn="1"/>
         </p:nvPicPr>
         <p:blipFill>
-          <a:blip r:embed="rId5" cstate="print">
+          <a:blip r:embed="rId6" cstate="print">
             <a:alphaModFix amt="70000"/>
             <a:extLst>
               <a:ext uri="{28A0092B-C50C-407E-A947-70E740481C1C}">
@@ -13147,6 +14088,7 @@
     <p:sldLayoutId id="2147483906" r:id="rId1"/>
     <p:sldLayoutId id="2147483963" r:id="rId2"/>
     <p:sldLayoutId id="2147483964" r:id="rId3"/>
+    <p:sldLayoutId id="2147483981" r:id="rId4"/>
   </p:sldLayoutIdLst>
   <mc:AlternateContent xmlns:mc="http://schemas.openxmlformats.org/markup-compatibility/2006" xmlns:p159="http://schemas.microsoft.com/office/powerpoint/2015/09/main">
     <mc:Choice Requires="p159">
@@ -30932,36 +31874,6 @@
           <a:chExt cx="0" cy="0"/>
         </a:xfrm>
       </p:grpSpPr>
-      <p:pic>
-        <p:nvPicPr>
-          <p:cNvPr id="3" name="图片 2">
-            <a:extLst>
-              <a:ext uri="{FF2B5EF4-FFF2-40B4-BE49-F238E27FC236}">
-                <a16:creationId xmlns:a16="http://schemas.microsoft.com/office/drawing/2014/main" id="{B5E93E28-0E4E-C1D6-0B6E-5A6B0A90DA07}"/>
-              </a:ext>
-            </a:extLst>
-          </p:cNvPr>
-          <p:cNvPicPr>
-            <a:picLocks noChangeAspect="1"/>
-          </p:cNvPicPr>
-          <p:nvPr/>
-        </p:nvPicPr>
-        <p:blipFill>
-          <a:blip r:embed="rId3"/>
-          <a:stretch>
-            <a:fillRect/>
-          </a:stretch>
-        </p:blipFill>
-        <p:spPr>
-          <a:xfrm>
-            <a:off x="-25824" y="0"/>
-            <a:ext cx="12248410" cy="6858000"/>
-          </a:xfrm>
-          <a:prstGeom prst="rect">
-            <a:avLst/>
-          </a:prstGeom>
-        </p:spPr>
-      </p:pic>
       <p:sp>
         <p:nvSpPr>
           <p:cNvPr id="7" name="矩形 6">
@@ -31248,7 +32160,7 @@
           <p:nvPr/>
         </p:nvPicPr>
         <p:blipFill>
-          <a:blip r:embed="rId4" cstate="print">
+          <a:blip r:embed="rId3" cstate="print">
             <a:extLst>
               <a:ext uri="{28A0092B-C50C-407E-A947-70E740481C1C}">
                 <a14:useLocalDpi xmlns:a14="http://schemas.microsoft.com/office/drawing/2010/main"/>
@@ -31476,7 +32388,7 @@
             <a:r>
               <a:rPr lang="en-US" altLang="zh-CN" sz="8800" dirty="0">
                 <a:solidFill>
-                  <a:schemeClr val="tx2"/>
+                  <a:schemeClr val="bg1"/>
                 </a:solidFill>
               </a:rPr>
               <a:t>2012-2014 </a:t>
@@ -31484,14 +32396,14 @@
             <a:r>
               <a:rPr lang="zh-CN" altLang="en-US" sz="8800" dirty="0">
                 <a:solidFill>
-                  <a:schemeClr val="tx2"/>
+                  <a:schemeClr val="bg1"/>
                 </a:solidFill>
               </a:rPr>
               <a:t>年</a:t>
             </a:r>
             <a:endParaRPr lang="en-US" altLang="zh-CN" sz="8800" dirty="0">
               <a:solidFill>
-                <a:schemeClr val="tx2"/>
+                <a:schemeClr val="bg1"/>
               </a:solidFill>
             </a:endParaRPr>
           </a:p>
@@ -31504,7 +32416,7 @@
             <a:r>
               <a:rPr lang="en-US" altLang="zh-CN" sz="8800" dirty="0">
                 <a:solidFill>
-                  <a:schemeClr val="tx2"/>
+                  <a:schemeClr val="bg1"/>
                 </a:solidFill>
               </a:rPr>
               <a:t> AI </a:t>
@@ -31512,7 +32424,7 @@
             <a:r>
               <a:rPr lang="zh-CN" altLang="en-US" sz="8800" dirty="0">
                 <a:solidFill>
-                  <a:schemeClr val="tx2"/>
+                  <a:schemeClr val="bg1"/>
                 </a:solidFill>
               </a:rPr>
               <a:t>重大事件</a:t>
@@ -31562,425 +32474,6 @@
           <a:chExt cx="0" cy="0"/>
         </a:xfrm>
       </p:grpSpPr>
-    </p:spTree>
-    <p:extLst>
-      <p:ext uri="{BB962C8B-B14F-4D97-AF65-F5344CB8AC3E}">
-        <p14:creationId xmlns:p14="http://schemas.microsoft.com/office/powerpoint/2010/main" val="996880118"/>
-      </p:ext>
-    </p:extLst>
-  </p:cSld>
-  <p:clrMapOvr>
-    <a:masterClrMapping/>
-  </p:clrMapOvr>
-  <mc:AlternateContent xmlns:mc="http://schemas.openxmlformats.org/markup-compatibility/2006" xmlns:p159="http://schemas.microsoft.com/office/powerpoint/2015/09/main">
-    <mc:Choice Requires="p159">
-      <p:transition xmlns:p14="http://schemas.microsoft.com/office/powerpoint/2010/main" spd="slow" p14:dur="2000">
-        <p159:morph option="byObject"/>
-      </p:transition>
-    </mc:Choice>
-    <mc:Fallback xmlns="">
-      <p:transition spd="slow">
-        <p:fade/>
-      </p:transition>
-    </mc:Fallback>
-  </mc:AlternateContent>
-</p:sld>
-</file>
-
-<file path=ppt/slides/slide2.xml><?xml version="1.0" encoding="utf-8"?>
-<p:sld xmlns:a="http://schemas.openxmlformats.org/drawingml/2006/main" xmlns:r="http://schemas.openxmlformats.org/officeDocument/2006/relationships" xmlns:p="http://schemas.openxmlformats.org/presentationml/2006/main">
-  <p:cSld>
-    <p:spTree>
-      <p:nvGrpSpPr>
-        <p:cNvPr id="1" name=""/>
-        <p:cNvGrpSpPr/>
-        <p:nvPr/>
-      </p:nvGrpSpPr>
-      <p:grpSpPr>
-        <a:xfrm>
-          <a:off x="0" y="0"/>
-          <a:ext cx="0" cy="0"/>
-          <a:chOff x="0" y="0"/>
-          <a:chExt cx="0" cy="0"/>
-        </a:xfrm>
-      </p:grpSpPr>
-      <p:sp>
-        <p:nvSpPr>
-          <p:cNvPr id="3" name="标题 2">
-            <a:extLst>
-              <a:ext uri="{FF2B5EF4-FFF2-40B4-BE49-F238E27FC236}">
-                <a16:creationId xmlns:a16="http://schemas.microsoft.com/office/drawing/2014/main" id="{69AEA055-67C8-0AFC-274E-C1C28266C7FF}"/>
-              </a:ext>
-            </a:extLst>
-          </p:cNvPr>
-          <p:cNvSpPr>
-            <a:spLocks noGrp="1"/>
-          </p:cNvSpPr>
-          <p:nvPr>
-            <p:ph type="title"/>
-          </p:nvPr>
-        </p:nvSpPr>
-        <p:spPr>
-          <a:xfrm>
-            <a:off x="623635" y="522789"/>
-            <a:ext cx="10963473" cy="589190"/>
-          </a:xfrm>
-        </p:spPr>
-        <p:txBody>
-          <a:bodyPr/>
-          <a:lstStyle/>
-          <a:p>
-            <a:r>
-              <a:rPr lang="en-US" altLang="zh-CN" dirty="0"/>
-              <a:t>2012 </a:t>
-            </a:r>
-            <a:r>
-              <a:rPr lang="zh-CN" altLang="en-US" dirty="0"/>
-              <a:t>年 </a:t>
-            </a:r>
-            <a:r>
-              <a:rPr lang="en" altLang="zh-CN" dirty="0" err="1"/>
-              <a:t>AlexNet</a:t>
-            </a:r>
-            <a:r>
-              <a:rPr lang="zh-CN" altLang="en-US" dirty="0"/>
-              <a:t> 与深度学习的崛起</a:t>
-            </a:r>
-          </a:p>
-        </p:txBody>
-      </p:sp>
-      <p:sp>
-        <p:nvSpPr>
-          <p:cNvPr id="4" name="内容占位符 3">
-            <a:extLst>
-              <a:ext uri="{FF2B5EF4-FFF2-40B4-BE49-F238E27FC236}">
-                <a16:creationId xmlns:a16="http://schemas.microsoft.com/office/drawing/2014/main" id="{7A72B731-5E75-DC61-AAB4-49D785AA4103}"/>
-              </a:ext>
-            </a:extLst>
-          </p:cNvPr>
-          <p:cNvSpPr>
-            <a:spLocks noGrp="1"/>
-          </p:cNvSpPr>
-          <p:nvPr>
-            <p:ph sz="half" idx="1"/>
-          </p:nvPr>
-        </p:nvSpPr>
-        <p:spPr>
-          <a:xfrm>
-            <a:off x="623635" y="1246909"/>
-            <a:ext cx="10963473" cy="5108171"/>
-          </a:xfrm>
-        </p:spPr>
-        <p:txBody>
-          <a:bodyPr/>
-          <a:lstStyle/>
-          <a:p>
-            <a:r>
-              <a:rPr lang="zh-CN" altLang="en-US" dirty="0"/>
-              <a:t>深度学习的突破：</a:t>
-            </a:r>
-            <a:r>
-              <a:rPr lang="en-US" altLang="zh-CN" dirty="0"/>
-              <a:t>2012</a:t>
-            </a:r>
-            <a:r>
-              <a:rPr lang="zh-CN" altLang="en-US" dirty="0"/>
-              <a:t>年</a:t>
-            </a:r>
-            <a:r>
-              <a:rPr lang="en-US" altLang="zh-CN" dirty="0"/>
-              <a:t>6</a:t>
-            </a:r>
-            <a:r>
-              <a:rPr lang="zh-CN" altLang="en-US" dirty="0"/>
-              <a:t>月，吴恩达及其团队展示了“谷歌猫”项目，通过大规模无监督学习，神经网络能够自主识别包含小猫的图像，这是机器自主强化学习的里程碑。同年</a:t>
-            </a:r>
-            <a:r>
-              <a:rPr lang="en-US" altLang="zh-CN" dirty="0"/>
-              <a:t>10</a:t>
-            </a:r>
-            <a:r>
-              <a:rPr lang="zh-CN" altLang="en-US" dirty="0"/>
-              <a:t>月，多伦多大学的辛顿团队在</a:t>
-            </a:r>
-            <a:r>
-              <a:rPr lang="en" altLang="zh-CN" dirty="0"/>
-              <a:t>ImageNet</a:t>
-            </a:r>
-            <a:r>
-              <a:rPr lang="zh-CN" altLang="en-US" dirty="0"/>
-              <a:t>挑战赛中凭借</a:t>
-            </a:r>
-            <a:r>
-              <a:rPr lang="en" altLang="zh-CN" dirty="0" err="1"/>
-              <a:t>AlexNet</a:t>
-            </a:r>
-            <a:r>
-              <a:rPr lang="zh-CN" altLang="en-US" dirty="0"/>
-              <a:t>取得冠军，其错误率远低于其他参赛者，这一事件标志着深度学习在图像识别领域的巨大潜力，引发了学术界和产业界对深度学习的高度关注。</a:t>
-            </a:r>
-          </a:p>
-          <a:p>
-            <a:r>
-              <a:rPr lang="en" altLang="zh-CN" dirty="0"/>
-              <a:t>AI</a:t>
-            </a:r>
-            <a:r>
-              <a:rPr lang="zh-CN" altLang="en-US" dirty="0"/>
-              <a:t>在科学研究中的应用：</a:t>
-            </a:r>
-            <a:r>
-              <a:rPr lang="en" altLang="zh-CN" dirty="0"/>
-              <a:t>AI</a:t>
-            </a:r>
-            <a:r>
-              <a:rPr lang="zh-CN" altLang="en-US" dirty="0"/>
-              <a:t>在多个科学研究领域逐渐得到应用，例如利用机器学习算法分析复杂数据集，加速新药研发过程，帮助预测分子活性，缩短药物研发周期，还被应用于气候建模、基因组学等领域。</a:t>
-            </a:r>
-            <a:endParaRPr lang="en-US" altLang="zh-CN" dirty="0"/>
-          </a:p>
-          <a:p>
-            <a:r>
-              <a:rPr lang="en" altLang="zh-CN" dirty="0" err="1"/>
-              <a:t>AlexNet</a:t>
-            </a:r>
-            <a:r>
-              <a:rPr lang="zh-CN" altLang="en-US" dirty="0"/>
-              <a:t>在</a:t>
-            </a:r>
-            <a:r>
-              <a:rPr lang="en" altLang="zh-CN" dirty="0"/>
-              <a:t>ImageNet</a:t>
-            </a:r>
-            <a:r>
-              <a:rPr lang="zh-CN" altLang="en-US" dirty="0"/>
-              <a:t>竞赛中夺冠：</a:t>
-            </a:r>
-            <a:r>
-              <a:rPr lang="en-US" altLang="zh-CN" dirty="0"/>
-              <a:t>2012</a:t>
-            </a:r>
-            <a:r>
-              <a:rPr lang="zh-CN" altLang="en-US" dirty="0"/>
-              <a:t>年，</a:t>
-            </a:r>
-            <a:r>
-              <a:rPr lang="en" altLang="zh-CN" dirty="0"/>
-              <a:t>Geoffrey Hinton</a:t>
-            </a:r>
-            <a:r>
-              <a:rPr lang="zh-CN" altLang="en-US" dirty="0"/>
-              <a:t>团队提出的</a:t>
-            </a:r>
-            <a:r>
-              <a:rPr lang="en" altLang="zh-CN" dirty="0" err="1"/>
-              <a:t>AlexNet</a:t>
-            </a:r>
-            <a:r>
-              <a:rPr lang="zh-CN" altLang="en-US" dirty="0"/>
-              <a:t>在</a:t>
-            </a:r>
-            <a:r>
-              <a:rPr lang="en" altLang="zh-CN" dirty="0"/>
-              <a:t>ImageNet</a:t>
-            </a:r>
-            <a:r>
-              <a:rPr lang="zh-CN" altLang="en-US" dirty="0"/>
-              <a:t>大规模视觉识别挑战赛（</a:t>
-            </a:r>
-            <a:r>
-              <a:rPr lang="en" altLang="zh-CN" dirty="0"/>
-              <a:t>ILSVRC</a:t>
-            </a:r>
-            <a:r>
-              <a:rPr lang="zh-CN" altLang="en" dirty="0"/>
-              <a:t>）</a:t>
-            </a:r>
-            <a:r>
-              <a:rPr lang="zh-CN" altLang="en-US" dirty="0"/>
-              <a:t>中以</a:t>
-            </a:r>
-            <a:r>
-              <a:rPr lang="en-US" altLang="zh-CN" dirty="0"/>
-              <a:t>84%</a:t>
-            </a:r>
-            <a:r>
-              <a:rPr lang="zh-CN" altLang="en-US" dirty="0"/>
-              <a:t>的准确率夺冠，远超第二名。</a:t>
-            </a:r>
-            <a:r>
-              <a:rPr lang="en" altLang="zh-CN" dirty="0" err="1"/>
-              <a:t>AlexNet</a:t>
-            </a:r>
-            <a:r>
-              <a:rPr lang="zh-CN" altLang="en-US" dirty="0"/>
-              <a:t>采用了卷积神经网络（</a:t>
-            </a:r>
-            <a:r>
-              <a:rPr lang="en" altLang="zh-CN" dirty="0"/>
-              <a:t>CNN</a:t>
-            </a:r>
-            <a:r>
-              <a:rPr lang="zh-CN" altLang="en" dirty="0"/>
-              <a:t>）</a:t>
-            </a:r>
-            <a:r>
-              <a:rPr lang="zh-CN" altLang="en-US" dirty="0"/>
-              <a:t>和</a:t>
-            </a:r>
-            <a:r>
-              <a:rPr lang="en" altLang="zh-CN" dirty="0"/>
-              <a:t>GPU</a:t>
-            </a:r>
-            <a:r>
-              <a:rPr lang="zh-CN" altLang="en-US" dirty="0"/>
-              <a:t>加速训练，标志着深度学习在计算机视觉领域的突破</a:t>
-            </a:r>
-            <a:r>
-              <a:rPr lang="en-US" altLang="zh-CN" dirty="0"/>
-              <a:t>114</a:t>
-            </a:r>
-            <a:r>
-              <a:rPr lang="zh-CN" altLang="en-US" dirty="0"/>
-              <a:t>。</a:t>
-            </a:r>
-          </a:p>
-          <a:p>
-            <a:r>
-              <a:rPr lang="en" altLang="zh-CN" dirty="0"/>
-              <a:t>GPU</a:t>
-            </a:r>
-            <a:r>
-              <a:rPr lang="zh-CN" altLang="en-US" dirty="0"/>
-              <a:t>成为</a:t>
-            </a:r>
-            <a:r>
-              <a:rPr lang="en" altLang="zh-CN" dirty="0"/>
-              <a:t>AI</a:t>
-            </a:r>
-            <a:r>
-              <a:rPr lang="zh-CN" altLang="en-US" dirty="0"/>
-              <a:t>计算的标配：</a:t>
-            </a:r>
-            <a:r>
-              <a:rPr lang="en" altLang="zh-CN" dirty="0" err="1"/>
-              <a:t>AlexNet</a:t>
-            </a:r>
-            <a:r>
-              <a:rPr lang="zh-CN" altLang="en-US" dirty="0"/>
-              <a:t>的成功展示了</a:t>
-            </a:r>
-            <a:r>
-              <a:rPr lang="en" altLang="zh-CN" dirty="0"/>
-              <a:t>GPU</a:t>
-            </a:r>
-            <a:r>
-              <a:rPr lang="zh-CN" altLang="en-US" dirty="0"/>
-              <a:t>在深度学习中的巨大潜力，英伟达的</a:t>
-            </a:r>
-            <a:r>
-              <a:rPr lang="en" altLang="zh-CN" dirty="0"/>
-              <a:t>GPU</a:t>
-            </a:r>
-            <a:r>
-              <a:rPr lang="zh-CN" altLang="en-US" dirty="0"/>
-              <a:t>迅速成为</a:t>
-            </a:r>
-            <a:r>
-              <a:rPr lang="en" altLang="zh-CN" dirty="0"/>
-              <a:t>AI</a:t>
-            </a:r>
-            <a:r>
-              <a:rPr lang="zh-CN" altLang="en-US" dirty="0"/>
-              <a:t>研究的核心硬件</a:t>
-            </a:r>
-            <a:r>
-              <a:rPr lang="en-US" altLang="zh-CN" dirty="0"/>
-              <a:t>111</a:t>
-            </a:r>
-            <a:r>
-              <a:rPr lang="zh-CN" altLang="en-US" dirty="0"/>
-              <a:t>。</a:t>
-            </a:r>
-          </a:p>
-          <a:p>
-            <a:r>
-              <a:rPr lang="en" altLang="zh-CN" dirty="0"/>
-              <a:t>ImageNet</a:t>
-            </a:r>
-            <a:r>
-              <a:rPr lang="zh-CN" altLang="en-US" dirty="0"/>
-              <a:t>数据集的普及：李飞飞团队创建的</a:t>
-            </a:r>
-            <a:r>
-              <a:rPr lang="en" altLang="zh-CN" dirty="0"/>
-              <a:t>ImageNet</a:t>
-            </a:r>
-            <a:r>
-              <a:rPr lang="zh-CN" altLang="en-US" dirty="0"/>
-              <a:t>数据集为深度学习提供了大规模的训练数据，推动了</a:t>
-            </a:r>
-            <a:r>
-              <a:rPr lang="en" altLang="zh-CN" dirty="0"/>
-              <a:t>AI</a:t>
-            </a:r>
-            <a:r>
-              <a:rPr lang="zh-CN" altLang="en-US" dirty="0"/>
-              <a:t>算法的进步</a:t>
-            </a:r>
-            <a:r>
-              <a:rPr lang="en-US" altLang="zh-CN" dirty="0"/>
-              <a:t>114</a:t>
-            </a:r>
-            <a:r>
-              <a:rPr lang="zh-CN" altLang="en-US" dirty="0"/>
-              <a:t>。</a:t>
-            </a:r>
-          </a:p>
-        </p:txBody>
-      </p:sp>
-    </p:spTree>
-    <p:extLst>
-      <p:ext uri="{BB962C8B-B14F-4D97-AF65-F5344CB8AC3E}">
-        <p14:creationId xmlns:p14="http://schemas.microsoft.com/office/powerpoint/2010/main" val="358487902"/>
-      </p:ext>
-    </p:extLst>
-  </p:cSld>
-  <p:clrMapOvr>
-    <a:masterClrMapping/>
-  </p:clrMapOvr>
-  <mc:AlternateContent xmlns:mc="http://schemas.openxmlformats.org/markup-compatibility/2006" xmlns:p159="http://schemas.microsoft.com/office/powerpoint/2015/09/main">
-    <mc:Choice Requires="p159">
-      <p:transition xmlns:p14="http://schemas.microsoft.com/office/powerpoint/2010/main" spd="slow" p14:dur="2000">
-        <p159:morph option="byObject"/>
-      </p:transition>
-    </mc:Choice>
-    <mc:Fallback xmlns="">
-      <p:transition spd="slow">
-        <p:fade/>
-      </p:transition>
-    </mc:Fallback>
-  </mc:AlternateContent>
-</p:sld>
-</file>
-
-<file path=ppt/slides/slide3.xml><?xml version="1.0" encoding="utf-8"?>
-<p:sld xmlns:a="http://schemas.openxmlformats.org/drawingml/2006/main" xmlns:r="http://schemas.openxmlformats.org/officeDocument/2006/relationships" xmlns:p="http://schemas.openxmlformats.org/presentationml/2006/main">
-  <p:cSld>
-    <p:spTree>
-      <p:nvGrpSpPr>
-        <p:cNvPr id="1" name=""/>
-        <p:cNvGrpSpPr/>
-        <p:nvPr/>
-      </p:nvGrpSpPr>
-      <p:grpSpPr>
-        <a:xfrm>
-          <a:off x="0" y="0"/>
-          <a:ext cx="0" cy="0"/>
-          <a:chOff x="0" y="0"/>
-          <a:chExt cx="0" cy="0"/>
-        </a:xfrm>
-      </p:grpSpPr>
       <p:sp>
         <p:nvSpPr>
           <p:cNvPr id="3" name="标题 2">
@@ -32009,11 +32502,19 @@
           <a:p>
             <a:r>
               <a:rPr lang="en-US" altLang="zh-CN" dirty="0"/>
-              <a:t>2013 </a:t>
+              <a:t>2014 </a:t>
             </a:r>
             <a:r>
               <a:rPr lang="zh-CN" altLang="en-US" dirty="0"/>
-              <a:t>年深度学习技术的进一步推广</a:t>
+              <a:t>年</a:t>
+            </a:r>
+            <a:r>
+              <a:rPr lang="en" altLang="zh-CN" dirty="0"/>
+              <a:t>AI</a:t>
+            </a:r>
+            <a:r>
+              <a:rPr lang="zh-CN" altLang="en-US" dirty="0"/>
+              <a:t>商业化与巨头布局</a:t>
             </a:r>
           </a:p>
         </p:txBody>
@@ -32046,184 +32547,102 @@
           <a:p>
             <a:r>
               <a:rPr lang="zh-CN" altLang="en-US" dirty="0"/>
-              <a:t>深度强化学习的引入：</a:t>
-            </a:r>
-            <a:r>
-              <a:rPr lang="en" altLang="zh-CN" dirty="0"/>
-              <a:t>DeepMind</a:t>
-            </a:r>
-            <a:r>
-              <a:rPr lang="zh-CN" altLang="en-US" dirty="0"/>
-              <a:t>引入深度强化学习，这是一种基于奖励和重复学习的</a:t>
-            </a:r>
-            <a:r>
-              <a:rPr lang="en" altLang="zh-CN" dirty="0"/>
-              <a:t>CNN</a:t>
-            </a:r>
-            <a:r>
-              <a:rPr lang="zh-CN" altLang="en" dirty="0"/>
-              <a:t>，</a:t>
-            </a:r>
-            <a:r>
-              <a:rPr lang="zh-CN" altLang="en-US" dirty="0"/>
-              <a:t>抵达了人类专家的水平。</a:t>
-            </a:r>
-          </a:p>
-          <a:p>
-            <a:r>
-              <a:rPr lang="en" altLang="zh-CN" dirty="0"/>
-              <a:t>Word2vec</a:t>
-            </a:r>
-            <a:r>
-              <a:rPr lang="zh-CN" altLang="en-US" dirty="0"/>
-              <a:t>的引入：谷歌研究员</a:t>
-            </a:r>
-            <a:r>
-              <a:rPr lang="en" altLang="zh-CN" dirty="0"/>
-              <a:t>Tomas </a:t>
-            </a:r>
-            <a:r>
-              <a:rPr lang="en" altLang="zh-CN" dirty="0" err="1"/>
-              <a:t>Mikolov</a:t>
-            </a:r>
-            <a:r>
-              <a:rPr lang="zh-CN" altLang="en-US" dirty="0"/>
-              <a:t>及其同事引入了</a:t>
-            </a:r>
-            <a:r>
-              <a:rPr lang="en" altLang="zh-CN" dirty="0"/>
-              <a:t>Word2vec</a:t>
-            </a:r>
-            <a:r>
-              <a:rPr lang="zh-CN" altLang="en" dirty="0"/>
-              <a:t>，</a:t>
-            </a:r>
-            <a:r>
-              <a:rPr lang="zh-CN" altLang="en-US" dirty="0"/>
-              <a:t>以自动识别单词之间的语义关系。</a:t>
-            </a:r>
-            <a:r>
-              <a:rPr lang="en" altLang="zh-CN" dirty="0"/>
-              <a:t>Word2Vec</a:t>
-            </a:r>
-            <a:r>
-              <a:rPr lang="zh-CN" altLang="en" dirty="0"/>
-              <a:t>：</a:t>
-            </a:r>
-            <a:r>
-              <a:rPr lang="en" altLang="zh-CN" dirty="0"/>
-              <a:t>2013</a:t>
-            </a:r>
-            <a:r>
-              <a:rPr lang="zh-CN" altLang="en-US" dirty="0"/>
-              <a:t>年提出的</a:t>
-            </a:r>
-            <a:r>
-              <a:rPr lang="en" altLang="zh-CN" dirty="0"/>
-              <a:t>Word2Vec</a:t>
-            </a:r>
-            <a:r>
-              <a:rPr lang="zh-CN" altLang="en-US" dirty="0"/>
-              <a:t>模型通过将词语表示为向量，为</a:t>
-            </a:r>
-            <a:r>
-              <a:rPr lang="en" altLang="zh-CN" dirty="0"/>
-              <a:t>NLP</a:t>
-            </a:r>
-            <a:r>
-              <a:rPr lang="zh-CN" altLang="en-US" dirty="0"/>
-              <a:t>任务提供了高效的文本编码方式，成为深度学习在文本处理中的基础工具</a:t>
-            </a:r>
-            <a:r>
-              <a:rPr lang="en-US" altLang="zh-CN" dirty="0"/>
-              <a:t>710</a:t>
-            </a:r>
-            <a:r>
-              <a:rPr lang="zh-CN" altLang="en-US" dirty="0"/>
-              <a:t>。</a:t>
-            </a:r>
-          </a:p>
-          <a:p>
-            <a:r>
-              <a:rPr lang="zh-CN" altLang="en-US" dirty="0"/>
-              <a:t>深度学习研究院的成立：百度在</a:t>
-            </a:r>
-            <a:r>
-              <a:rPr lang="en-US" altLang="zh-CN" dirty="0"/>
-              <a:t>2013</a:t>
-            </a:r>
-            <a:r>
-              <a:rPr lang="zh-CN" altLang="en-US" dirty="0"/>
-              <a:t>年</a:t>
-            </a:r>
-            <a:r>
-              <a:rPr lang="en-US" altLang="zh-CN" dirty="0"/>
-              <a:t>1</a:t>
-            </a:r>
-            <a:r>
-              <a:rPr lang="zh-CN" altLang="en-US" dirty="0"/>
-              <a:t>月的年会上宣布成立深度学习研究院</a:t>
-            </a:r>
-            <a:r>
-              <a:rPr lang="en" altLang="zh-CN" dirty="0"/>
-              <a:t>IDL</a:t>
-            </a:r>
-            <a:r>
-              <a:rPr lang="zh-CN" altLang="en" dirty="0"/>
-              <a:t>，</a:t>
-            </a:r>
-            <a:r>
-              <a:rPr lang="zh-CN" altLang="en-US" dirty="0"/>
-              <a:t>表明百度下定决心押注</a:t>
-            </a:r>
-            <a:r>
-              <a:rPr lang="en" altLang="zh-CN" dirty="0"/>
-              <a:t>AI</a:t>
-            </a:r>
-            <a:r>
-              <a:rPr lang="zh-CN" altLang="en" dirty="0"/>
-              <a:t>。</a:t>
+              <a:t>神经形态芯片的突破：</a:t>
             </a:r>
             <a:endParaRPr lang="en-US" altLang="zh-CN" dirty="0"/>
           </a:p>
           <a:p>
+            <a:pPr lvl="1"/>
+            <a:r>
+              <a:rPr lang="en-US" altLang="zh-CN" dirty="0"/>
+              <a:t>2014</a:t>
+            </a:r>
             <a:r>
               <a:rPr lang="zh-CN" altLang="en-US" dirty="0"/>
-              <a:t>深度学习在语音识别中的应用：微软研究院使用深度学习技术大幅提升了语音识别的准确率，标志着深度学习在自然语言处理领域的突破</a:t>
+              <a:t>年，</a:t>
             </a:r>
             <a:r>
               <a:rPr lang="en-US" altLang="zh-CN" dirty="0"/>
-              <a:t>1114</a:t>
+              <a:t>《</a:t>
             </a:r>
             <a:r>
               <a:rPr lang="zh-CN" altLang="en-US" dirty="0"/>
-              <a:t>。</a:t>
-            </a:r>
+              <a:t>麻省理工科技评论</a:t>
+            </a:r>
+            <a:r>
+              <a:rPr lang="en-US" altLang="zh-CN" dirty="0"/>
+              <a:t>》</a:t>
+            </a:r>
+            <a:r>
+              <a:rPr lang="zh-CN" altLang="en-US" dirty="0"/>
+              <a:t>评选出的“十大突破性技术”中包括神经形态芯片，这标志着</a:t>
+            </a:r>
+            <a:r>
+              <a:rPr lang="en" altLang="zh-CN" dirty="0"/>
+              <a:t>AI</a:t>
+            </a:r>
+            <a:r>
+              <a:rPr lang="zh-CN" altLang="en-US" dirty="0"/>
+              <a:t>硬件领域的重要进展。</a:t>
+            </a:r>
+            <a:endParaRPr lang="en-US" altLang="zh-CN" dirty="0"/>
           </a:p>
           <a:p>
             <a:r>
               <a:rPr lang="en" altLang="zh-CN" dirty="0"/>
-              <a:t>DeepMind</a:t>
+              <a:t>Google</a:t>
             </a:r>
             <a:r>
               <a:rPr lang="zh-CN" altLang="en-US" dirty="0"/>
-              <a:t>的崛起：</a:t>
+              <a:t>收购</a:t>
             </a:r>
             <a:r>
               <a:rPr lang="en" altLang="zh-CN" dirty="0"/>
               <a:t>DeepMind</a:t>
             </a:r>
             <a:r>
+              <a:rPr lang="zh-CN" altLang="en" dirty="0"/>
+              <a:t>：</a:t>
+            </a:r>
+            <a:endParaRPr lang="en-US" altLang="zh-CN" dirty="0"/>
+          </a:p>
+          <a:p>
+            <a:pPr lvl="1"/>
+            <a:r>
+              <a:rPr lang="en" altLang="zh-CN" dirty="0"/>
+              <a:t>2014</a:t>
+            </a:r>
+            <a:r>
               <a:rPr lang="zh-CN" altLang="en-US" dirty="0"/>
-              <a:t>在</a:t>
+              <a:t>年，</a:t>
+            </a:r>
+            <a:r>
+              <a:rPr lang="en" altLang="zh-CN" dirty="0"/>
+              <a:t>Google</a:t>
+            </a:r>
+            <a:r>
+              <a:rPr lang="zh-CN" altLang="en-US" dirty="0"/>
+              <a:t>以</a:t>
             </a:r>
             <a:r>
               <a:rPr lang="en-US" altLang="zh-CN" dirty="0"/>
-              <a:t>2013</a:t>
+              <a:t>6</a:t>
             </a:r>
             <a:r>
               <a:rPr lang="zh-CN" altLang="en-US" dirty="0"/>
-              <a:t>年展示了其</a:t>
+              <a:t>亿美元收购</a:t>
+            </a:r>
+            <a:r>
+              <a:rPr lang="en" altLang="zh-CN" dirty="0"/>
+              <a:t>DeepMind</a:t>
+            </a:r>
+            <a:r>
+              <a:rPr lang="zh-CN" altLang="en" dirty="0"/>
+              <a:t>，</a:t>
+            </a:r>
+            <a:r>
+              <a:rPr lang="zh-CN" altLang="en-US" dirty="0"/>
+              <a:t>这是</a:t>
             </a:r>
             <a:r>
               <a:rPr lang="en" altLang="zh-CN" dirty="0"/>
@@ -32231,51 +32650,7 @@
             </a:r>
             <a:r>
               <a:rPr lang="zh-CN" altLang="en-US" dirty="0"/>
-              <a:t>系统在</a:t>
-            </a:r>
-            <a:r>
-              <a:rPr lang="en" altLang="zh-CN" dirty="0"/>
-              <a:t>Atari</a:t>
-            </a:r>
-            <a:r>
-              <a:rPr lang="zh-CN" altLang="en-US" dirty="0"/>
-              <a:t>游戏中的超人类表现，进一步证明了深度强化学习的潜力</a:t>
-            </a:r>
-            <a:r>
-              <a:rPr lang="en-US" altLang="zh-CN" dirty="0"/>
-              <a:t>311</a:t>
-            </a:r>
-            <a:r>
-              <a:rPr lang="zh-CN" altLang="en-US" dirty="0"/>
-              <a:t>。</a:t>
-            </a:r>
-            <a:r>
-              <a:rPr lang="en" altLang="zh-CN" dirty="0"/>
-              <a:t>DQN</a:t>
-            </a:r>
-            <a:r>
-              <a:rPr lang="zh-CN" altLang="en" dirty="0"/>
-              <a:t>（</a:t>
-            </a:r>
-            <a:r>
-              <a:rPr lang="zh-CN" altLang="en-US" dirty="0"/>
-              <a:t>深度</a:t>
-            </a:r>
-            <a:r>
-              <a:rPr lang="en" altLang="zh-CN" dirty="0"/>
-              <a:t>Q</a:t>
-            </a:r>
-            <a:r>
-              <a:rPr lang="zh-CN" altLang="en-US" dirty="0"/>
-              <a:t>网络）：</a:t>
-            </a:r>
-            <a:r>
-              <a:rPr lang="en-US" altLang="zh-CN" dirty="0"/>
-              <a:t>2013</a:t>
-            </a:r>
-            <a:r>
-              <a:rPr lang="zh-CN" altLang="en-US" dirty="0"/>
-              <a:t>年，</a:t>
+              <a:t>领域的重要并购事件。</a:t>
             </a:r>
             <a:r>
               <a:rPr lang="en" altLang="zh-CN" dirty="0"/>
@@ -32283,106 +32658,41 @@
             </a:r>
             <a:r>
               <a:rPr lang="zh-CN" altLang="en-US" dirty="0"/>
-              <a:t>提出的</a:t>
+              <a:t>随后在</a:t>
+            </a:r>
+            <a:r>
+              <a:rPr lang="en-US" altLang="zh-CN" dirty="0"/>
+              <a:t>2016</a:t>
+            </a:r>
+            <a:r>
+              <a:rPr lang="zh-CN" altLang="en-US" dirty="0"/>
+              <a:t>年推出了</a:t>
             </a:r>
             <a:r>
               <a:rPr lang="en" altLang="zh-CN" dirty="0"/>
-              <a:t>DQN</a:t>
+              <a:t>AlphaGo</a:t>
+            </a:r>
+            <a:r>
+              <a:rPr lang="zh-CN" altLang="en" dirty="0"/>
+              <a:t>，</a:t>
             </a:r>
             <a:r>
               <a:rPr lang="zh-CN" altLang="en-US" dirty="0"/>
-              <a:t>模型通过结合深度学习和强化学习，成功在雅达利游戏中实现了人类水平的性能，为深度强化学习奠定了基础</a:t>
-            </a:r>
-            <a:r>
-              <a:rPr lang="en-US" altLang="zh-CN" dirty="0"/>
-              <a:t>710</a:t>
-            </a:r>
-            <a:r>
-              <a:rPr lang="zh-CN" altLang="en-US"/>
-              <a:t>。</a:t>
-            </a:r>
-            <a:endParaRPr lang="zh-CN" altLang="en-US" dirty="0"/>
+              <a:t>进一步推动了</a:t>
+            </a:r>
+            <a:r>
+              <a:rPr lang="en" altLang="zh-CN" dirty="0"/>
+              <a:t>AI</a:t>
+            </a:r>
+            <a:r>
+              <a:rPr lang="zh-CN" altLang="en-US" dirty="0"/>
+              <a:t>的普及。</a:t>
+            </a:r>
           </a:p>
           <a:p>
-            <a:endParaRPr lang="zh-CN" altLang="en" dirty="0"/>
-          </a:p>
-        </p:txBody>
-      </p:sp>
-    </p:spTree>
-    <p:extLst>
-      <p:ext uri="{BB962C8B-B14F-4D97-AF65-F5344CB8AC3E}">
-        <p14:creationId xmlns:p14="http://schemas.microsoft.com/office/powerpoint/2010/main" val="4080350519"/>
-      </p:ext>
-    </p:extLst>
-  </p:cSld>
-  <p:clrMapOvr>
-    <a:masterClrMapping/>
-  </p:clrMapOvr>
-  <mc:AlternateContent xmlns:mc="http://schemas.openxmlformats.org/markup-compatibility/2006" xmlns:p159="http://schemas.microsoft.com/office/powerpoint/2015/09/main">
-    <mc:Choice Requires="p159">
-      <p:transition xmlns:p14="http://schemas.microsoft.com/office/powerpoint/2010/main" spd="slow" p14:dur="2000">
-        <p159:morph option="byObject"/>
-      </p:transition>
-    </mc:Choice>
-    <mc:Fallback xmlns="">
-      <p:transition spd="slow">
-        <p:fade/>
-      </p:transition>
-    </mc:Fallback>
-  </mc:AlternateContent>
-</p:sld>
-</file>
-
-<file path=ppt/slides/slide4.xml><?xml version="1.0" encoding="utf-8"?>
-<p:sld xmlns:a="http://schemas.openxmlformats.org/drawingml/2006/main" xmlns:r="http://schemas.openxmlformats.org/officeDocument/2006/relationships" xmlns:p="http://schemas.openxmlformats.org/presentationml/2006/main">
-  <p:cSld>
-    <p:spTree>
-      <p:nvGrpSpPr>
-        <p:cNvPr id="1" name=""/>
-        <p:cNvGrpSpPr/>
-        <p:nvPr/>
-      </p:nvGrpSpPr>
-      <p:grpSpPr>
-        <a:xfrm>
-          <a:off x="0" y="0"/>
-          <a:ext cx="0" cy="0"/>
-          <a:chOff x="0" y="0"/>
-          <a:chExt cx="0" cy="0"/>
-        </a:xfrm>
-      </p:grpSpPr>
-      <p:sp>
-        <p:nvSpPr>
-          <p:cNvPr id="3" name="标题 2">
-            <a:extLst>
-              <a:ext uri="{FF2B5EF4-FFF2-40B4-BE49-F238E27FC236}">
-                <a16:creationId xmlns:a16="http://schemas.microsoft.com/office/drawing/2014/main" id="{55CDD80E-1FC2-A476-E1EA-0FE439A5DE78}"/>
-              </a:ext>
-            </a:extLst>
-          </p:cNvPr>
-          <p:cNvSpPr>
-            <a:spLocks noGrp="1"/>
-          </p:cNvSpPr>
-          <p:nvPr>
-            <p:ph type="title"/>
-          </p:nvPr>
-        </p:nvSpPr>
-        <p:spPr>
-          <a:xfrm>
-            <a:off x="623635" y="522789"/>
-            <a:ext cx="10963473" cy="589190"/>
-          </a:xfrm>
-        </p:spPr>
-        <p:txBody>
-          <a:bodyPr/>
-          <a:lstStyle/>
-          <a:p>
-            <a:r>
-              <a:rPr lang="en-US" altLang="zh-CN" dirty="0"/>
-              <a:t>2014 </a:t>
-            </a:r>
             <a:r>
               <a:rPr lang="zh-CN" altLang="en-US" dirty="0"/>
-              <a:t>年</a:t>
+              <a:t>百度</a:t>
             </a:r>
             <a:r>
               <a:rPr lang="en" altLang="zh-CN" dirty="0"/>
@@ -32390,484 +32700,62 @@
             </a:r>
             <a:r>
               <a:rPr lang="zh-CN" altLang="en-US" dirty="0"/>
-              <a:t>商业化与巨头布局</a:t>
+              <a:t>实验室的成立：</a:t>
+            </a:r>
+            <a:endParaRPr lang="en-US" altLang="zh-CN" dirty="0"/>
+          </a:p>
+          <a:p>
+            <a:pPr lvl="1"/>
+            <a:r>
+              <a:rPr lang="zh-CN" altLang="en-US" dirty="0"/>
+              <a:t>百度在硅谷设立了深度学习实验室，并聘请吴恩达担任首席科学家，标志着中国科技巨头在</a:t>
+            </a:r>
+            <a:r>
+              <a:rPr lang="en" altLang="zh-CN" dirty="0"/>
+              <a:t>AI</a:t>
+            </a:r>
+            <a:r>
+              <a:rPr lang="zh-CN" altLang="en-US" dirty="0"/>
+              <a:t>领域的全面布局。</a:t>
             </a:r>
           </a:p>
         </p:txBody>
       </p:sp>
       <p:sp>
         <p:nvSpPr>
-          <p:cNvPr id="4" name="内容占位符 3">
+          <p:cNvPr id="5" name="文本框 4">
             <a:extLst>
               <a:ext uri="{FF2B5EF4-FFF2-40B4-BE49-F238E27FC236}">
-                <a16:creationId xmlns:a16="http://schemas.microsoft.com/office/drawing/2014/main" id="{4C512CCA-7F02-4621-A5E7-1BCF6E0C4355}"/>
+                <a16:creationId xmlns:a16="http://schemas.microsoft.com/office/drawing/2014/main" id="{E3790335-42B3-54D6-36BA-3D9558B90589}"/>
               </a:ext>
             </a:extLst>
           </p:cNvPr>
-          <p:cNvSpPr>
-            <a:spLocks noGrp="1"/>
-          </p:cNvSpPr>
-          <p:nvPr>
-            <p:ph sz="half" idx="1"/>
-          </p:nvPr>
+          <p:cNvSpPr txBox="1"/>
+          <p:nvPr/>
         </p:nvSpPr>
         <p:spPr>
           <a:xfrm>
-            <a:off x="623635" y="1246909"/>
-            <a:ext cx="10963473" cy="5108171"/>
+            <a:off x="3484180" y="3076931"/>
+            <a:ext cx="8271640" cy="276999"/>
           </a:xfrm>
+          <a:prstGeom prst="rect">
+            <a:avLst/>
+          </a:prstGeom>
+          <a:noFill/>
         </p:spPr>
         <p:txBody>
-          <a:bodyPr/>
+          <a:bodyPr wrap="square">
+            <a:spAutoFit/>
+          </a:bodyPr>
           <a:lstStyle/>
           <a:p>
             <a:r>
-              <a:rPr lang="zh-CN" altLang="en-US" dirty="0"/>
-              <a:t>生成对抗网络的提出：</a:t>
-            </a:r>
-            <a:r>
-              <a:rPr lang="en" altLang="zh-CN" dirty="0"/>
-              <a:t>Ian Goodfellow</a:t>
-            </a:r>
-            <a:r>
-              <a:rPr lang="zh-CN" altLang="en-US" dirty="0"/>
-              <a:t>及其同事创造了生成对抗网络（</a:t>
-            </a:r>
-            <a:r>
-              <a:rPr lang="en" altLang="zh-CN" dirty="0"/>
-              <a:t>GAN</a:t>
-            </a:r>
-            <a:r>
-              <a:rPr lang="zh-CN" altLang="en" dirty="0"/>
-              <a:t>），</a:t>
-            </a:r>
-            <a:r>
-              <a:rPr lang="zh-CN" altLang="en-US" dirty="0"/>
-              <a:t>这是一类用于生成照片、转换图像和深度模拟的机器学习框架。</a:t>
-            </a:r>
-          </a:p>
-          <a:p>
-            <a:r>
-              <a:rPr lang="zh-CN" altLang="en-US" dirty="0"/>
-              <a:t>变分自动编码器的引入：</a:t>
-            </a:r>
-            <a:r>
-              <a:rPr lang="en" altLang="zh-CN" dirty="0" err="1"/>
-              <a:t>Diederik</a:t>
-            </a:r>
-            <a:r>
-              <a:rPr lang="en" altLang="zh-CN" dirty="0"/>
-              <a:t> </a:t>
-            </a:r>
-            <a:r>
-              <a:rPr lang="en" altLang="zh-CN" dirty="0" err="1"/>
-              <a:t>Kingma</a:t>
-            </a:r>
-            <a:r>
-              <a:rPr lang="zh-CN" altLang="en-US" dirty="0"/>
-              <a:t>和</a:t>
-            </a:r>
-            <a:r>
-              <a:rPr lang="en" altLang="zh-CN" dirty="0"/>
-              <a:t>Max Welling</a:t>
-            </a:r>
-            <a:r>
-              <a:rPr lang="zh-CN" altLang="en-US" dirty="0"/>
-              <a:t>引入了变分自动编码器来生成图像、视频和文本。</a:t>
-            </a:r>
-          </a:p>
-          <a:p>
-            <a:r>
-              <a:rPr lang="en" altLang="zh-CN" dirty="0" err="1"/>
-              <a:t>DeepFace</a:t>
-            </a:r>
-            <a:r>
-              <a:rPr lang="zh-CN" altLang="en-US" dirty="0"/>
-              <a:t>的开发：</a:t>
-            </a:r>
-            <a:r>
-              <a:rPr lang="en" altLang="zh-CN" dirty="0"/>
-              <a:t>Facebook</a:t>
-            </a:r>
-            <a:r>
-              <a:rPr lang="zh-CN" altLang="en-US" dirty="0"/>
-              <a:t>开发了深度学习面部识别系统</a:t>
-            </a:r>
-            <a:r>
-              <a:rPr lang="en" altLang="zh-CN" dirty="0" err="1"/>
-              <a:t>DeepFace</a:t>
-            </a:r>
-            <a:r>
-              <a:rPr lang="zh-CN" altLang="en" dirty="0"/>
-              <a:t>，</a:t>
-            </a:r>
-            <a:r>
-              <a:rPr lang="zh-CN" altLang="en-US" dirty="0"/>
-              <a:t>能够以接近人类的准确度识别数字图像中的人脸。</a:t>
-            </a:r>
-          </a:p>
-          <a:p>
-            <a:r>
-              <a:rPr lang="zh-CN" altLang="en-US" dirty="0"/>
-              <a:t>谷歌无人驾驶汽车的进展：</a:t>
-            </a:r>
-            <a:r>
-              <a:rPr lang="en-US" altLang="zh-CN" dirty="0"/>
-              <a:t>2014</a:t>
-            </a:r>
-            <a:r>
-              <a:rPr lang="zh-CN" altLang="en-US" dirty="0"/>
-              <a:t>年，谷歌成为第一个通过美国州自驾车测试的公司。</a:t>
-            </a:r>
-          </a:p>
-          <a:p>
-            <a:r>
-              <a:rPr lang="zh-CN" altLang="en-US" dirty="0"/>
-              <a:t>神经形态芯片的突破：</a:t>
-            </a:r>
-            <a:r>
-              <a:rPr lang="en-US" altLang="zh-CN" dirty="0"/>
-              <a:t>2014</a:t>
-            </a:r>
-            <a:r>
-              <a:rPr lang="zh-CN" altLang="en-US" dirty="0"/>
-              <a:t>年，</a:t>
-            </a:r>
-            <a:r>
-              <a:rPr lang="en-US" altLang="zh-CN" dirty="0"/>
-              <a:t>《</a:t>
-            </a:r>
-            <a:r>
-              <a:rPr lang="zh-CN" altLang="en-US" dirty="0"/>
-              <a:t>麻省理工科技评论</a:t>
-            </a:r>
-            <a:r>
-              <a:rPr lang="en-US" altLang="zh-CN" dirty="0"/>
-              <a:t>》</a:t>
-            </a:r>
-            <a:r>
-              <a:rPr lang="zh-CN" altLang="en-US" dirty="0"/>
-              <a:t>评选出的“十大突破性技术”中包括神经形态芯片，这标志着</a:t>
-            </a:r>
-            <a:r>
-              <a:rPr lang="en" altLang="zh-CN" dirty="0"/>
-              <a:t>AI</a:t>
-            </a:r>
-            <a:r>
-              <a:rPr lang="zh-CN" altLang="en-US" dirty="0"/>
-              <a:t>硬件领域的重要进展。</a:t>
-            </a:r>
-          </a:p>
-        </p:txBody>
-      </p:sp>
-    </p:spTree>
-    <p:extLst>
-      <p:ext uri="{BB962C8B-B14F-4D97-AF65-F5344CB8AC3E}">
-        <p14:creationId xmlns:p14="http://schemas.microsoft.com/office/powerpoint/2010/main" val="3632059403"/>
-      </p:ext>
-    </p:extLst>
-  </p:cSld>
-  <p:clrMapOvr>
-    <a:masterClrMapping/>
-  </p:clrMapOvr>
-  <mc:AlternateContent xmlns:mc="http://schemas.openxmlformats.org/markup-compatibility/2006" xmlns:p159="http://schemas.microsoft.com/office/powerpoint/2015/09/main">
-    <mc:Choice Requires="p159">
-      <p:transition xmlns:p14="http://schemas.microsoft.com/office/powerpoint/2010/main" spd="slow" p14:dur="2000">
-        <p159:morph option="byObject"/>
-      </p:transition>
-    </mc:Choice>
-    <mc:Fallback xmlns="">
-      <p:transition spd="slow">
-        <p:fade/>
-      </p:transition>
-    </mc:Fallback>
-  </mc:AlternateContent>
-</p:sld>
-</file>
-
-<file path=ppt/slides/slide5.xml><?xml version="1.0" encoding="utf-8"?>
-<p:sld xmlns:a="http://schemas.openxmlformats.org/drawingml/2006/main" xmlns:r="http://schemas.openxmlformats.org/officeDocument/2006/relationships" xmlns:p="http://schemas.openxmlformats.org/presentationml/2006/main">
-  <p:cSld>
-    <p:spTree>
-      <p:nvGrpSpPr>
-        <p:cNvPr id="1" name=""/>
-        <p:cNvGrpSpPr/>
-        <p:nvPr/>
-      </p:nvGrpSpPr>
-      <p:grpSpPr>
-        <a:xfrm>
-          <a:off x="0" y="0"/>
-          <a:ext cx="0" cy="0"/>
-          <a:chOff x="0" y="0"/>
-          <a:chExt cx="0" cy="0"/>
-        </a:xfrm>
-      </p:grpSpPr>
-      <p:sp>
-        <p:nvSpPr>
-          <p:cNvPr id="3" name="标题 2">
-            <a:extLst>
-              <a:ext uri="{FF2B5EF4-FFF2-40B4-BE49-F238E27FC236}">
-                <a16:creationId xmlns:a16="http://schemas.microsoft.com/office/drawing/2014/main" id="{55CDD80E-1FC2-A476-E1EA-0FE439A5DE78}"/>
-              </a:ext>
-            </a:extLst>
-          </p:cNvPr>
-          <p:cNvSpPr>
-            <a:spLocks noGrp="1"/>
-          </p:cNvSpPr>
-          <p:nvPr>
-            <p:ph type="title"/>
-          </p:nvPr>
-        </p:nvSpPr>
-        <p:spPr>
-          <a:xfrm>
-            <a:off x="623635" y="522789"/>
-            <a:ext cx="10963473" cy="589190"/>
-          </a:xfrm>
-        </p:spPr>
-        <p:txBody>
-          <a:bodyPr/>
-          <a:lstStyle/>
-          <a:p>
-            <a:r>
-              <a:rPr lang="en-US" altLang="zh-CN" dirty="0"/>
-              <a:t>2014 </a:t>
-            </a:r>
-            <a:r>
-              <a:rPr lang="zh-CN" altLang="en-US" dirty="0"/>
-              <a:t>年</a:t>
-            </a:r>
-            <a:r>
-              <a:rPr lang="en" altLang="zh-CN" dirty="0"/>
-              <a:t>AI</a:t>
-            </a:r>
-            <a:r>
-              <a:rPr lang="zh-CN" altLang="en-US" dirty="0"/>
-              <a:t>商业化与巨头布局</a:t>
-            </a:r>
-          </a:p>
-        </p:txBody>
-      </p:sp>
-      <p:sp>
-        <p:nvSpPr>
-          <p:cNvPr id="4" name="内容占位符 3">
-            <a:extLst>
-              <a:ext uri="{FF2B5EF4-FFF2-40B4-BE49-F238E27FC236}">
-                <a16:creationId xmlns:a16="http://schemas.microsoft.com/office/drawing/2014/main" id="{4C512CCA-7F02-4621-A5E7-1BCF6E0C4355}"/>
-              </a:ext>
-            </a:extLst>
-          </p:cNvPr>
-          <p:cNvSpPr>
-            <a:spLocks noGrp="1"/>
-          </p:cNvSpPr>
-          <p:nvPr>
-            <p:ph sz="half" idx="1"/>
-          </p:nvPr>
-        </p:nvSpPr>
-        <p:spPr>
-          <a:xfrm>
-            <a:off x="623635" y="1246909"/>
-            <a:ext cx="10963473" cy="5108171"/>
-          </a:xfrm>
-        </p:spPr>
-        <p:txBody>
-          <a:bodyPr/>
-          <a:lstStyle/>
-          <a:p>
-            <a:r>
-              <a:rPr lang="en" altLang="zh-CN" dirty="0"/>
-              <a:t>Google</a:t>
-            </a:r>
-            <a:r>
-              <a:rPr lang="zh-CN" altLang="en-US" dirty="0"/>
-              <a:t>收购</a:t>
-            </a:r>
-            <a:r>
-              <a:rPr lang="en" altLang="zh-CN" dirty="0"/>
-              <a:t>DeepMind</a:t>
-            </a:r>
-            <a:r>
-              <a:rPr lang="zh-CN" altLang="en" dirty="0"/>
-              <a:t>：</a:t>
-            </a:r>
-            <a:r>
-              <a:rPr lang="en" altLang="zh-CN" dirty="0"/>
-              <a:t>2014</a:t>
-            </a:r>
-            <a:r>
-              <a:rPr lang="zh-CN" altLang="en-US" dirty="0"/>
-              <a:t>年，</a:t>
-            </a:r>
-            <a:r>
-              <a:rPr lang="en" altLang="zh-CN" dirty="0"/>
-              <a:t>Google</a:t>
-            </a:r>
-            <a:r>
-              <a:rPr lang="zh-CN" altLang="en-US" dirty="0"/>
-              <a:t>以</a:t>
-            </a:r>
-            <a:r>
-              <a:rPr lang="en-US" altLang="zh-CN" dirty="0"/>
-              <a:t>6</a:t>
-            </a:r>
-            <a:r>
-              <a:rPr lang="zh-CN" altLang="en-US" dirty="0"/>
-              <a:t>亿美元收购</a:t>
-            </a:r>
-            <a:r>
-              <a:rPr lang="en" altLang="zh-CN" dirty="0"/>
-              <a:t>DeepMind</a:t>
-            </a:r>
-            <a:r>
-              <a:rPr lang="zh-CN" altLang="en" dirty="0"/>
-              <a:t>，</a:t>
-            </a:r>
-            <a:r>
-              <a:rPr lang="zh-CN" altLang="en-US" dirty="0"/>
-              <a:t>这是</a:t>
-            </a:r>
-            <a:r>
-              <a:rPr lang="en" altLang="zh-CN" dirty="0"/>
-              <a:t>AI</a:t>
-            </a:r>
-            <a:r>
-              <a:rPr lang="zh-CN" altLang="en-US" dirty="0"/>
-              <a:t>领域的重要并购事件。</a:t>
-            </a:r>
-            <a:r>
-              <a:rPr lang="en" altLang="zh-CN" dirty="0"/>
-              <a:t>DeepMind</a:t>
-            </a:r>
-            <a:r>
-              <a:rPr lang="zh-CN" altLang="en-US" dirty="0"/>
-              <a:t>随后在</a:t>
-            </a:r>
-            <a:r>
-              <a:rPr lang="en-US" altLang="zh-CN" dirty="0"/>
-              <a:t>2016</a:t>
-            </a:r>
-            <a:r>
-              <a:rPr lang="zh-CN" altLang="en-US" dirty="0"/>
-              <a:t>年推出了</a:t>
-            </a:r>
-            <a:r>
-              <a:rPr lang="en" altLang="zh-CN" dirty="0"/>
-              <a:t>AlphaGo</a:t>
-            </a:r>
-            <a:r>
-              <a:rPr lang="zh-CN" altLang="en" dirty="0"/>
-              <a:t>，</a:t>
-            </a:r>
-            <a:r>
-              <a:rPr lang="zh-CN" altLang="en-US" dirty="0"/>
-              <a:t>进一步推动了</a:t>
-            </a:r>
-            <a:r>
-              <a:rPr lang="en" altLang="zh-CN" dirty="0"/>
-              <a:t>AI</a:t>
-            </a:r>
-            <a:r>
-              <a:rPr lang="zh-CN" altLang="en-US" dirty="0"/>
-              <a:t>的普及</a:t>
-            </a:r>
-            <a:r>
-              <a:rPr lang="en-US" altLang="zh-CN" dirty="0"/>
-              <a:t>516</a:t>
-            </a:r>
-            <a:r>
-              <a:rPr lang="zh-CN" altLang="en-US" dirty="0"/>
-              <a:t>。</a:t>
-            </a:r>
-          </a:p>
-          <a:p>
-            <a:r>
-              <a:rPr lang="zh-CN" altLang="en-US" dirty="0"/>
-              <a:t>生成对抗网络（</a:t>
-            </a:r>
-            <a:r>
-              <a:rPr lang="en" altLang="zh-CN" dirty="0"/>
-              <a:t>GANs</a:t>
-            </a:r>
-            <a:r>
-              <a:rPr lang="zh-CN" altLang="en" dirty="0"/>
-              <a:t>）</a:t>
-            </a:r>
-            <a:r>
-              <a:rPr lang="zh-CN" altLang="en-US" dirty="0"/>
-              <a:t>的发明：</a:t>
-            </a:r>
-            <a:r>
-              <a:rPr lang="en" altLang="zh-CN" dirty="0"/>
-              <a:t>Ian Goodfellow</a:t>
-            </a:r>
-            <a:r>
-              <a:rPr lang="zh-CN" altLang="en-US" dirty="0"/>
-              <a:t>在</a:t>
-            </a:r>
-            <a:r>
-              <a:rPr lang="en-US" altLang="zh-CN" dirty="0"/>
-              <a:t>2014</a:t>
-            </a:r>
-            <a:r>
-              <a:rPr lang="zh-CN" altLang="en-US" dirty="0"/>
-              <a:t>年提出了生成对抗网络（</a:t>
-            </a:r>
-            <a:r>
-              <a:rPr lang="en" altLang="zh-CN" dirty="0"/>
-              <a:t>GANs</a:t>
-            </a:r>
-            <a:r>
-              <a:rPr lang="zh-CN" altLang="en" dirty="0"/>
-              <a:t>），</a:t>
-            </a:r>
-            <a:r>
-              <a:rPr lang="zh-CN" altLang="en-US" dirty="0"/>
-              <a:t>这一技术后来成为生成式</a:t>
-            </a:r>
-            <a:r>
-              <a:rPr lang="en" altLang="zh-CN" dirty="0"/>
-              <a:t>AI</a:t>
-            </a:r>
-            <a:r>
-              <a:rPr lang="zh-CN" altLang="en-US" dirty="0"/>
-              <a:t>的核心，广泛应用于图像生成、视频合成等领域</a:t>
-            </a:r>
-            <a:r>
-              <a:rPr lang="en-US" altLang="zh-CN" dirty="0"/>
-              <a:t>711</a:t>
-            </a:r>
-            <a:r>
-              <a:rPr lang="zh-CN" altLang="en-US" dirty="0"/>
-              <a:t>。</a:t>
-            </a:r>
-          </a:p>
-          <a:p>
-            <a:r>
-              <a:rPr lang="zh-CN" altLang="en-US" dirty="0"/>
-              <a:t>百度</a:t>
-            </a:r>
-            <a:r>
-              <a:rPr lang="en" altLang="zh-CN" dirty="0"/>
-              <a:t>AI</a:t>
-            </a:r>
-            <a:r>
-              <a:rPr lang="zh-CN" altLang="en-US" dirty="0"/>
-              <a:t>实验室的成立：百度在硅谷设立了深度学习实验室，并聘请吴恩达担任首席科学家，标志着中国科技巨头在</a:t>
-            </a:r>
-            <a:r>
-              <a:rPr lang="en" altLang="zh-CN" dirty="0"/>
-              <a:t>AI</a:t>
-            </a:r>
-            <a:r>
-              <a:rPr lang="zh-CN" altLang="en-US" dirty="0"/>
-              <a:t>领域的全面布局</a:t>
-            </a:r>
-            <a:r>
-              <a:rPr lang="en-US" altLang="zh-CN" dirty="0"/>
-              <a:t>516</a:t>
-            </a:r>
-            <a:r>
-              <a:rPr lang="zh-CN" altLang="en-US" dirty="0"/>
-              <a:t>。</a:t>
+              <a:rPr lang="zh-CN" altLang="en-US" sz="1200" dirty="0">
+                <a:solidFill>
+                  <a:srgbClr val="0432FF"/>
+                </a:solidFill>
+              </a:rPr>
+              <a:t>https://www.youtube.com/watch?v=b6e8CCPp2Kc&amp;pp=ygUIRGVlcE1pbmQ%3D</a:t>
             </a:r>
           </a:p>
         </p:txBody>
@@ -32897,7 +32785,7 @@
 </p:sld>
 </file>
 
-<file path=ppt/slides/slide6.xml><?xml version="1.0" encoding="utf-8"?>
+<file path=ppt/slides/slide11.xml><?xml version="1.0" encoding="utf-8"?>
 <p:sld xmlns:a="http://schemas.openxmlformats.org/drawingml/2006/main" xmlns:r="http://schemas.openxmlformats.org/officeDocument/2006/relationships" xmlns:p="http://schemas.openxmlformats.org/presentationml/2006/main">
   <p:cSld>
     <p:spTree>
@@ -33082,7 +32970,153 @@
 </p:sld>
 </file>
 
-<file path=ppt/slides/slide7.xml><?xml version="1.0" encoding="utf-8"?>
+<file path=ppt/slides/slide12.xml><?xml version="1.0" encoding="utf-8"?>
+<p:sld xmlns:a="http://schemas.openxmlformats.org/drawingml/2006/main" xmlns:r="http://schemas.openxmlformats.org/officeDocument/2006/relationships" xmlns:p="http://schemas.openxmlformats.org/presentationml/2006/main">
+  <p:cSld>
+    <p:spTree>
+      <p:nvGrpSpPr>
+        <p:cNvPr id="1" name=""/>
+        <p:cNvGrpSpPr/>
+        <p:nvPr/>
+      </p:nvGrpSpPr>
+      <p:grpSpPr>
+        <a:xfrm>
+          <a:off x="0" y="0"/>
+          <a:ext cx="0" cy="0"/>
+          <a:chOff x="0" y="0"/>
+          <a:chExt cx="0" cy="0"/>
+        </a:xfrm>
+      </p:grpSpPr>
+      <p:sp>
+        <p:nvSpPr>
+          <p:cNvPr id="4" name="文本框 3">
+            <a:extLst>
+              <a:ext uri="{FF2B5EF4-FFF2-40B4-BE49-F238E27FC236}">
+                <a16:creationId xmlns:a16="http://schemas.microsoft.com/office/drawing/2014/main" id="{11B95A44-CCF2-9448-AD90-014C7B1CC7EC}"/>
+              </a:ext>
+            </a:extLst>
+          </p:cNvPr>
+          <p:cNvSpPr txBox="1"/>
+          <p:nvPr/>
+        </p:nvSpPr>
+        <p:spPr>
+          <a:xfrm>
+            <a:off x="4728457" y="1046095"/>
+            <a:ext cx="2739853" cy="2646878"/>
+          </a:xfrm>
+          <a:prstGeom prst="rect">
+            <a:avLst/>
+          </a:prstGeom>
+          <a:noFill/>
+        </p:spPr>
+        <p:txBody>
+          <a:bodyPr wrap="none" rtlCol="0">
+            <a:spAutoFit/>
+          </a:bodyPr>
+          <a:lstStyle/>
+          <a:p>
+            <a:pPr algn="ctr"/>
+            <a:r>
+              <a:rPr kumimoji="1" lang="en-US" altLang="zh-CN" sz="16600" b="1" dirty="0">
+                <a:gradFill>
+                  <a:gsLst>
+                    <a:gs pos="4000">
+                      <a:srgbClr val="126FFC"/>
+                    </a:gs>
+                    <a:gs pos="73000">
+                      <a:srgbClr val="126FFC">
+                        <a:alpha val="0"/>
+                      </a:srgbClr>
+                    </a:gs>
+                  </a:gsLst>
+                  <a:lin ang="5400000" scaled="1"/>
+                </a:gradFill>
+                <a:latin typeface="PingFang SC Semibold" panose="020B0400000000000000" pitchFamily="34" charset="-122"/>
+                <a:ea typeface="PingFang SC Semibold" panose="020B0400000000000000" pitchFamily="34" charset="-122"/>
+              </a:rPr>
+              <a:t>04</a:t>
+            </a:r>
+            <a:endParaRPr kumimoji="1" lang="zh-CN" altLang="en-US" sz="16600" b="1" dirty="0">
+              <a:gradFill>
+                <a:gsLst>
+                  <a:gs pos="4000">
+                    <a:srgbClr val="126FFC"/>
+                  </a:gs>
+                  <a:gs pos="73000">
+                    <a:srgbClr val="126FFC">
+                      <a:alpha val="0"/>
+                    </a:srgbClr>
+                  </a:gs>
+                </a:gsLst>
+                <a:lin ang="5400000" scaled="1"/>
+              </a:gradFill>
+              <a:latin typeface="PingFang SC Semibold" panose="020B0400000000000000" pitchFamily="34" charset="-122"/>
+              <a:ea typeface="PingFang SC Semibold" panose="020B0400000000000000" pitchFamily="34" charset="-122"/>
+            </a:endParaRPr>
+          </a:p>
+        </p:txBody>
+      </p:sp>
+      <p:sp>
+        <p:nvSpPr>
+          <p:cNvPr id="5" name="内容占位符 4">
+            <a:extLst>
+              <a:ext uri="{FF2B5EF4-FFF2-40B4-BE49-F238E27FC236}">
+                <a16:creationId xmlns:a16="http://schemas.microsoft.com/office/drawing/2014/main" id="{D04938AF-B47A-1764-AB7F-5185CDB78730}"/>
+              </a:ext>
+            </a:extLst>
+          </p:cNvPr>
+          <p:cNvSpPr>
+            <a:spLocks noGrp="1"/>
+          </p:cNvSpPr>
+          <p:nvPr>
+            <p:ph sz="half" idx="1"/>
+          </p:nvPr>
+        </p:nvSpPr>
+        <p:spPr>
+          <a:xfrm>
+            <a:off x="481757" y="2406869"/>
+            <a:ext cx="11161240" cy="3603651"/>
+          </a:xfrm>
+        </p:spPr>
+        <p:txBody>
+          <a:bodyPr>
+            <a:normAutofit/>
+          </a:bodyPr>
+          <a:lstStyle/>
+          <a:p>
+            <a:pPr algn="ctr" rtl="0">
+              <a:spcBef>
+                <a:spcPts val="1800"/>
+              </a:spcBef>
+              <a:spcAft>
+                <a:spcPts val="600"/>
+              </a:spcAft>
+            </a:pPr>
+            <a:r>
+              <a:rPr lang="zh-CN" altLang="en-US" dirty="0"/>
+              <a:t>硬件与产业发展</a:t>
+            </a:r>
+            <a:endParaRPr lang="en-US" altLang="zh-CN" dirty="0">
+              <a:latin typeface="Lexend" pitchFamily="2" charset="0"/>
+              <a:ea typeface="+mj-ea"/>
+            </a:endParaRPr>
+          </a:p>
+        </p:txBody>
+      </p:sp>
+    </p:spTree>
+    <p:extLst>
+      <p:ext uri="{BB962C8B-B14F-4D97-AF65-F5344CB8AC3E}">
+        <p14:creationId xmlns:p14="http://schemas.microsoft.com/office/powerpoint/2010/main" val="928969325"/>
+      </p:ext>
+    </p:extLst>
+  </p:cSld>
+  <p:clrMapOvr>
+    <a:masterClrMapping/>
+  </p:clrMapOvr>
+</p:sld>
+</file>
+
+<file path=ppt/slides/slide13.xml><?xml version="1.0" encoding="utf-8"?>
 <p:sld xmlns:a="http://schemas.openxmlformats.org/drawingml/2006/main" xmlns:r="http://schemas.openxmlformats.org/officeDocument/2006/relationships" xmlns:p="http://schemas.openxmlformats.org/presentationml/2006/main">
   <p:cSld>
     <p:spTree>
@@ -33251,6 +33285,45 @@
           </a:p>
         </p:txBody>
       </p:sp>
+      <p:sp>
+        <p:nvSpPr>
+          <p:cNvPr id="4" name="文本框 3">
+            <a:extLst>
+              <a:ext uri="{FF2B5EF4-FFF2-40B4-BE49-F238E27FC236}">
+                <a16:creationId xmlns:a16="http://schemas.microsoft.com/office/drawing/2014/main" id="{84D84BD3-8BAE-EF10-31EF-A62880220166}"/>
+              </a:ext>
+            </a:extLst>
+          </p:cNvPr>
+          <p:cNvSpPr txBox="1"/>
+          <p:nvPr/>
+        </p:nvSpPr>
+        <p:spPr>
+          <a:xfrm>
+            <a:off x="3494690" y="1500380"/>
+            <a:ext cx="8271640" cy="276999"/>
+          </a:xfrm>
+          <a:prstGeom prst="rect">
+            <a:avLst/>
+          </a:prstGeom>
+          <a:noFill/>
+        </p:spPr>
+        <p:txBody>
+          <a:bodyPr wrap="square">
+            <a:spAutoFit/>
+          </a:bodyPr>
+          <a:lstStyle/>
+          <a:p>
+            <a:r>
+              <a:rPr lang="zh-CN" altLang="en-US" sz="1200" dirty="0">
+                <a:solidFill>
+                  <a:srgbClr val="0432FF"/>
+                </a:solidFill>
+              </a:rPr>
+              <a:t>https://www.youtube.com/watch?v=X2TYAcr36r0&amp;t=323s&amp;pp=ygUNSUJNIFRydWVOb3J0aA%3D%3D</a:t>
+            </a:r>
+          </a:p>
+        </p:txBody>
+      </p:sp>
     </p:spTree>
     <p:extLst>
       <p:ext uri="{BB962C8B-B14F-4D97-AF65-F5344CB8AC3E}">
@@ -33276,7 +33349,7 @@
 </p:sld>
 </file>
 
-<file path=ppt/slides/slide8.xml><?xml version="1.0" encoding="utf-8"?>
+<file path=ppt/slides/slide14.xml><?xml version="1.0" encoding="utf-8"?>
 <p:sld xmlns:a="http://schemas.openxmlformats.org/drawingml/2006/main" xmlns:r="http://schemas.openxmlformats.org/officeDocument/2006/relationships" xmlns:p="http://schemas.openxmlformats.org/presentationml/2006/main">
   <p:cSld>
     <p:spTree>
@@ -33348,6 +33421,10 @@
               <a:rPr lang="zh-CN" altLang="en-US" dirty="0"/>
               <a:t>商汤科技：</a:t>
             </a:r>
+            <a:endParaRPr lang="en-US" altLang="zh-CN" dirty="0"/>
+          </a:p>
+          <a:p>
+            <a:pPr lvl="1"/>
             <a:r>
               <a:rPr lang="en-US" altLang="zh-CN" dirty="0"/>
               <a:t>2014</a:t>
@@ -33370,6 +33447,10 @@
               <a:rPr lang="zh-CN" altLang="en-US" dirty="0"/>
               <a:t>旷视科技：</a:t>
             </a:r>
+            <a:endParaRPr lang="en-US" altLang="zh-CN" dirty="0"/>
+          </a:p>
+          <a:p>
+            <a:pPr lvl="1"/>
             <a:r>
               <a:rPr lang="en-US" altLang="zh-CN" dirty="0"/>
               <a:t>2011</a:t>
@@ -33389,13 +33470,13 @@
           </a:p>
           <a:p>
             <a:r>
-              <a:rPr lang="zh-CN" altLang="en-US"/>
-              <a:t>依</a:t>
-            </a:r>
-            <a:r>
               <a:rPr lang="zh-CN" altLang="en-US" dirty="0"/>
-              <a:t>图科技：</a:t>
-            </a:r>
+              <a:t>依图科技：</a:t>
+            </a:r>
+            <a:endParaRPr lang="en-US" altLang="zh-CN" dirty="0"/>
+          </a:p>
+          <a:p>
+            <a:pPr lvl="1"/>
             <a:r>
               <a:rPr lang="en-US" altLang="zh-CN" dirty="0"/>
               <a:t>2012</a:t>
@@ -33407,6 +33488,123 @@
           </a:p>
           <a:p>
             <a:endParaRPr lang="zh-CN" altLang="en-US" dirty="0"/>
+          </a:p>
+        </p:txBody>
+      </p:sp>
+      <p:sp>
+        <p:nvSpPr>
+          <p:cNvPr id="3" name="文本框 2">
+            <a:extLst>
+              <a:ext uri="{FF2B5EF4-FFF2-40B4-BE49-F238E27FC236}">
+                <a16:creationId xmlns:a16="http://schemas.microsoft.com/office/drawing/2014/main" id="{E52AE1FD-5739-3EFA-394E-9E968BF84BE1}"/>
+              </a:ext>
+            </a:extLst>
+          </p:cNvPr>
+          <p:cNvSpPr txBox="1"/>
+          <p:nvPr/>
+        </p:nvSpPr>
+        <p:spPr>
+          <a:xfrm>
+            <a:off x="2180896" y="1531911"/>
+            <a:ext cx="8271640" cy="276999"/>
+          </a:xfrm>
+          <a:prstGeom prst="rect">
+            <a:avLst/>
+          </a:prstGeom>
+          <a:noFill/>
+        </p:spPr>
+        <p:txBody>
+          <a:bodyPr wrap="square">
+            <a:spAutoFit/>
+          </a:bodyPr>
+          <a:lstStyle/>
+          <a:p>
+            <a:r>
+              <a:rPr lang="zh-CN" altLang="en-US" sz="1200" dirty="0">
+                <a:solidFill>
+                  <a:srgbClr val="0432FF"/>
+                </a:solidFill>
+              </a:rPr>
+              <a:t>https://www.youtube.com/watch?v=oSM0zHdAuc4&amp;t=10s&amp;pp=ygUM5ZWG5rGk56eR5oqA</a:t>
+            </a:r>
+          </a:p>
+        </p:txBody>
+      </p:sp>
+      <p:sp>
+        <p:nvSpPr>
+          <p:cNvPr id="6" name="文本框 5">
+            <a:extLst>
+              <a:ext uri="{FF2B5EF4-FFF2-40B4-BE49-F238E27FC236}">
+                <a16:creationId xmlns:a16="http://schemas.microsoft.com/office/drawing/2014/main" id="{2371EABD-D8BE-1849-6C65-C968788941A8}"/>
+              </a:ext>
+            </a:extLst>
+          </p:cNvPr>
+          <p:cNvSpPr txBox="1"/>
+          <p:nvPr/>
+        </p:nvSpPr>
+        <p:spPr>
+          <a:xfrm>
+            <a:off x="2433146" y="2814172"/>
+            <a:ext cx="8271640" cy="276999"/>
+          </a:xfrm>
+          <a:prstGeom prst="rect">
+            <a:avLst/>
+          </a:prstGeom>
+          <a:noFill/>
+        </p:spPr>
+        <p:txBody>
+          <a:bodyPr wrap="square">
+            <a:spAutoFit/>
+          </a:bodyPr>
+          <a:lstStyle/>
+          <a:p>
+            <a:r>
+              <a:rPr lang="zh-CN" altLang="en-US" sz="1200" dirty="0">
+                <a:solidFill>
+                  <a:srgbClr val="0432FF"/>
+                </a:solidFill>
+              </a:rPr>
+              <a:t>https://www.youtube.com/watch?v=77YEX0KlfXA&amp;pp=ygUM5pe36KeG56eR5oqA</a:t>
+            </a:r>
+          </a:p>
+        </p:txBody>
+      </p:sp>
+      <p:sp>
+        <p:nvSpPr>
+          <p:cNvPr id="8" name="文本框 7">
+            <a:extLst>
+              <a:ext uri="{FF2B5EF4-FFF2-40B4-BE49-F238E27FC236}">
+                <a16:creationId xmlns:a16="http://schemas.microsoft.com/office/drawing/2014/main" id="{7A5BAE8B-B503-BD80-01A1-F4D972ED8E34}"/>
+              </a:ext>
+            </a:extLst>
+          </p:cNvPr>
+          <p:cNvSpPr txBox="1"/>
+          <p:nvPr/>
+        </p:nvSpPr>
+        <p:spPr>
+          <a:xfrm>
+            <a:off x="2433146" y="4404808"/>
+            <a:ext cx="8271640" cy="276999"/>
+          </a:xfrm>
+          <a:prstGeom prst="rect">
+            <a:avLst/>
+          </a:prstGeom>
+          <a:noFill/>
+        </p:spPr>
+        <p:txBody>
+          <a:bodyPr wrap="square">
+            <a:spAutoFit/>
+          </a:bodyPr>
+          <a:lstStyle/>
+          <a:p>
+            <a:r>
+              <a:rPr lang="zh-CN" altLang="en-US" sz="1200" dirty="0">
+                <a:solidFill>
+                  <a:srgbClr val="0432FF"/>
+                </a:solidFill>
+              </a:rPr>
+              <a:t>https://www.youtube.com/watch?v=gHVovme8ECE&amp;pp=ygUM5L6d5Zu-56eR5oqA</a:t>
+            </a:r>
           </a:p>
         </p:txBody>
       </p:sp>
@@ -33435,7 +33633,84 @@
 </p:sld>
 </file>
 
-<file path=ppt/slides/slide9.xml><?xml version="1.0" encoding="utf-8"?>
+<file path=ppt/slides/slide15.xml><?xml version="1.0" encoding="utf-8"?>
+<p:sld xmlns:a="http://schemas.openxmlformats.org/drawingml/2006/main" xmlns:r="http://schemas.openxmlformats.org/officeDocument/2006/relationships" xmlns:p="http://schemas.openxmlformats.org/presentationml/2006/main">
+  <p:cSld>
+    <p:spTree>
+      <p:nvGrpSpPr>
+        <p:cNvPr id="1" name=""/>
+        <p:cNvGrpSpPr/>
+        <p:nvPr/>
+      </p:nvGrpSpPr>
+      <p:grpSpPr>
+        <a:xfrm>
+          <a:off x="0" y="0"/>
+          <a:ext cx="0" cy="0"/>
+          <a:chOff x="0" y="0"/>
+          <a:chExt cx="0" cy="0"/>
+        </a:xfrm>
+      </p:grpSpPr>
+      <p:sp>
+        <p:nvSpPr>
+          <p:cNvPr id="5" name="内容占位符 4">
+            <a:extLst>
+              <a:ext uri="{FF2B5EF4-FFF2-40B4-BE49-F238E27FC236}">
+                <a16:creationId xmlns:a16="http://schemas.microsoft.com/office/drawing/2014/main" id="{D04938AF-B47A-1764-AB7F-5185CDB78730}"/>
+              </a:ext>
+            </a:extLst>
+          </p:cNvPr>
+          <p:cNvSpPr>
+            <a:spLocks noGrp="1"/>
+          </p:cNvSpPr>
+          <p:nvPr>
+            <p:ph sz="half" idx="1"/>
+          </p:nvPr>
+        </p:nvSpPr>
+        <p:spPr>
+          <a:xfrm>
+            <a:off x="481757" y="2406869"/>
+            <a:ext cx="11161240" cy="3603651"/>
+          </a:xfrm>
+        </p:spPr>
+        <p:txBody>
+          <a:bodyPr>
+            <a:normAutofit/>
+          </a:bodyPr>
+          <a:lstStyle/>
+          <a:p>
+            <a:pPr algn="ctr" rtl="0">
+              <a:spcBef>
+                <a:spcPts val="1800"/>
+              </a:spcBef>
+              <a:spcAft>
+                <a:spcPts val="600"/>
+              </a:spcAft>
+            </a:pPr>
+            <a:r>
+              <a:rPr lang="zh-CN" altLang="en-US" dirty="0"/>
+              <a:t>总结</a:t>
+            </a:r>
+            <a:endParaRPr lang="en-US" altLang="zh-CN" dirty="0">
+              <a:latin typeface="Lexend" pitchFamily="2" charset="0"/>
+              <a:ea typeface="+mj-ea"/>
+            </a:endParaRPr>
+          </a:p>
+        </p:txBody>
+      </p:sp>
+    </p:spTree>
+    <p:extLst>
+      <p:ext uri="{BB962C8B-B14F-4D97-AF65-F5344CB8AC3E}">
+        <p14:creationId xmlns:p14="http://schemas.microsoft.com/office/powerpoint/2010/main" val="3598912212"/>
+      </p:ext>
+    </p:extLst>
+  </p:cSld>
+  <p:clrMapOvr>
+    <a:masterClrMapping/>
+  </p:clrMapOvr>
+</p:sld>
+</file>
+
+<file path=ppt/slides/slide16.xml><?xml version="1.0" encoding="utf-8"?>
 <p:sld xmlns:a="http://schemas.openxmlformats.org/drawingml/2006/main" xmlns:r="http://schemas.openxmlformats.org/officeDocument/2006/relationships" xmlns:p="http://schemas.openxmlformats.org/presentationml/2006/main">
   <p:cSld>
     <p:spTree>
@@ -33566,6 +33841,2158 @@
     <p:extLst>
       <p:ext uri="{BB962C8B-B14F-4D97-AF65-F5344CB8AC3E}">
         <p14:creationId xmlns:p14="http://schemas.microsoft.com/office/powerpoint/2010/main" val="24183807"/>
+      </p:ext>
+    </p:extLst>
+  </p:cSld>
+  <p:clrMapOvr>
+    <a:masterClrMapping/>
+  </p:clrMapOvr>
+  <mc:AlternateContent xmlns:mc="http://schemas.openxmlformats.org/markup-compatibility/2006" xmlns:p159="http://schemas.microsoft.com/office/powerpoint/2015/09/main">
+    <mc:Choice Requires="p159">
+      <p:transition xmlns:p14="http://schemas.microsoft.com/office/powerpoint/2010/main" spd="slow" p14:dur="2000">
+        <p159:morph option="byObject"/>
+      </p:transition>
+    </mc:Choice>
+    <mc:Fallback xmlns="">
+      <p:transition spd="slow">
+        <p:fade/>
+      </p:transition>
+    </mc:Fallback>
+  </mc:AlternateContent>
+</p:sld>
+</file>
+
+<file path=ppt/slides/slide17.xml><?xml version="1.0" encoding="utf-8"?>
+<p:sld xmlns:a="http://schemas.openxmlformats.org/drawingml/2006/main" xmlns:r="http://schemas.openxmlformats.org/officeDocument/2006/relationships" xmlns:p="http://schemas.openxmlformats.org/presentationml/2006/main">
+  <p:cSld>
+    <p:spTree>
+      <p:nvGrpSpPr>
+        <p:cNvPr id="1" name=""/>
+        <p:cNvGrpSpPr/>
+        <p:nvPr/>
+      </p:nvGrpSpPr>
+      <p:grpSpPr>
+        <a:xfrm>
+          <a:off x="0" y="0"/>
+          <a:ext cx="0" cy="0"/>
+          <a:chOff x="0" y="0"/>
+          <a:chExt cx="0" cy="0"/>
+        </a:xfrm>
+      </p:grpSpPr>
+    </p:spTree>
+    <p:extLst>
+      <p:ext uri="{BB962C8B-B14F-4D97-AF65-F5344CB8AC3E}">
+        <p14:creationId xmlns:p14="http://schemas.microsoft.com/office/powerpoint/2010/main" val="996880118"/>
+      </p:ext>
+    </p:extLst>
+  </p:cSld>
+  <p:clrMapOvr>
+    <a:masterClrMapping/>
+  </p:clrMapOvr>
+  <mc:AlternateContent xmlns:mc="http://schemas.openxmlformats.org/markup-compatibility/2006" xmlns:p159="http://schemas.microsoft.com/office/powerpoint/2015/09/main">
+    <mc:Choice Requires="p159">
+      <p:transition xmlns:p14="http://schemas.microsoft.com/office/powerpoint/2010/main" spd="slow" p14:dur="2000">
+        <p159:morph option="byObject"/>
+      </p:transition>
+    </mc:Choice>
+    <mc:Fallback xmlns="">
+      <p:transition spd="slow">
+        <p:fade/>
+      </p:transition>
+    </mc:Fallback>
+  </mc:AlternateContent>
+</p:sld>
+</file>
+
+<file path=ppt/slides/slide2.xml><?xml version="1.0" encoding="utf-8"?>
+<p:sld xmlns:a="http://schemas.openxmlformats.org/drawingml/2006/main" xmlns:r="http://schemas.openxmlformats.org/officeDocument/2006/relationships" xmlns:p="http://schemas.openxmlformats.org/presentationml/2006/main">
+  <p:cSld>
+    <p:spTree>
+      <p:nvGrpSpPr>
+        <p:cNvPr id="1" name=""/>
+        <p:cNvGrpSpPr/>
+        <p:nvPr/>
+      </p:nvGrpSpPr>
+      <p:grpSpPr>
+        <a:xfrm>
+          <a:off x="0" y="0"/>
+          <a:ext cx="0" cy="0"/>
+          <a:chOff x="0" y="0"/>
+          <a:chExt cx="0" cy="0"/>
+        </a:xfrm>
+      </p:grpSpPr>
+      <p:sp>
+        <p:nvSpPr>
+          <p:cNvPr id="4" name="文本框 3">
+            <a:extLst>
+              <a:ext uri="{FF2B5EF4-FFF2-40B4-BE49-F238E27FC236}">
+                <a16:creationId xmlns:a16="http://schemas.microsoft.com/office/drawing/2014/main" id="{11B95A44-CCF2-9448-AD90-014C7B1CC7EC}"/>
+              </a:ext>
+            </a:extLst>
+          </p:cNvPr>
+          <p:cNvSpPr txBox="1"/>
+          <p:nvPr/>
+        </p:nvSpPr>
+        <p:spPr>
+          <a:xfrm>
+            <a:off x="4931236" y="1046095"/>
+            <a:ext cx="2334293" cy="2646878"/>
+          </a:xfrm>
+          <a:prstGeom prst="rect">
+            <a:avLst/>
+          </a:prstGeom>
+          <a:noFill/>
+        </p:spPr>
+        <p:txBody>
+          <a:bodyPr wrap="none" rtlCol="0">
+            <a:spAutoFit/>
+          </a:bodyPr>
+          <a:lstStyle/>
+          <a:p>
+            <a:pPr algn="ctr"/>
+            <a:r>
+              <a:rPr kumimoji="1" lang="en-US" altLang="zh-CN" sz="16600" b="1" dirty="0">
+                <a:gradFill>
+                  <a:gsLst>
+                    <a:gs pos="4000">
+                      <a:srgbClr val="126FFC"/>
+                    </a:gs>
+                    <a:gs pos="73000">
+                      <a:srgbClr val="126FFC">
+                        <a:alpha val="0"/>
+                      </a:srgbClr>
+                    </a:gs>
+                  </a:gsLst>
+                  <a:lin ang="5400000" scaled="1"/>
+                </a:gradFill>
+                <a:latin typeface="PingFang SC Semibold" panose="020B0400000000000000" pitchFamily="34" charset="-122"/>
+                <a:ea typeface="PingFang SC Semibold" panose="020B0400000000000000" pitchFamily="34" charset="-122"/>
+              </a:rPr>
+              <a:t>01</a:t>
+            </a:r>
+            <a:endParaRPr kumimoji="1" lang="zh-CN" altLang="en-US" sz="16600" b="1" dirty="0">
+              <a:gradFill>
+                <a:gsLst>
+                  <a:gs pos="4000">
+                    <a:srgbClr val="126FFC"/>
+                  </a:gs>
+                  <a:gs pos="73000">
+                    <a:srgbClr val="126FFC">
+                      <a:alpha val="0"/>
+                    </a:srgbClr>
+                  </a:gs>
+                </a:gsLst>
+                <a:lin ang="5400000" scaled="1"/>
+              </a:gradFill>
+              <a:latin typeface="PingFang SC Semibold" panose="020B0400000000000000" pitchFamily="34" charset="-122"/>
+              <a:ea typeface="PingFang SC Semibold" panose="020B0400000000000000" pitchFamily="34" charset="-122"/>
+            </a:endParaRPr>
+          </a:p>
+        </p:txBody>
+      </p:sp>
+      <p:sp>
+        <p:nvSpPr>
+          <p:cNvPr id="5" name="内容占位符 4">
+            <a:extLst>
+              <a:ext uri="{FF2B5EF4-FFF2-40B4-BE49-F238E27FC236}">
+                <a16:creationId xmlns:a16="http://schemas.microsoft.com/office/drawing/2014/main" id="{D04938AF-B47A-1764-AB7F-5185CDB78730}"/>
+              </a:ext>
+            </a:extLst>
+          </p:cNvPr>
+          <p:cNvSpPr>
+            <a:spLocks noGrp="1"/>
+          </p:cNvSpPr>
+          <p:nvPr>
+            <p:ph sz="half" idx="1"/>
+          </p:nvPr>
+        </p:nvSpPr>
+        <p:spPr>
+          <a:xfrm>
+            <a:off x="481757" y="2406869"/>
+            <a:ext cx="11161240" cy="3603651"/>
+          </a:xfrm>
+        </p:spPr>
+        <p:txBody>
+          <a:bodyPr>
+            <a:normAutofit/>
+          </a:bodyPr>
+          <a:lstStyle/>
+          <a:p>
+            <a:pPr algn="ctr" rtl="0">
+              <a:spcBef>
+                <a:spcPts val="1800"/>
+              </a:spcBef>
+              <a:spcAft>
+                <a:spcPts val="600"/>
+              </a:spcAft>
+            </a:pPr>
+            <a:r>
+              <a:rPr lang="en-US" altLang="zh-CN" dirty="0"/>
+              <a:t>2012 </a:t>
+            </a:r>
+            <a:r>
+              <a:rPr lang="zh-CN" altLang="en-US" dirty="0"/>
+              <a:t>年</a:t>
+            </a:r>
+            <a:endParaRPr lang="en-US" altLang="zh-CN" dirty="0"/>
+          </a:p>
+          <a:p>
+            <a:pPr algn="ctr" rtl="0">
+              <a:spcBef>
+                <a:spcPts val="1800"/>
+              </a:spcBef>
+              <a:spcAft>
+                <a:spcPts val="600"/>
+              </a:spcAft>
+            </a:pPr>
+            <a:r>
+              <a:rPr lang="zh-CN" altLang="en-US" dirty="0"/>
+              <a:t>深度学习崛起</a:t>
+            </a:r>
+            <a:endParaRPr lang="en-US" altLang="zh-CN" dirty="0">
+              <a:latin typeface="Lexend" pitchFamily="2" charset="0"/>
+              <a:ea typeface="+mj-ea"/>
+            </a:endParaRPr>
+          </a:p>
+        </p:txBody>
+      </p:sp>
+    </p:spTree>
+    <p:extLst>
+      <p:ext uri="{BB962C8B-B14F-4D97-AF65-F5344CB8AC3E}">
+        <p14:creationId xmlns:p14="http://schemas.microsoft.com/office/powerpoint/2010/main" val="3380633995"/>
+      </p:ext>
+    </p:extLst>
+  </p:cSld>
+  <p:clrMapOvr>
+    <a:masterClrMapping/>
+  </p:clrMapOvr>
+</p:sld>
+</file>
+
+<file path=ppt/slides/slide3.xml><?xml version="1.0" encoding="utf-8"?>
+<p:sld xmlns:a="http://schemas.openxmlformats.org/drawingml/2006/main" xmlns:r="http://schemas.openxmlformats.org/officeDocument/2006/relationships" xmlns:p="http://schemas.openxmlformats.org/presentationml/2006/main">
+  <p:cSld>
+    <p:spTree>
+      <p:nvGrpSpPr>
+        <p:cNvPr id="1" name=""/>
+        <p:cNvGrpSpPr/>
+        <p:nvPr/>
+      </p:nvGrpSpPr>
+      <p:grpSpPr>
+        <a:xfrm>
+          <a:off x="0" y="0"/>
+          <a:ext cx="0" cy="0"/>
+          <a:chOff x="0" y="0"/>
+          <a:chExt cx="0" cy="0"/>
+        </a:xfrm>
+      </p:grpSpPr>
+      <p:sp>
+        <p:nvSpPr>
+          <p:cNvPr id="3" name="标题 2">
+            <a:extLst>
+              <a:ext uri="{FF2B5EF4-FFF2-40B4-BE49-F238E27FC236}">
+                <a16:creationId xmlns:a16="http://schemas.microsoft.com/office/drawing/2014/main" id="{69AEA055-67C8-0AFC-274E-C1C28266C7FF}"/>
+              </a:ext>
+            </a:extLst>
+          </p:cNvPr>
+          <p:cNvSpPr>
+            <a:spLocks noGrp="1"/>
+          </p:cNvSpPr>
+          <p:nvPr>
+            <p:ph type="title"/>
+          </p:nvPr>
+        </p:nvSpPr>
+        <p:spPr>
+          <a:xfrm>
+            <a:off x="623635" y="522789"/>
+            <a:ext cx="10963473" cy="589190"/>
+          </a:xfrm>
+        </p:spPr>
+        <p:txBody>
+          <a:bodyPr/>
+          <a:lstStyle/>
+          <a:p>
+            <a:r>
+              <a:rPr lang="en-US" altLang="zh-CN" dirty="0"/>
+              <a:t>2012 </a:t>
+            </a:r>
+            <a:r>
+              <a:rPr lang="zh-CN" altLang="en-US" dirty="0"/>
+              <a:t>年 </a:t>
+            </a:r>
+            <a:r>
+              <a:rPr lang="en" altLang="zh-CN" dirty="0" err="1"/>
+              <a:t>AlexNet</a:t>
+            </a:r>
+            <a:r>
+              <a:rPr lang="zh-CN" altLang="en-US" dirty="0"/>
+              <a:t> 与深度学习的崛起</a:t>
+            </a:r>
+          </a:p>
+        </p:txBody>
+      </p:sp>
+      <p:sp>
+        <p:nvSpPr>
+          <p:cNvPr id="4" name="内容占位符 3">
+            <a:extLst>
+              <a:ext uri="{FF2B5EF4-FFF2-40B4-BE49-F238E27FC236}">
+                <a16:creationId xmlns:a16="http://schemas.microsoft.com/office/drawing/2014/main" id="{7A72B731-5E75-DC61-AAB4-49D785AA4103}"/>
+              </a:ext>
+            </a:extLst>
+          </p:cNvPr>
+          <p:cNvSpPr>
+            <a:spLocks noGrp="1"/>
+          </p:cNvSpPr>
+          <p:nvPr>
+            <p:ph sz="half" idx="1"/>
+          </p:nvPr>
+        </p:nvSpPr>
+        <p:spPr>
+          <a:xfrm>
+            <a:off x="623635" y="1246909"/>
+            <a:ext cx="10963473" cy="5108171"/>
+          </a:xfrm>
+        </p:spPr>
+        <p:txBody>
+          <a:bodyPr/>
+          <a:lstStyle/>
+          <a:p>
+            <a:r>
+              <a:rPr lang="zh-CN" altLang="en-US" dirty="0"/>
+              <a:t>深度学习的突破：</a:t>
+            </a:r>
+            <a:endParaRPr lang="en-US" altLang="zh-CN" dirty="0"/>
+          </a:p>
+          <a:p>
+            <a:pPr lvl="1"/>
+            <a:r>
+              <a:rPr lang="en-US" altLang="zh-CN" dirty="0"/>
+              <a:t>2012</a:t>
+            </a:r>
+            <a:r>
+              <a:rPr lang="zh-CN" altLang="en-US" dirty="0"/>
+              <a:t>年</a:t>
+            </a:r>
+            <a:r>
+              <a:rPr lang="en-US" altLang="zh-CN" dirty="0"/>
+              <a:t>6</a:t>
+            </a:r>
+            <a:r>
+              <a:rPr lang="zh-CN" altLang="en-US" dirty="0"/>
+              <a:t>月，吴恩达及其团队展示了“谷歌猫”项目，使用了上万台</a:t>
+            </a:r>
+            <a:r>
+              <a:rPr lang="en-US" altLang="zh-CN" dirty="0"/>
+              <a:t> CPU</a:t>
+            </a:r>
+            <a:r>
+              <a:rPr lang="zh-CN" altLang="en-US" dirty="0"/>
+              <a:t>利用</a:t>
+            </a:r>
+            <a:r>
+              <a:rPr lang="en-US" altLang="zh-CN" dirty="0"/>
+              <a:t> </a:t>
+            </a:r>
+            <a:r>
+              <a:rPr lang="en-US" altLang="zh-CN" dirty="0" err="1"/>
+              <a:t>Youtube</a:t>
+            </a:r>
+            <a:r>
+              <a:rPr lang="en-US" altLang="zh-CN" dirty="0"/>
+              <a:t> </a:t>
+            </a:r>
+            <a:r>
+              <a:rPr lang="zh-CN" altLang="en-US" dirty="0"/>
+              <a:t>里面的</a:t>
+            </a:r>
+            <a:r>
+              <a:rPr lang="zh-CN" altLang="en-US"/>
+              <a:t>数据，进行大规模</a:t>
+            </a:r>
+            <a:r>
+              <a:rPr lang="zh-CN" altLang="en-US" dirty="0"/>
+              <a:t>无监督学习，神经网络能够自主识别包含小猫的图像，这是机器自主强化学习的里程碑。</a:t>
+            </a:r>
+            <a:endParaRPr lang="en-US" altLang="zh-CN" dirty="0"/>
+          </a:p>
+          <a:p>
+            <a:r>
+              <a:rPr lang="en" altLang="zh-CN" dirty="0" err="1"/>
+              <a:t>AlexNet</a:t>
+            </a:r>
+            <a:r>
+              <a:rPr lang="zh-CN" altLang="en-US" dirty="0"/>
+              <a:t>在</a:t>
+            </a:r>
+            <a:r>
+              <a:rPr lang="en" altLang="zh-CN" dirty="0"/>
+              <a:t>ImageNet</a:t>
+            </a:r>
+            <a:r>
+              <a:rPr lang="zh-CN" altLang="en-US" dirty="0"/>
+              <a:t>竞赛中夺冠：</a:t>
+            </a:r>
+            <a:endParaRPr lang="en-US" altLang="zh-CN" dirty="0"/>
+          </a:p>
+          <a:p>
+            <a:pPr lvl="1"/>
+            <a:r>
+              <a:rPr lang="en-US" altLang="zh-CN" dirty="0"/>
+              <a:t>2012</a:t>
+            </a:r>
+            <a:r>
+              <a:rPr lang="zh-CN" altLang="en-US" dirty="0"/>
+              <a:t>年，</a:t>
+            </a:r>
+            <a:r>
+              <a:rPr lang="en" altLang="zh-CN" dirty="0"/>
+              <a:t>Geoffrey Hinton</a:t>
+            </a:r>
+            <a:r>
+              <a:rPr lang="zh-CN" altLang="en-US" dirty="0"/>
+              <a:t>团队提出的</a:t>
+            </a:r>
+            <a:r>
+              <a:rPr lang="en" altLang="zh-CN" dirty="0" err="1"/>
+              <a:t>AlexNet</a:t>
+            </a:r>
+            <a:r>
+              <a:rPr lang="zh-CN" altLang="en-US" dirty="0"/>
+              <a:t>在</a:t>
+            </a:r>
+            <a:r>
+              <a:rPr lang="en" altLang="zh-CN" dirty="0"/>
+              <a:t>ImageNet</a:t>
+            </a:r>
+            <a:r>
+              <a:rPr lang="zh-CN" altLang="en-US" dirty="0"/>
+              <a:t>大规模视觉识别挑战赛（</a:t>
+            </a:r>
+            <a:r>
+              <a:rPr lang="en" altLang="zh-CN" dirty="0"/>
+              <a:t>ILSVRC</a:t>
+            </a:r>
+            <a:r>
+              <a:rPr lang="zh-CN" altLang="en" dirty="0"/>
+              <a:t>）</a:t>
+            </a:r>
+            <a:r>
+              <a:rPr lang="zh-CN" altLang="en-US" dirty="0"/>
+              <a:t>中以</a:t>
+            </a:r>
+            <a:r>
+              <a:rPr lang="en-US" altLang="zh-CN" dirty="0"/>
+              <a:t>84%</a:t>
+            </a:r>
+            <a:r>
+              <a:rPr lang="zh-CN" altLang="en-US" dirty="0"/>
+              <a:t>的准确率夺冠，远超第二名。</a:t>
+            </a:r>
+            <a:r>
+              <a:rPr lang="en" altLang="zh-CN" dirty="0" err="1"/>
+              <a:t>AlexNet</a:t>
+            </a:r>
+            <a:r>
+              <a:rPr lang="zh-CN" altLang="en-US" dirty="0"/>
+              <a:t>采用了卷积神经网络（</a:t>
+            </a:r>
+            <a:r>
+              <a:rPr lang="en" altLang="zh-CN" dirty="0"/>
+              <a:t>CNN</a:t>
+            </a:r>
+            <a:r>
+              <a:rPr lang="zh-CN" altLang="en" dirty="0"/>
+              <a:t>）</a:t>
+            </a:r>
+            <a:r>
+              <a:rPr lang="zh-CN" altLang="en-US" dirty="0"/>
+              <a:t>和</a:t>
+            </a:r>
+            <a:r>
+              <a:rPr lang="en" altLang="zh-CN" dirty="0"/>
+              <a:t>GPU</a:t>
+            </a:r>
+            <a:r>
+              <a:rPr lang="zh-CN" altLang="en-US" dirty="0"/>
+              <a:t>加速训练，标志着深度学习在计算机视觉领域的突破。</a:t>
+            </a:r>
+          </a:p>
+        </p:txBody>
+      </p:sp>
+      <p:sp>
+        <p:nvSpPr>
+          <p:cNvPr id="5" name="文本框 4">
+            <a:extLst>
+              <a:ext uri="{FF2B5EF4-FFF2-40B4-BE49-F238E27FC236}">
+                <a16:creationId xmlns:a16="http://schemas.microsoft.com/office/drawing/2014/main" id="{274286DD-A7B3-FEB2-87A5-20D6E7C24DD6}"/>
+              </a:ext>
+            </a:extLst>
+          </p:cNvPr>
+          <p:cNvSpPr txBox="1"/>
+          <p:nvPr/>
+        </p:nvSpPr>
+        <p:spPr>
+          <a:xfrm>
+            <a:off x="2906111" y="1500379"/>
+            <a:ext cx="8271640" cy="276999"/>
+          </a:xfrm>
+          <a:prstGeom prst="rect">
+            <a:avLst/>
+          </a:prstGeom>
+          <a:noFill/>
+        </p:spPr>
+        <p:txBody>
+          <a:bodyPr wrap="square">
+            <a:spAutoFit/>
+          </a:bodyPr>
+          <a:lstStyle/>
+          <a:p>
+            <a:r>
+              <a:rPr lang="zh-CN" altLang="en-US" sz="1200" dirty="0">
+                <a:solidFill>
+                  <a:srgbClr val="0432FF"/>
+                </a:solidFill>
+              </a:rPr>
+              <a:t>https://www.youtube.com/watch?v=0kFeyegny4w&amp;pp=ygUUQW5kcmV3IE5nIEdvb2dsZSBDYXQ%3D</a:t>
+            </a:r>
+          </a:p>
+        </p:txBody>
+      </p:sp>
+      <p:sp>
+        <p:nvSpPr>
+          <p:cNvPr id="7" name="文本框 6">
+            <a:extLst>
+              <a:ext uri="{FF2B5EF4-FFF2-40B4-BE49-F238E27FC236}">
+                <a16:creationId xmlns:a16="http://schemas.microsoft.com/office/drawing/2014/main" id="{9284EEC9-726A-FF11-092F-12F678D9633E}"/>
+              </a:ext>
+            </a:extLst>
+          </p:cNvPr>
+          <p:cNvSpPr txBox="1"/>
+          <p:nvPr/>
+        </p:nvSpPr>
+        <p:spPr>
+          <a:xfrm>
+            <a:off x="3925123" y="3927729"/>
+            <a:ext cx="8271640" cy="276999"/>
+          </a:xfrm>
+          <a:prstGeom prst="rect">
+            <a:avLst/>
+          </a:prstGeom>
+          <a:noFill/>
+        </p:spPr>
+        <p:txBody>
+          <a:bodyPr wrap="square">
+            <a:spAutoFit/>
+          </a:bodyPr>
+          <a:lstStyle/>
+          <a:p>
+            <a:r>
+              <a:rPr lang="zh-CN" altLang="en-US" sz="1200" dirty="0">
+                <a:solidFill>
+                  <a:srgbClr val="0432FF"/>
+                </a:solidFill>
+              </a:rPr>
+              <a:t>https://www.youtube.com/watch?v=XM3dW0Xw5S4&amp;pp=ygUQQWxleE5ldCBJbWFnZW5ldA%3D%3D</a:t>
+            </a:r>
+          </a:p>
+        </p:txBody>
+      </p:sp>
+    </p:spTree>
+    <p:extLst>
+      <p:ext uri="{BB962C8B-B14F-4D97-AF65-F5344CB8AC3E}">
+        <p14:creationId xmlns:p14="http://schemas.microsoft.com/office/powerpoint/2010/main" val="836979438"/>
+      </p:ext>
+    </p:extLst>
+  </p:cSld>
+  <p:clrMapOvr>
+    <a:masterClrMapping/>
+  </p:clrMapOvr>
+  <mc:AlternateContent xmlns:mc="http://schemas.openxmlformats.org/markup-compatibility/2006" xmlns:p159="http://schemas.microsoft.com/office/powerpoint/2015/09/main">
+    <mc:Choice Requires="p159">
+      <p:transition xmlns:p14="http://schemas.microsoft.com/office/powerpoint/2010/main" spd="slow" p14:dur="2000">
+        <p159:morph option="byObject"/>
+      </p:transition>
+    </mc:Choice>
+    <mc:Fallback xmlns="">
+      <p:transition spd="slow">
+        <p:fade/>
+      </p:transition>
+    </mc:Fallback>
+  </mc:AlternateContent>
+</p:sld>
+</file>
+
+<file path=ppt/slides/slide4.xml><?xml version="1.0" encoding="utf-8"?>
+<p:sld xmlns:a="http://schemas.openxmlformats.org/drawingml/2006/main" xmlns:r="http://schemas.openxmlformats.org/officeDocument/2006/relationships" xmlns:p="http://schemas.openxmlformats.org/presentationml/2006/main">
+  <p:cSld>
+    <p:spTree>
+      <p:nvGrpSpPr>
+        <p:cNvPr id="1" name=""/>
+        <p:cNvGrpSpPr/>
+        <p:nvPr/>
+      </p:nvGrpSpPr>
+      <p:grpSpPr>
+        <a:xfrm>
+          <a:off x="0" y="0"/>
+          <a:ext cx="0" cy="0"/>
+          <a:chOff x="0" y="0"/>
+          <a:chExt cx="0" cy="0"/>
+        </a:xfrm>
+      </p:grpSpPr>
+      <p:sp>
+        <p:nvSpPr>
+          <p:cNvPr id="3" name="标题 2">
+            <a:extLst>
+              <a:ext uri="{FF2B5EF4-FFF2-40B4-BE49-F238E27FC236}">
+                <a16:creationId xmlns:a16="http://schemas.microsoft.com/office/drawing/2014/main" id="{69AEA055-67C8-0AFC-274E-C1C28266C7FF}"/>
+              </a:ext>
+            </a:extLst>
+          </p:cNvPr>
+          <p:cNvSpPr>
+            <a:spLocks noGrp="1"/>
+          </p:cNvSpPr>
+          <p:nvPr>
+            <p:ph type="title"/>
+          </p:nvPr>
+        </p:nvSpPr>
+        <p:spPr>
+          <a:xfrm>
+            <a:off x="623635" y="522789"/>
+            <a:ext cx="10963473" cy="589190"/>
+          </a:xfrm>
+        </p:spPr>
+        <p:txBody>
+          <a:bodyPr/>
+          <a:lstStyle/>
+          <a:p>
+            <a:r>
+              <a:rPr lang="en-US" altLang="zh-CN" dirty="0"/>
+              <a:t>2012 </a:t>
+            </a:r>
+            <a:r>
+              <a:rPr lang="zh-CN" altLang="en-US" dirty="0"/>
+              <a:t>年 </a:t>
+            </a:r>
+            <a:r>
+              <a:rPr lang="en" altLang="zh-CN" dirty="0" err="1"/>
+              <a:t>AlexNet</a:t>
+            </a:r>
+            <a:r>
+              <a:rPr lang="zh-CN" altLang="en-US" dirty="0"/>
+              <a:t> 与深度学习的崛起</a:t>
+            </a:r>
+          </a:p>
+        </p:txBody>
+      </p:sp>
+      <p:sp>
+        <p:nvSpPr>
+          <p:cNvPr id="4" name="内容占位符 3">
+            <a:extLst>
+              <a:ext uri="{FF2B5EF4-FFF2-40B4-BE49-F238E27FC236}">
+                <a16:creationId xmlns:a16="http://schemas.microsoft.com/office/drawing/2014/main" id="{7A72B731-5E75-DC61-AAB4-49D785AA4103}"/>
+              </a:ext>
+            </a:extLst>
+          </p:cNvPr>
+          <p:cNvSpPr>
+            <a:spLocks noGrp="1"/>
+          </p:cNvSpPr>
+          <p:nvPr>
+            <p:ph sz="half" idx="1"/>
+          </p:nvPr>
+        </p:nvSpPr>
+        <p:spPr>
+          <a:xfrm>
+            <a:off x="623635" y="1246909"/>
+            <a:ext cx="10963473" cy="5108171"/>
+          </a:xfrm>
+        </p:spPr>
+        <p:txBody>
+          <a:bodyPr/>
+          <a:lstStyle/>
+          <a:p>
+            <a:r>
+              <a:rPr lang="en" altLang="zh-CN" dirty="0"/>
+              <a:t>ImageNet</a:t>
+            </a:r>
+            <a:r>
+              <a:rPr lang="zh-CN" altLang="en-US" dirty="0"/>
+              <a:t>数据集的普及：</a:t>
+            </a:r>
+            <a:endParaRPr lang="en-US" altLang="zh-CN" dirty="0"/>
+          </a:p>
+          <a:p>
+            <a:pPr lvl="1"/>
+            <a:r>
+              <a:rPr lang="zh-CN" altLang="en-US" dirty="0"/>
+              <a:t>李飞飞团队创建的</a:t>
+            </a:r>
+            <a:r>
+              <a:rPr lang="en" altLang="zh-CN" dirty="0"/>
+              <a:t>ImageNet</a:t>
+            </a:r>
+            <a:r>
+              <a:rPr lang="zh-CN" altLang="en-US" dirty="0"/>
+              <a:t>数据集为深度学习提供了大规模的训练数据，推动了</a:t>
+            </a:r>
+            <a:r>
+              <a:rPr lang="en" altLang="zh-CN" dirty="0"/>
+              <a:t>AI</a:t>
+            </a:r>
+            <a:r>
+              <a:rPr lang="zh-CN" altLang="en-US" dirty="0"/>
+              <a:t>算法的进步。</a:t>
+            </a:r>
+            <a:endParaRPr lang="en-US" altLang="zh-CN" dirty="0"/>
+          </a:p>
+          <a:p>
+            <a:r>
+              <a:rPr lang="en" altLang="zh-CN" dirty="0"/>
+              <a:t>GPU</a:t>
+            </a:r>
+            <a:r>
+              <a:rPr lang="zh-CN" altLang="en-US" dirty="0"/>
+              <a:t>成为</a:t>
+            </a:r>
+            <a:r>
+              <a:rPr lang="en" altLang="zh-CN" dirty="0"/>
+              <a:t>AI</a:t>
+            </a:r>
+            <a:r>
+              <a:rPr lang="zh-CN" altLang="en-US" dirty="0"/>
+              <a:t>计算的标配：</a:t>
+            </a:r>
+            <a:endParaRPr lang="en-US" altLang="zh-CN" dirty="0"/>
+          </a:p>
+          <a:p>
+            <a:pPr lvl="1"/>
+            <a:r>
+              <a:rPr lang="en" altLang="zh-CN" dirty="0" err="1"/>
+              <a:t>AlexNet</a:t>
+            </a:r>
+            <a:r>
+              <a:rPr lang="zh-CN" altLang="en-US" dirty="0"/>
+              <a:t>的成功展示了</a:t>
+            </a:r>
+            <a:r>
+              <a:rPr lang="en" altLang="zh-CN" dirty="0"/>
+              <a:t>GPU</a:t>
+            </a:r>
+            <a:r>
+              <a:rPr lang="zh-CN" altLang="en-US" dirty="0"/>
+              <a:t>在深度学习中的巨大潜力，英伟达的</a:t>
+            </a:r>
+            <a:r>
+              <a:rPr lang="en" altLang="zh-CN" dirty="0"/>
+              <a:t>GPU</a:t>
+            </a:r>
+            <a:r>
+              <a:rPr lang="zh-CN" altLang="en-US" dirty="0"/>
+              <a:t>迅速成为</a:t>
+            </a:r>
+            <a:r>
+              <a:rPr lang="en" altLang="zh-CN" dirty="0"/>
+              <a:t>AI</a:t>
+            </a:r>
+            <a:r>
+              <a:rPr lang="zh-CN" altLang="en-US" dirty="0"/>
+              <a:t>研究的核心硬件。</a:t>
+            </a:r>
+            <a:endParaRPr lang="en-US" altLang="zh-CN" dirty="0"/>
+          </a:p>
+          <a:p>
+            <a:r>
+              <a:rPr lang="en" altLang="zh-CN" dirty="0"/>
+              <a:t>AI</a:t>
+            </a:r>
+            <a:r>
+              <a:rPr lang="zh-CN" altLang="en-US" dirty="0"/>
+              <a:t>在科学研究中的应用：</a:t>
+            </a:r>
+            <a:endParaRPr lang="en-US" altLang="zh-CN" dirty="0"/>
+          </a:p>
+          <a:p>
+            <a:pPr lvl="1"/>
+            <a:r>
+              <a:rPr lang="en" altLang="zh-CN" dirty="0"/>
+              <a:t>AI</a:t>
+            </a:r>
+            <a:r>
+              <a:rPr lang="zh-CN" altLang="en-US" dirty="0"/>
+              <a:t>在多个科学研究领域逐渐得到应用，例如利用机器学习算法分析复杂数据集，加速新药研发过程，帮助预测分子活性，缩短药物研发周期，还被应用于气候建模、基因组学等领域。</a:t>
+            </a:r>
+          </a:p>
+          <a:p>
+            <a:pPr marL="239106" lvl="1" indent="0">
+              <a:buNone/>
+            </a:pPr>
+            <a:endParaRPr lang="zh-CN" altLang="en-US" dirty="0"/>
+          </a:p>
+        </p:txBody>
+      </p:sp>
+      <p:sp>
+        <p:nvSpPr>
+          <p:cNvPr id="5" name="文本框 4">
+            <a:extLst>
+              <a:ext uri="{FF2B5EF4-FFF2-40B4-BE49-F238E27FC236}">
+                <a16:creationId xmlns:a16="http://schemas.microsoft.com/office/drawing/2014/main" id="{C01CD2E2-2AB1-95EB-D68A-1DE8D20C2804}"/>
+              </a:ext>
+            </a:extLst>
+          </p:cNvPr>
+          <p:cNvSpPr txBox="1"/>
+          <p:nvPr/>
+        </p:nvSpPr>
+        <p:spPr>
+          <a:xfrm>
+            <a:off x="3925123" y="1312599"/>
+            <a:ext cx="8271640" cy="276999"/>
+          </a:xfrm>
+          <a:prstGeom prst="rect">
+            <a:avLst/>
+          </a:prstGeom>
+          <a:noFill/>
+        </p:spPr>
+        <p:txBody>
+          <a:bodyPr wrap="square">
+            <a:spAutoFit/>
+          </a:bodyPr>
+          <a:lstStyle/>
+          <a:p>
+            <a:r>
+              <a:rPr lang="zh-CN" altLang="en-US" sz="1200" dirty="0">
+                <a:solidFill>
+                  <a:srgbClr val="0432FF"/>
+                </a:solidFill>
+              </a:rPr>
+              <a:t>https://www.youtube.com/watch?v=40riCqvRoMs&amp;t=772s&amp;pp=ygUISW1hZ2VOZXQ%3D</a:t>
+            </a:r>
+          </a:p>
+        </p:txBody>
+      </p:sp>
+      <p:sp>
+        <p:nvSpPr>
+          <p:cNvPr id="6" name="文本框 5">
+            <a:extLst>
+              <a:ext uri="{FF2B5EF4-FFF2-40B4-BE49-F238E27FC236}">
+                <a16:creationId xmlns:a16="http://schemas.microsoft.com/office/drawing/2014/main" id="{15102E83-D66B-40E3-5D47-CE722E65B06E}"/>
+              </a:ext>
+            </a:extLst>
+          </p:cNvPr>
+          <p:cNvSpPr txBox="1"/>
+          <p:nvPr/>
+        </p:nvSpPr>
+        <p:spPr>
+          <a:xfrm>
+            <a:off x="3925123" y="2550874"/>
+            <a:ext cx="8271640" cy="276999"/>
+          </a:xfrm>
+          <a:prstGeom prst="rect">
+            <a:avLst/>
+          </a:prstGeom>
+          <a:noFill/>
+        </p:spPr>
+        <p:txBody>
+          <a:bodyPr wrap="square">
+            <a:spAutoFit/>
+          </a:bodyPr>
+          <a:lstStyle/>
+          <a:p>
+            <a:r>
+              <a:rPr lang="zh-CN" altLang="en-US" sz="1200" dirty="0">
+                <a:solidFill>
+                  <a:srgbClr val="0432FF"/>
+                </a:solidFill>
+              </a:rPr>
+              <a:t>https://www.youtube.com/watch?v=XM3dW0Xw5S4&amp;pp=ygUQQWxleE5ldCBJbWFnZW5ldA%3D%3D</a:t>
+            </a:r>
+          </a:p>
+        </p:txBody>
+      </p:sp>
+    </p:spTree>
+    <p:extLst>
+      <p:ext uri="{BB962C8B-B14F-4D97-AF65-F5344CB8AC3E}">
+        <p14:creationId xmlns:p14="http://schemas.microsoft.com/office/powerpoint/2010/main" val="358487902"/>
+      </p:ext>
+    </p:extLst>
+  </p:cSld>
+  <p:clrMapOvr>
+    <a:masterClrMapping/>
+  </p:clrMapOvr>
+  <mc:AlternateContent xmlns:mc="http://schemas.openxmlformats.org/markup-compatibility/2006" xmlns:p159="http://schemas.microsoft.com/office/powerpoint/2015/09/main">
+    <mc:Choice Requires="p159">
+      <p:transition xmlns:p14="http://schemas.microsoft.com/office/powerpoint/2010/main" spd="slow" p14:dur="2000">
+        <p159:morph option="byObject"/>
+      </p:transition>
+    </mc:Choice>
+    <mc:Fallback xmlns="">
+      <p:transition spd="slow">
+        <p:fade/>
+      </p:transition>
+    </mc:Fallback>
+  </mc:AlternateContent>
+</p:sld>
+</file>
+
+<file path=ppt/slides/slide5.xml><?xml version="1.0" encoding="utf-8"?>
+<p:sld xmlns:a="http://schemas.openxmlformats.org/drawingml/2006/main" xmlns:r="http://schemas.openxmlformats.org/officeDocument/2006/relationships" xmlns:p="http://schemas.openxmlformats.org/presentationml/2006/main">
+  <p:cSld>
+    <p:spTree>
+      <p:nvGrpSpPr>
+        <p:cNvPr id="1" name=""/>
+        <p:cNvGrpSpPr/>
+        <p:nvPr/>
+      </p:nvGrpSpPr>
+      <p:grpSpPr>
+        <a:xfrm>
+          <a:off x="0" y="0"/>
+          <a:ext cx="0" cy="0"/>
+          <a:chOff x="0" y="0"/>
+          <a:chExt cx="0" cy="0"/>
+        </a:xfrm>
+      </p:grpSpPr>
+      <p:sp>
+        <p:nvSpPr>
+          <p:cNvPr id="4" name="文本框 3">
+            <a:extLst>
+              <a:ext uri="{FF2B5EF4-FFF2-40B4-BE49-F238E27FC236}">
+                <a16:creationId xmlns:a16="http://schemas.microsoft.com/office/drawing/2014/main" id="{11B95A44-CCF2-9448-AD90-014C7B1CC7EC}"/>
+              </a:ext>
+            </a:extLst>
+          </p:cNvPr>
+          <p:cNvSpPr txBox="1"/>
+          <p:nvPr/>
+        </p:nvSpPr>
+        <p:spPr>
+          <a:xfrm>
+            <a:off x="4728457" y="1046095"/>
+            <a:ext cx="2739853" cy="2646878"/>
+          </a:xfrm>
+          <a:prstGeom prst="rect">
+            <a:avLst/>
+          </a:prstGeom>
+          <a:noFill/>
+        </p:spPr>
+        <p:txBody>
+          <a:bodyPr wrap="none" rtlCol="0">
+            <a:spAutoFit/>
+          </a:bodyPr>
+          <a:lstStyle/>
+          <a:p>
+            <a:pPr algn="ctr"/>
+            <a:r>
+              <a:rPr kumimoji="1" lang="en-US" altLang="zh-CN" sz="16600" b="1" dirty="0">
+                <a:gradFill>
+                  <a:gsLst>
+                    <a:gs pos="4000">
+                      <a:srgbClr val="126FFC"/>
+                    </a:gs>
+                    <a:gs pos="73000">
+                      <a:srgbClr val="126FFC">
+                        <a:alpha val="0"/>
+                      </a:srgbClr>
+                    </a:gs>
+                  </a:gsLst>
+                  <a:lin ang="5400000" scaled="1"/>
+                </a:gradFill>
+                <a:latin typeface="PingFang SC Semibold" panose="020B0400000000000000" pitchFamily="34" charset="-122"/>
+                <a:ea typeface="PingFang SC Semibold" panose="020B0400000000000000" pitchFamily="34" charset="-122"/>
+              </a:rPr>
+              <a:t>02</a:t>
+            </a:r>
+            <a:endParaRPr kumimoji="1" lang="zh-CN" altLang="en-US" sz="16600" b="1" dirty="0">
+              <a:gradFill>
+                <a:gsLst>
+                  <a:gs pos="4000">
+                    <a:srgbClr val="126FFC"/>
+                  </a:gs>
+                  <a:gs pos="73000">
+                    <a:srgbClr val="126FFC">
+                      <a:alpha val="0"/>
+                    </a:srgbClr>
+                  </a:gs>
+                </a:gsLst>
+                <a:lin ang="5400000" scaled="1"/>
+              </a:gradFill>
+              <a:latin typeface="PingFang SC Semibold" panose="020B0400000000000000" pitchFamily="34" charset="-122"/>
+              <a:ea typeface="PingFang SC Semibold" panose="020B0400000000000000" pitchFamily="34" charset="-122"/>
+            </a:endParaRPr>
+          </a:p>
+        </p:txBody>
+      </p:sp>
+      <p:sp>
+        <p:nvSpPr>
+          <p:cNvPr id="5" name="内容占位符 4">
+            <a:extLst>
+              <a:ext uri="{FF2B5EF4-FFF2-40B4-BE49-F238E27FC236}">
+                <a16:creationId xmlns:a16="http://schemas.microsoft.com/office/drawing/2014/main" id="{D04938AF-B47A-1764-AB7F-5185CDB78730}"/>
+              </a:ext>
+            </a:extLst>
+          </p:cNvPr>
+          <p:cNvSpPr>
+            <a:spLocks noGrp="1"/>
+          </p:cNvSpPr>
+          <p:nvPr>
+            <p:ph sz="half" idx="1"/>
+          </p:nvPr>
+        </p:nvSpPr>
+        <p:spPr>
+          <a:xfrm>
+            <a:off x="481757" y="2406869"/>
+            <a:ext cx="11161240" cy="3603651"/>
+          </a:xfrm>
+        </p:spPr>
+        <p:txBody>
+          <a:bodyPr>
+            <a:normAutofit/>
+          </a:bodyPr>
+          <a:lstStyle/>
+          <a:p>
+            <a:pPr algn="ctr" rtl="0">
+              <a:spcBef>
+                <a:spcPts val="1800"/>
+              </a:spcBef>
+              <a:spcAft>
+                <a:spcPts val="600"/>
+              </a:spcAft>
+            </a:pPr>
+            <a:r>
+              <a:rPr lang="en-US" altLang="zh-CN" dirty="0"/>
+              <a:t>2013 </a:t>
+            </a:r>
+            <a:r>
+              <a:rPr lang="zh-CN" altLang="en-US" dirty="0"/>
+              <a:t>年</a:t>
+            </a:r>
+            <a:endParaRPr lang="en-US" altLang="zh-CN" dirty="0"/>
+          </a:p>
+          <a:p>
+            <a:pPr algn="ctr" rtl="0">
+              <a:spcBef>
+                <a:spcPts val="1800"/>
+              </a:spcBef>
+              <a:spcAft>
+                <a:spcPts val="600"/>
+              </a:spcAft>
+            </a:pPr>
+            <a:r>
+              <a:rPr lang="zh-CN" altLang="en-US" dirty="0"/>
+              <a:t>深度学习</a:t>
+            </a:r>
+            <a:r>
+              <a:rPr lang="en-US" altLang="zh-CN" dirty="0"/>
+              <a:t> </a:t>
+            </a:r>
+            <a:r>
+              <a:rPr lang="zh-CN" altLang="en-US" dirty="0"/>
+              <a:t>推广</a:t>
+            </a:r>
+            <a:endParaRPr lang="en-US" altLang="zh-CN" dirty="0">
+              <a:latin typeface="Lexend" pitchFamily="2" charset="0"/>
+              <a:ea typeface="+mj-ea"/>
+            </a:endParaRPr>
+          </a:p>
+        </p:txBody>
+      </p:sp>
+    </p:spTree>
+    <p:extLst>
+      <p:ext uri="{BB962C8B-B14F-4D97-AF65-F5344CB8AC3E}">
+        <p14:creationId xmlns:p14="http://schemas.microsoft.com/office/powerpoint/2010/main" val="3448376239"/>
+      </p:ext>
+    </p:extLst>
+  </p:cSld>
+  <p:clrMapOvr>
+    <a:masterClrMapping/>
+  </p:clrMapOvr>
+</p:sld>
+</file>
+
+<file path=ppt/slides/slide6.xml><?xml version="1.0" encoding="utf-8"?>
+<p:sld xmlns:a="http://schemas.openxmlformats.org/drawingml/2006/main" xmlns:r="http://schemas.openxmlformats.org/officeDocument/2006/relationships" xmlns:p="http://schemas.openxmlformats.org/presentationml/2006/main">
+  <p:cSld>
+    <p:spTree>
+      <p:nvGrpSpPr>
+        <p:cNvPr id="1" name=""/>
+        <p:cNvGrpSpPr/>
+        <p:nvPr/>
+      </p:nvGrpSpPr>
+      <p:grpSpPr>
+        <a:xfrm>
+          <a:off x="0" y="0"/>
+          <a:ext cx="0" cy="0"/>
+          <a:chOff x="0" y="0"/>
+          <a:chExt cx="0" cy="0"/>
+        </a:xfrm>
+      </p:grpSpPr>
+      <p:sp>
+        <p:nvSpPr>
+          <p:cNvPr id="3" name="标题 2">
+            <a:extLst>
+              <a:ext uri="{FF2B5EF4-FFF2-40B4-BE49-F238E27FC236}">
+                <a16:creationId xmlns:a16="http://schemas.microsoft.com/office/drawing/2014/main" id="{55CDD80E-1FC2-A476-E1EA-0FE439A5DE78}"/>
+              </a:ext>
+            </a:extLst>
+          </p:cNvPr>
+          <p:cNvSpPr>
+            <a:spLocks noGrp="1"/>
+          </p:cNvSpPr>
+          <p:nvPr>
+            <p:ph type="title"/>
+          </p:nvPr>
+        </p:nvSpPr>
+        <p:spPr>
+          <a:xfrm>
+            <a:off x="623635" y="522789"/>
+            <a:ext cx="10963473" cy="589190"/>
+          </a:xfrm>
+        </p:spPr>
+        <p:txBody>
+          <a:bodyPr/>
+          <a:lstStyle/>
+          <a:p>
+            <a:r>
+              <a:rPr lang="en-US" altLang="zh-CN" dirty="0"/>
+              <a:t>2013 </a:t>
+            </a:r>
+            <a:r>
+              <a:rPr lang="zh-CN" altLang="en-US" dirty="0"/>
+              <a:t>年深度学习技术的进一步推广</a:t>
+            </a:r>
+          </a:p>
+        </p:txBody>
+      </p:sp>
+      <p:sp>
+        <p:nvSpPr>
+          <p:cNvPr id="4" name="内容占位符 3">
+            <a:extLst>
+              <a:ext uri="{FF2B5EF4-FFF2-40B4-BE49-F238E27FC236}">
+                <a16:creationId xmlns:a16="http://schemas.microsoft.com/office/drawing/2014/main" id="{4C512CCA-7F02-4621-A5E7-1BCF6E0C4355}"/>
+              </a:ext>
+            </a:extLst>
+          </p:cNvPr>
+          <p:cNvSpPr>
+            <a:spLocks noGrp="1"/>
+          </p:cNvSpPr>
+          <p:nvPr>
+            <p:ph sz="half" idx="1"/>
+          </p:nvPr>
+        </p:nvSpPr>
+        <p:spPr>
+          <a:xfrm>
+            <a:off x="623635" y="1246909"/>
+            <a:ext cx="10963473" cy="5108171"/>
+          </a:xfrm>
+        </p:spPr>
+        <p:txBody>
+          <a:bodyPr/>
+          <a:lstStyle/>
+          <a:p>
+            <a:r>
+              <a:rPr lang="zh-CN" altLang="en-US" dirty="0"/>
+              <a:t>深度强化学习的引入：</a:t>
+            </a:r>
+            <a:endParaRPr lang="en-US" altLang="zh-CN" dirty="0"/>
+          </a:p>
+          <a:p>
+            <a:pPr lvl="1"/>
+            <a:r>
+              <a:rPr lang="en" altLang="zh-CN" dirty="0"/>
+              <a:t>DeepMind</a:t>
+            </a:r>
+            <a:r>
+              <a:rPr lang="zh-CN" altLang="en-US" dirty="0"/>
+              <a:t>引入深度强化学习，这是一种基于奖励和重复学习的</a:t>
+            </a:r>
+            <a:r>
+              <a:rPr lang="en" altLang="zh-CN" dirty="0"/>
+              <a:t>CNN</a:t>
+            </a:r>
+            <a:r>
+              <a:rPr lang="zh-CN" altLang="en" dirty="0"/>
+              <a:t>，</a:t>
+            </a:r>
+            <a:r>
+              <a:rPr lang="zh-CN" altLang="en-US" dirty="0"/>
+              <a:t>抵达了人类专家的水平。</a:t>
+            </a:r>
+          </a:p>
+          <a:p>
+            <a:r>
+              <a:rPr lang="en" altLang="zh-CN" dirty="0"/>
+              <a:t>Word2vec</a:t>
+            </a:r>
+            <a:r>
+              <a:rPr lang="zh-CN" altLang="en-US" dirty="0"/>
+              <a:t>的引入：</a:t>
+            </a:r>
+            <a:endParaRPr lang="en-US" altLang="zh-CN" dirty="0"/>
+          </a:p>
+          <a:p>
+            <a:pPr lvl="1"/>
+            <a:r>
+              <a:rPr lang="zh-CN" altLang="en-US" dirty="0"/>
+              <a:t>谷歌研究员</a:t>
+            </a:r>
+            <a:r>
+              <a:rPr lang="en" altLang="zh-CN" dirty="0"/>
+              <a:t>Tomas </a:t>
+            </a:r>
+            <a:r>
+              <a:rPr lang="en" altLang="zh-CN" dirty="0" err="1"/>
+              <a:t>Mikolov</a:t>
+            </a:r>
+            <a:r>
+              <a:rPr lang="zh-CN" altLang="en-US" dirty="0"/>
+              <a:t>及其同事引入了</a:t>
+            </a:r>
+            <a:r>
+              <a:rPr lang="en" altLang="zh-CN" dirty="0"/>
+              <a:t>Word2vec</a:t>
+            </a:r>
+            <a:r>
+              <a:rPr lang="zh-CN" altLang="en" dirty="0"/>
+              <a:t>，</a:t>
+            </a:r>
+            <a:r>
+              <a:rPr lang="zh-CN" altLang="en-US" dirty="0"/>
+              <a:t>以自动识别单词之间的语义关系。</a:t>
+            </a:r>
+            <a:r>
+              <a:rPr lang="en" altLang="zh-CN" dirty="0"/>
+              <a:t>Word2Vec</a:t>
+            </a:r>
+            <a:r>
+              <a:rPr lang="zh-CN" altLang="en-US" dirty="0"/>
+              <a:t>模型通过将词语表示为向量，为</a:t>
+            </a:r>
+            <a:r>
+              <a:rPr lang="en" altLang="zh-CN" dirty="0"/>
+              <a:t>NLP</a:t>
+            </a:r>
+            <a:r>
+              <a:rPr lang="zh-CN" altLang="en-US" dirty="0"/>
+              <a:t>任务提供了高效的文本编码方式，成为深度学习在文本处理中的基础工具。</a:t>
+            </a:r>
+          </a:p>
+          <a:p>
+            <a:r>
+              <a:rPr lang="zh-CN" altLang="en-US" dirty="0"/>
+              <a:t>深度学习研究院的成立：</a:t>
+            </a:r>
+            <a:endParaRPr lang="en-US" altLang="zh-CN" dirty="0"/>
+          </a:p>
+          <a:p>
+            <a:pPr lvl="1"/>
+            <a:r>
+              <a:rPr lang="zh-CN" altLang="en-US" dirty="0"/>
+              <a:t>百度在</a:t>
+            </a:r>
+            <a:r>
+              <a:rPr lang="en-US" altLang="zh-CN" dirty="0"/>
+              <a:t>2013</a:t>
+            </a:r>
+            <a:r>
+              <a:rPr lang="zh-CN" altLang="en-US" dirty="0"/>
+              <a:t>年</a:t>
+            </a:r>
+            <a:r>
+              <a:rPr lang="en-US" altLang="zh-CN" dirty="0"/>
+              <a:t>1</a:t>
+            </a:r>
+            <a:r>
+              <a:rPr lang="zh-CN" altLang="en-US" dirty="0"/>
+              <a:t>月的年会上宣布成立深度学习研究院</a:t>
+            </a:r>
+            <a:r>
+              <a:rPr lang="en" altLang="zh-CN" dirty="0"/>
+              <a:t>IDL</a:t>
+            </a:r>
+            <a:r>
+              <a:rPr lang="zh-CN" altLang="en" dirty="0"/>
+              <a:t>，</a:t>
+            </a:r>
+            <a:r>
+              <a:rPr lang="zh-CN" altLang="en-US" dirty="0"/>
+              <a:t>表明百度下定决心押注</a:t>
+            </a:r>
+            <a:r>
+              <a:rPr lang="en" altLang="zh-CN" dirty="0"/>
+              <a:t>AI</a:t>
+            </a:r>
+            <a:r>
+              <a:rPr lang="zh-CN" altLang="en" dirty="0"/>
+              <a:t>。</a:t>
+            </a:r>
+            <a:endParaRPr lang="en-US" altLang="zh-CN" dirty="0"/>
+          </a:p>
+          <a:p>
+            <a:endParaRPr lang="zh-CN" altLang="en" dirty="0"/>
+          </a:p>
+        </p:txBody>
+      </p:sp>
+      <p:sp>
+        <p:nvSpPr>
+          <p:cNvPr id="5" name="文本框 4">
+            <a:extLst>
+              <a:ext uri="{FF2B5EF4-FFF2-40B4-BE49-F238E27FC236}">
+                <a16:creationId xmlns:a16="http://schemas.microsoft.com/office/drawing/2014/main" id="{203BF864-CE3C-9280-0AB0-64966C12EA16}"/>
+              </a:ext>
+            </a:extLst>
+          </p:cNvPr>
+          <p:cNvSpPr txBox="1"/>
+          <p:nvPr/>
+        </p:nvSpPr>
+        <p:spPr>
+          <a:xfrm>
+            <a:off x="3301488" y="2572434"/>
+            <a:ext cx="8271640" cy="276999"/>
+          </a:xfrm>
+          <a:prstGeom prst="rect">
+            <a:avLst/>
+          </a:prstGeom>
+          <a:noFill/>
+        </p:spPr>
+        <p:txBody>
+          <a:bodyPr wrap="square">
+            <a:spAutoFit/>
+          </a:bodyPr>
+          <a:lstStyle/>
+          <a:p>
+            <a:r>
+              <a:rPr lang="zh-CN" altLang="en-US" sz="1200" dirty="0">
+                <a:solidFill>
+                  <a:srgbClr val="0432FF"/>
+                </a:solidFill>
+              </a:rPr>
+              <a:t>https://www.youtube.com/watch?v=viZrOnJclY0&amp;pp=ygUWVG9tYXMgTWlrb2xvdiBXb3JkMnZlYw%3D%3D</a:t>
+            </a:r>
+          </a:p>
+        </p:txBody>
+      </p:sp>
+      <p:sp>
+        <p:nvSpPr>
+          <p:cNvPr id="7" name="文本框 6">
+            <a:extLst>
+              <a:ext uri="{FF2B5EF4-FFF2-40B4-BE49-F238E27FC236}">
+                <a16:creationId xmlns:a16="http://schemas.microsoft.com/office/drawing/2014/main" id="{9FF3FC2D-1040-1787-C2C6-A6885E30AD3D}"/>
+              </a:ext>
+            </a:extLst>
+          </p:cNvPr>
+          <p:cNvSpPr txBox="1"/>
+          <p:nvPr/>
+        </p:nvSpPr>
+        <p:spPr>
+          <a:xfrm>
+            <a:off x="3315468" y="4371424"/>
+            <a:ext cx="8271640" cy="461665"/>
+          </a:xfrm>
+          <a:prstGeom prst="rect">
+            <a:avLst/>
+          </a:prstGeom>
+          <a:noFill/>
+        </p:spPr>
+        <p:txBody>
+          <a:bodyPr wrap="square">
+            <a:spAutoFit/>
+          </a:bodyPr>
+          <a:lstStyle/>
+          <a:p>
+            <a:r>
+              <a:rPr lang="zh-CN" altLang="en-US" sz="1200" dirty="0">
+                <a:solidFill>
+                  <a:srgbClr val="0432FF"/>
+                </a:solidFill>
+              </a:rPr>
+              <a:t>https://www.youtube.com/watch?v=sQ3ll3EXp38&amp;pp=ygUmQmFpZHUgRGVlcCBMZWFybmluZyBSZXNlYXJjaCBJbnN0aXR1dGU%3D</a:t>
+            </a:r>
+          </a:p>
+        </p:txBody>
+      </p:sp>
+    </p:spTree>
+    <p:extLst>
+      <p:ext uri="{BB962C8B-B14F-4D97-AF65-F5344CB8AC3E}">
+        <p14:creationId xmlns:p14="http://schemas.microsoft.com/office/powerpoint/2010/main" val="4080350519"/>
+      </p:ext>
+    </p:extLst>
+  </p:cSld>
+  <p:clrMapOvr>
+    <a:masterClrMapping/>
+  </p:clrMapOvr>
+  <mc:AlternateContent xmlns:mc="http://schemas.openxmlformats.org/markup-compatibility/2006" xmlns:p159="http://schemas.microsoft.com/office/powerpoint/2015/09/main">
+    <mc:Choice Requires="p159">
+      <p:transition xmlns:p14="http://schemas.microsoft.com/office/powerpoint/2010/main" spd="slow" p14:dur="2000">
+        <p159:morph option="byObject"/>
+      </p:transition>
+    </mc:Choice>
+    <mc:Fallback xmlns="">
+      <p:transition spd="slow">
+        <p:fade/>
+      </p:transition>
+    </mc:Fallback>
+  </mc:AlternateContent>
+</p:sld>
+</file>
+
+<file path=ppt/slides/slide7.xml><?xml version="1.0" encoding="utf-8"?>
+<p:sld xmlns:a="http://schemas.openxmlformats.org/drawingml/2006/main" xmlns:r="http://schemas.openxmlformats.org/officeDocument/2006/relationships" xmlns:p="http://schemas.openxmlformats.org/presentationml/2006/main">
+  <p:cSld>
+    <p:spTree>
+      <p:nvGrpSpPr>
+        <p:cNvPr id="1" name=""/>
+        <p:cNvGrpSpPr/>
+        <p:nvPr/>
+      </p:nvGrpSpPr>
+      <p:grpSpPr>
+        <a:xfrm>
+          <a:off x="0" y="0"/>
+          <a:ext cx="0" cy="0"/>
+          <a:chOff x="0" y="0"/>
+          <a:chExt cx="0" cy="0"/>
+        </a:xfrm>
+      </p:grpSpPr>
+      <p:sp>
+        <p:nvSpPr>
+          <p:cNvPr id="3" name="标题 2">
+            <a:extLst>
+              <a:ext uri="{FF2B5EF4-FFF2-40B4-BE49-F238E27FC236}">
+                <a16:creationId xmlns:a16="http://schemas.microsoft.com/office/drawing/2014/main" id="{55CDD80E-1FC2-A476-E1EA-0FE439A5DE78}"/>
+              </a:ext>
+            </a:extLst>
+          </p:cNvPr>
+          <p:cNvSpPr>
+            <a:spLocks noGrp="1"/>
+          </p:cNvSpPr>
+          <p:nvPr>
+            <p:ph type="title"/>
+          </p:nvPr>
+        </p:nvSpPr>
+        <p:spPr>
+          <a:xfrm>
+            <a:off x="623635" y="522789"/>
+            <a:ext cx="10963473" cy="589190"/>
+          </a:xfrm>
+        </p:spPr>
+        <p:txBody>
+          <a:bodyPr/>
+          <a:lstStyle/>
+          <a:p>
+            <a:r>
+              <a:rPr lang="en-US" altLang="zh-CN" dirty="0"/>
+              <a:t>2013 </a:t>
+            </a:r>
+            <a:r>
+              <a:rPr lang="zh-CN" altLang="en-US" dirty="0"/>
+              <a:t>年深度学习技术的进一步推广</a:t>
+            </a:r>
+          </a:p>
+        </p:txBody>
+      </p:sp>
+      <p:sp>
+        <p:nvSpPr>
+          <p:cNvPr id="4" name="内容占位符 3">
+            <a:extLst>
+              <a:ext uri="{FF2B5EF4-FFF2-40B4-BE49-F238E27FC236}">
+                <a16:creationId xmlns:a16="http://schemas.microsoft.com/office/drawing/2014/main" id="{4C512CCA-7F02-4621-A5E7-1BCF6E0C4355}"/>
+              </a:ext>
+            </a:extLst>
+          </p:cNvPr>
+          <p:cNvSpPr>
+            <a:spLocks noGrp="1"/>
+          </p:cNvSpPr>
+          <p:nvPr>
+            <p:ph sz="half" idx="1"/>
+          </p:nvPr>
+        </p:nvSpPr>
+        <p:spPr>
+          <a:xfrm>
+            <a:off x="623635" y="1246909"/>
+            <a:ext cx="10963473" cy="5108171"/>
+          </a:xfrm>
+        </p:spPr>
+        <p:txBody>
+          <a:bodyPr/>
+          <a:lstStyle/>
+          <a:p>
+            <a:r>
+              <a:rPr lang="zh-CN" altLang="en-US" dirty="0"/>
+              <a:t>深度学习在语音识别中的应用：</a:t>
+            </a:r>
+            <a:endParaRPr lang="en-US" altLang="zh-CN" dirty="0"/>
+          </a:p>
+          <a:p>
+            <a:pPr lvl="1"/>
+            <a:r>
+              <a:rPr lang="zh-CN" altLang="en-US" dirty="0"/>
+              <a:t>微软研究院使用深度学习技术大幅提升了语音识别的准确率，标志着深度学习在自然语言处理领域的突破。</a:t>
+            </a:r>
+          </a:p>
+          <a:p>
+            <a:r>
+              <a:rPr lang="en" altLang="zh-CN" dirty="0"/>
+              <a:t>DeepMind</a:t>
+            </a:r>
+            <a:r>
+              <a:rPr lang="zh-CN" altLang="en-US" dirty="0"/>
+              <a:t>的崛起：</a:t>
+            </a:r>
+            <a:endParaRPr lang="en-US" altLang="zh-CN" dirty="0"/>
+          </a:p>
+          <a:p>
+            <a:pPr lvl="1"/>
+            <a:r>
+              <a:rPr lang="en" altLang="zh-CN" dirty="0"/>
+              <a:t>DeepMind</a:t>
+            </a:r>
+            <a:r>
+              <a:rPr lang="zh-CN" altLang="en-US" dirty="0"/>
+              <a:t>提出的</a:t>
+            </a:r>
+            <a:r>
+              <a:rPr lang="en" altLang="zh-CN" dirty="0"/>
+              <a:t>DQN</a:t>
+            </a:r>
+            <a:r>
+              <a:rPr lang="zh-CN" altLang="en" dirty="0"/>
+              <a:t>（</a:t>
+            </a:r>
+            <a:r>
+              <a:rPr lang="zh-CN" altLang="en-US" dirty="0"/>
+              <a:t>深度</a:t>
+            </a:r>
+            <a:r>
+              <a:rPr lang="en" altLang="zh-CN" dirty="0"/>
+              <a:t>Q</a:t>
+            </a:r>
+            <a:r>
+              <a:rPr lang="zh-CN" altLang="en-US" dirty="0"/>
+              <a:t>网络）通过结合深度学习和强化学习，展示</a:t>
+            </a:r>
+            <a:r>
+              <a:rPr lang="en" altLang="zh-CN" dirty="0"/>
+              <a:t>DQN</a:t>
+            </a:r>
+            <a:r>
+              <a:rPr lang="zh-CN" altLang="en-US" dirty="0"/>
+              <a:t>其</a:t>
+            </a:r>
+            <a:r>
+              <a:rPr lang="en" altLang="zh-CN" dirty="0"/>
+              <a:t>AI</a:t>
+            </a:r>
+            <a:r>
+              <a:rPr lang="zh-CN" altLang="en-US" dirty="0"/>
+              <a:t>系统在</a:t>
+            </a:r>
+            <a:r>
+              <a:rPr lang="en" altLang="zh-CN" dirty="0"/>
+              <a:t>Atari</a:t>
+            </a:r>
+            <a:r>
+              <a:rPr lang="zh-CN" altLang="en-US" dirty="0"/>
+              <a:t>游戏中的超人类表现，进一步证明了深度强化学习的潜力。成功在雅达利游戏中实现了人类水平的性能，为深度强化学习奠定了基础。</a:t>
+            </a:r>
+          </a:p>
+          <a:p>
+            <a:endParaRPr lang="zh-CN" altLang="en" dirty="0"/>
+          </a:p>
+        </p:txBody>
+      </p:sp>
+      <p:sp>
+        <p:nvSpPr>
+          <p:cNvPr id="5" name="文本框 4">
+            <a:extLst>
+              <a:ext uri="{FF2B5EF4-FFF2-40B4-BE49-F238E27FC236}">
+                <a16:creationId xmlns:a16="http://schemas.microsoft.com/office/drawing/2014/main" id="{C9F823BF-6E34-F04A-9FEF-C2D9924D8E08}"/>
+              </a:ext>
+            </a:extLst>
+          </p:cNvPr>
+          <p:cNvSpPr txBox="1"/>
+          <p:nvPr/>
+        </p:nvSpPr>
+        <p:spPr>
+          <a:xfrm>
+            <a:off x="3315468" y="2929786"/>
+            <a:ext cx="8271640" cy="276999"/>
+          </a:xfrm>
+          <a:prstGeom prst="rect">
+            <a:avLst/>
+          </a:prstGeom>
+          <a:noFill/>
+        </p:spPr>
+        <p:txBody>
+          <a:bodyPr wrap="square">
+            <a:spAutoFit/>
+          </a:bodyPr>
+          <a:lstStyle/>
+          <a:p>
+            <a:r>
+              <a:rPr lang="zh-CN" altLang="en-US" sz="1200" dirty="0">
+                <a:solidFill>
+                  <a:srgbClr val="0432FF"/>
+                </a:solidFill>
+              </a:rPr>
+              <a:t>https://www.youtube.com/watch?v=dJ4rWhpAGFI&amp;pp=ygUMRGVlcE1pbmQgRFFO</a:t>
+            </a:r>
+          </a:p>
+        </p:txBody>
+      </p:sp>
+    </p:spTree>
+    <p:extLst>
+      <p:ext uri="{BB962C8B-B14F-4D97-AF65-F5344CB8AC3E}">
+        <p14:creationId xmlns:p14="http://schemas.microsoft.com/office/powerpoint/2010/main" val="1755774734"/>
+      </p:ext>
+    </p:extLst>
+  </p:cSld>
+  <p:clrMapOvr>
+    <a:masterClrMapping/>
+  </p:clrMapOvr>
+  <mc:AlternateContent xmlns:mc="http://schemas.openxmlformats.org/markup-compatibility/2006" xmlns:p159="http://schemas.microsoft.com/office/powerpoint/2015/09/main">
+    <mc:Choice Requires="p159">
+      <p:transition xmlns:p14="http://schemas.microsoft.com/office/powerpoint/2010/main" spd="slow" p14:dur="2000">
+        <p159:morph option="byObject"/>
+      </p:transition>
+    </mc:Choice>
+    <mc:Fallback xmlns="">
+      <p:transition spd="slow">
+        <p:fade/>
+      </p:transition>
+    </mc:Fallback>
+  </mc:AlternateContent>
+</p:sld>
+</file>
+
+<file path=ppt/slides/slide8.xml><?xml version="1.0" encoding="utf-8"?>
+<p:sld xmlns:a="http://schemas.openxmlformats.org/drawingml/2006/main" xmlns:r="http://schemas.openxmlformats.org/officeDocument/2006/relationships" xmlns:p="http://schemas.openxmlformats.org/presentationml/2006/main">
+  <p:cSld>
+    <p:spTree>
+      <p:nvGrpSpPr>
+        <p:cNvPr id="1" name=""/>
+        <p:cNvGrpSpPr/>
+        <p:nvPr/>
+      </p:nvGrpSpPr>
+      <p:grpSpPr>
+        <a:xfrm>
+          <a:off x="0" y="0"/>
+          <a:ext cx="0" cy="0"/>
+          <a:chOff x="0" y="0"/>
+          <a:chExt cx="0" cy="0"/>
+        </a:xfrm>
+      </p:grpSpPr>
+      <p:sp>
+        <p:nvSpPr>
+          <p:cNvPr id="4" name="文本框 3">
+            <a:extLst>
+              <a:ext uri="{FF2B5EF4-FFF2-40B4-BE49-F238E27FC236}">
+                <a16:creationId xmlns:a16="http://schemas.microsoft.com/office/drawing/2014/main" id="{11B95A44-CCF2-9448-AD90-014C7B1CC7EC}"/>
+              </a:ext>
+            </a:extLst>
+          </p:cNvPr>
+          <p:cNvSpPr txBox="1"/>
+          <p:nvPr/>
+        </p:nvSpPr>
+        <p:spPr>
+          <a:xfrm>
+            <a:off x="4728457" y="1046095"/>
+            <a:ext cx="2739853" cy="2646878"/>
+          </a:xfrm>
+          <a:prstGeom prst="rect">
+            <a:avLst/>
+          </a:prstGeom>
+          <a:noFill/>
+        </p:spPr>
+        <p:txBody>
+          <a:bodyPr wrap="none" rtlCol="0">
+            <a:spAutoFit/>
+          </a:bodyPr>
+          <a:lstStyle/>
+          <a:p>
+            <a:pPr algn="ctr"/>
+            <a:r>
+              <a:rPr kumimoji="1" lang="en-US" altLang="zh-CN" sz="16600" b="1" dirty="0">
+                <a:gradFill>
+                  <a:gsLst>
+                    <a:gs pos="4000">
+                      <a:srgbClr val="126FFC"/>
+                    </a:gs>
+                    <a:gs pos="73000">
+                      <a:srgbClr val="126FFC">
+                        <a:alpha val="0"/>
+                      </a:srgbClr>
+                    </a:gs>
+                  </a:gsLst>
+                  <a:lin ang="5400000" scaled="1"/>
+                </a:gradFill>
+                <a:latin typeface="PingFang SC Semibold" panose="020B0400000000000000" pitchFamily="34" charset="-122"/>
+                <a:ea typeface="PingFang SC Semibold" panose="020B0400000000000000" pitchFamily="34" charset="-122"/>
+              </a:rPr>
+              <a:t>03</a:t>
+            </a:r>
+            <a:endParaRPr kumimoji="1" lang="zh-CN" altLang="en-US" sz="16600" b="1" dirty="0">
+              <a:gradFill>
+                <a:gsLst>
+                  <a:gs pos="4000">
+                    <a:srgbClr val="126FFC"/>
+                  </a:gs>
+                  <a:gs pos="73000">
+                    <a:srgbClr val="126FFC">
+                      <a:alpha val="0"/>
+                    </a:srgbClr>
+                  </a:gs>
+                </a:gsLst>
+                <a:lin ang="5400000" scaled="1"/>
+              </a:gradFill>
+              <a:latin typeface="PingFang SC Semibold" panose="020B0400000000000000" pitchFamily="34" charset="-122"/>
+              <a:ea typeface="PingFang SC Semibold" panose="020B0400000000000000" pitchFamily="34" charset="-122"/>
+            </a:endParaRPr>
+          </a:p>
+        </p:txBody>
+      </p:sp>
+      <p:sp>
+        <p:nvSpPr>
+          <p:cNvPr id="5" name="内容占位符 4">
+            <a:extLst>
+              <a:ext uri="{FF2B5EF4-FFF2-40B4-BE49-F238E27FC236}">
+                <a16:creationId xmlns:a16="http://schemas.microsoft.com/office/drawing/2014/main" id="{D04938AF-B47A-1764-AB7F-5185CDB78730}"/>
+              </a:ext>
+            </a:extLst>
+          </p:cNvPr>
+          <p:cNvSpPr>
+            <a:spLocks noGrp="1"/>
+          </p:cNvSpPr>
+          <p:nvPr>
+            <p:ph sz="half" idx="1"/>
+          </p:nvPr>
+        </p:nvSpPr>
+        <p:spPr>
+          <a:xfrm>
+            <a:off x="481757" y="2406869"/>
+            <a:ext cx="11161240" cy="3603651"/>
+          </a:xfrm>
+        </p:spPr>
+        <p:txBody>
+          <a:bodyPr>
+            <a:normAutofit/>
+          </a:bodyPr>
+          <a:lstStyle/>
+          <a:p>
+            <a:pPr algn="ctr" rtl="0">
+              <a:spcBef>
+                <a:spcPts val="1800"/>
+              </a:spcBef>
+              <a:spcAft>
+                <a:spcPts val="600"/>
+              </a:spcAft>
+            </a:pPr>
+            <a:r>
+              <a:rPr lang="en-US" altLang="zh-CN" dirty="0"/>
+              <a:t>2014 </a:t>
+            </a:r>
+            <a:r>
+              <a:rPr lang="zh-CN" altLang="en-US" dirty="0"/>
+              <a:t>年</a:t>
+            </a:r>
+            <a:endParaRPr lang="en-US" altLang="zh-CN" dirty="0"/>
+          </a:p>
+          <a:p>
+            <a:pPr algn="ctr" rtl="0">
+              <a:spcBef>
+                <a:spcPts val="1800"/>
+              </a:spcBef>
+              <a:spcAft>
+                <a:spcPts val="600"/>
+              </a:spcAft>
+            </a:pPr>
+            <a:r>
+              <a:rPr lang="en-US" altLang="zh-CN" dirty="0"/>
+              <a:t>AI </a:t>
+            </a:r>
+            <a:r>
+              <a:rPr lang="zh-CN" altLang="en-US" dirty="0"/>
+              <a:t>算法高速发展</a:t>
+            </a:r>
+            <a:endParaRPr lang="en-US" altLang="zh-CN" dirty="0">
+              <a:latin typeface="Lexend" pitchFamily="2" charset="0"/>
+              <a:ea typeface="+mj-ea"/>
+            </a:endParaRPr>
+          </a:p>
+        </p:txBody>
+      </p:sp>
+    </p:spTree>
+    <p:extLst>
+      <p:ext uri="{BB962C8B-B14F-4D97-AF65-F5344CB8AC3E}">
+        <p14:creationId xmlns:p14="http://schemas.microsoft.com/office/powerpoint/2010/main" val="3291212201"/>
+      </p:ext>
+    </p:extLst>
+  </p:cSld>
+  <p:clrMapOvr>
+    <a:masterClrMapping/>
+  </p:clrMapOvr>
+</p:sld>
+</file>
+
+<file path=ppt/slides/slide9.xml><?xml version="1.0" encoding="utf-8"?>
+<p:sld xmlns:a="http://schemas.openxmlformats.org/drawingml/2006/main" xmlns:r="http://schemas.openxmlformats.org/officeDocument/2006/relationships" xmlns:p="http://schemas.openxmlformats.org/presentationml/2006/main">
+  <p:cSld>
+    <p:spTree>
+      <p:nvGrpSpPr>
+        <p:cNvPr id="1" name=""/>
+        <p:cNvGrpSpPr/>
+        <p:nvPr/>
+      </p:nvGrpSpPr>
+      <p:grpSpPr>
+        <a:xfrm>
+          <a:off x="0" y="0"/>
+          <a:ext cx="0" cy="0"/>
+          <a:chOff x="0" y="0"/>
+          <a:chExt cx="0" cy="0"/>
+        </a:xfrm>
+      </p:grpSpPr>
+      <p:sp>
+        <p:nvSpPr>
+          <p:cNvPr id="3" name="标题 2">
+            <a:extLst>
+              <a:ext uri="{FF2B5EF4-FFF2-40B4-BE49-F238E27FC236}">
+                <a16:creationId xmlns:a16="http://schemas.microsoft.com/office/drawing/2014/main" id="{55CDD80E-1FC2-A476-E1EA-0FE439A5DE78}"/>
+              </a:ext>
+            </a:extLst>
+          </p:cNvPr>
+          <p:cNvSpPr>
+            <a:spLocks noGrp="1"/>
+          </p:cNvSpPr>
+          <p:nvPr>
+            <p:ph type="title"/>
+          </p:nvPr>
+        </p:nvSpPr>
+        <p:spPr>
+          <a:xfrm>
+            <a:off x="623635" y="522789"/>
+            <a:ext cx="10963473" cy="589190"/>
+          </a:xfrm>
+        </p:spPr>
+        <p:txBody>
+          <a:bodyPr/>
+          <a:lstStyle/>
+          <a:p>
+            <a:r>
+              <a:rPr lang="en-US" altLang="zh-CN" dirty="0"/>
+              <a:t>2014 </a:t>
+            </a:r>
+            <a:r>
+              <a:rPr lang="zh-CN" altLang="en-US" dirty="0"/>
+              <a:t>年</a:t>
+            </a:r>
+            <a:r>
+              <a:rPr lang="en" altLang="zh-CN" dirty="0"/>
+              <a:t>AI</a:t>
+            </a:r>
+            <a:r>
+              <a:rPr lang="zh-CN" altLang="en-US" dirty="0"/>
+              <a:t>商业化与巨头布局</a:t>
+            </a:r>
+          </a:p>
+        </p:txBody>
+      </p:sp>
+      <p:sp>
+        <p:nvSpPr>
+          <p:cNvPr id="4" name="内容占位符 3">
+            <a:extLst>
+              <a:ext uri="{FF2B5EF4-FFF2-40B4-BE49-F238E27FC236}">
+                <a16:creationId xmlns:a16="http://schemas.microsoft.com/office/drawing/2014/main" id="{4C512CCA-7F02-4621-A5E7-1BCF6E0C4355}"/>
+              </a:ext>
+            </a:extLst>
+          </p:cNvPr>
+          <p:cNvSpPr>
+            <a:spLocks noGrp="1"/>
+          </p:cNvSpPr>
+          <p:nvPr>
+            <p:ph sz="half" idx="1"/>
+          </p:nvPr>
+        </p:nvSpPr>
+        <p:spPr>
+          <a:xfrm>
+            <a:off x="623635" y="1246909"/>
+            <a:ext cx="10963473" cy="5108171"/>
+          </a:xfrm>
+        </p:spPr>
+        <p:txBody>
+          <a:bodyPr/>
+          <a:lstStyle/>
+          <a:p>
+            <a:r>
+              <a:rPr lang="zh-CN" altLang="en-US" dirty="0"/>
+              <a:t>生成对抗网络的提出：</a:t>
+            </a:r>
+            <a:endParaRPr lang="en-US" altLang="zh-CN" dirty="0"/>
+          </a:p>
+          <a:p>
+            <a:pPr lvl="1"/>
+            <a:r>
+              <a:rPr lang="en" altLang="zh-CN" dirty="0"/>
+              <a:t>Ian Goodfellow</a:t>
+            </a:r>
+            <a:r>
+              <a:rPr lang="zh-CN" altLang="en-US" dirty="0"/>
+              <a:t>及其同事创造了生成对抗网络（</a:t>
+            </a:r>
+            <a:r>
+              <a:rPr lang="en" altLang="zh-CN" dirty="0"/>
+              <a:t>GAN</a:t>
+            </a:r>
+            <a:r>
+              <a:rPr lang="zh-CN" altLang="en" dirty="0"/>
+              <a:t>），</a:t>
+            </a:r>
+            <a:r>
+              <a:rPr lang="zh-CN" altLang="en-US" dirty="0"/>
+              <a:t>这是一类用于生成照片、转换图像和深度模拟的机器学习框架。</a:t>
+            </a:r>
+          </a:p>
+          <a:p>
+            <a:r>
+              <a:rPr lang="zh-CN" altLang="en-US" dirty="0"/>
+              <a:t>变分自动编码器的引入：</a:t>
+            </a:r>
+            <a:endParaRPr lang="en-US" altLang="zh-CN" dirty="0"/>
+          </a:p>
+          <a:p>
+            <a:pPr lvl="1"/>
+            <a:r>
+              <a:rPr lang="en" altLang="zh-CN" dirty="0" err="1"/>
+              <a:t>Diederik</a:t>
+            </a:r>
+            <a:r>
+              <a:rPr lang="en" altLang="zh-CN" dirty="0"/>
+              <a:t> </a:t>
+            </a:r>
+            <a:r>
+              <a:rPr lang="en" altLang="zh-CN" dirty="0" err="1"/>
+              <a:t>Kingma</a:t>
+            </a:r>
+            <a:r>
+              <a:rPr lang="zh-CN" altLang="en-US" dirty="0"/>
+              <a:t>和</a:t>
+            </a:r>
+            <a:r>
+              <a:rPr lang="en" altLang="zh-CN" dirty="0"/>
+              <a:t>Max Welling</a:t>
+            </a:r>
+            <a:r>
+              <a:rPr lang="zh-CN" altLang="en-US" dirty="0"/>
+              <a:t>引入了变分自动编码器来生成图像、视频和文本。</a:t>
+            </a:r>
+          </a:p>
+          <a:p>
+            <a:r>
+              <a:rPr lang="en" altLang="zh-CN" dirty="0" err="1"/>
+              <a:t>DeepFace</a:t>
+            </a:r>
+            <a:r>
+              <a:rPr lang="zh-CN" altLang="en-US" dirty="0"/>
+              <a:t>的开发：</a:t>
+            </a:r>
+            <a:endParaRPr lang="en-US" altLang="zh-CN" dirty="0"/>
+          </a:p>
+          <a:p>
+            <a:pPr lvl="1"/>
+            <a:r>
+              <a:rPr lang="en" altLang="zh-CN" dirty="0"/>
+              <a:t>Facebook</a:t>
+            </a:r>
+            <a:r>
+              <a:rPr lang="zh-CN" altLang="en-US" dirty="0"/>
+              <a:t>开发了深度学习面部识别系统</a:t>
+            </a:r>
+            <a:r>
+              <a:rPr lang="en" altLang="zh-CN" dirty="0" err="1"/>
+              <a:t>DeepFace</a:t>
+            </a:r>
+            <a:r>
+              <a:rPr lang="zh-CN" altLang="en" dirty="0"/>
+              <a:t>，</a:t>
+            </a:r>
+            <a:r>
+              <a:rPr lang="zh-CN" altLang="en-US" dirty="0"/>
+              <a:t>能够以接近人类的准确度识别数字图像中的人脸。</a:t>
+            </a:r>
+          </a:p>
+          <a:p>
+            <a:r>
+              <a:rPr lang="zh-CN" altLang="en-US" dirty="0"/>
+              <a:t>谷歌无人驾驶汽车的进展：</a:t>
+            </a:r>
+            <a:endParaRPr lang="en-US" altLang="zh-CN" dirty="0"/>
+          </a:p>
+          <a:p>
+            <a:pPr lvl="1"/>
+            <a:r>
+              <a:rPr lang="en-US" altLang="zh-CN" dirty="0"/>
+              <a:t>2014</a:t>
+            </a:r>
+            <a:r>
+              <a:rPr lang="zh-CN" altLang="en-US" dirty="0"/>
+              <a:t>年，谷歌成为第一个通过美国州自驾车测试的公司。</a:t>
+            </a:r>
+          </a:p>
+        </p:txBody>
+      </p:sp>
+      <p:sp>
+        <p:nvSpPr>
+          <p:cNvPr id="5" name="文本框 4">
+            <a:extLst>
+              <a:ext uri="{FF2B5EF4-FFF2-40B4-BE49-F238E27FC236}">
+                <a16:creationId xmlns:a16="http://schemas.microsoft.com/office/drawing/2014/main" id="{63AD39FA-B96D-69D6-7002-8139FCF7BD12}"/>
+              </a:ext>
+            </a:extLst>
+          </p:cNvPr>
+          <p:cNvSpPr txBox="1"/>
+          <p:nvPr/>
+        </p:nvSpPr>
+        <p:spPr>
+          <a:xfrm>
+            <a:off x="3421118" y="1542421"/>
+            <a:ext cx="8271640" cy="276999"/>
+          </a:xfrm>
+          <a:prstGeom prst="rect">
+            <a:avLst/>
+          </a:prstGeom>
+          <a:noFill/>
+        </p:spPr>
+        <p:txBody>
+          <a:bodyPr wrap="square">
+            <a:spAutoFit/>
+          </a:bodyPr>
+          <a:lstStyle/>
+          <a:p>
+            <a:r>
+              <a:rPr lang="zh-CN" altLang="en-US" sz="1200" dirty="0">
+                <a:solidFill>
+                  <a:srgbClr val="0432FF"/>
+                </a:solidFill>
+              </a:rPr>
+              <a:t>https://www.youtube.com/watch?v=9JpdAg6uMXs&amp;pp=ygUSSWFuIEdvb2RmZWxsb3cgR0FO</a:t>
+            </a:r>
+          </a:p>
+        </p:txBody>
+      </p:sp>
+      <p:sp>
+        <p:nvSpPr>
+          <p:cNvPr id="7" name="文本框 6">
+            <a:extLst>
+              <a:ext uri="{FF2B5EF4-FFF2-40B4-BE49-F238E27FC236}">
+                <a16:creationId xmlns:a16="http://schemas.microsoft.com/office/drawing/2014/main" id="{1D3B864D-2999-2643-BDB0-2005B75F0964}"/>
+              </a:ext>
+            </a:extLst>
+          </p:cNvPr>
+          <p:cNvSpPr txBox="1"/>
+          <p:nvPr/>
+        </p:nvSpPr>
+        <p:spPr>
+          <a:xfrm>
+            <a:off x="2874579" y="3102809"/>
+            <a:ext cx="8271640" cy="276999"/>
+          </a:xfrm>
+          <a:prstGeom prst="rect">
+            <a:avLst/>
+          </a:prstGeom>
+          <a:noFill/>
+        </p:spPr>
+        <p:txBody>
+          <a:bodyPr wrap="square">
+            <a:spAutoFit/>
+          </a:bodyPr>
+          <a:lstStyle/>
+          <a:p>
+            <a:r>
+              <a:rPr lang="zh-CN" altLang="en-US" sz="1200" dirty="0">
+                <a:solidFill>
+                  <a:srgbClr val="0432FF"/>
+                </a:solidFill>
+              </a:rPr>
+              <a:t>https://www.youtube.com/watch?v=qJeaCHQ1k2w&amp;pp=ygUDVkFF</a:t>
+            </a:r>
+          </a:p>
+        </p:txBody>
+      </p:sp>
+      <p:sp>
+        <p:nvSpPr>
+          <p:cNvPr id="9" name="文本框 8">
+            <a:extLst>
+              <a:ext uri="{FF2B5EF4-FFF2-40B4-BE49-F238E27FC236}">
+                <a16:creationId xmlns:a16="http://schemas.microsoft.com/office/drawing/2014/main" id="{CEA6C488-7204-882F-D1BA-F7EC97415FDD}"/>
+              </a:ext>
+            </a:extLst>
+          </p:cNvPr>
+          <p:cNvSpPr txBox="1"/>
+          <p:nvPr/>
+        </p:nvSpPr>
+        <p:spPr>
+          <a:xfrm>
+            <a:off x="3315468" y="4075413"/>
+            <a:ext cx="8271640" cy="276999"/>
+          </a:xfrm>
+          <a:prstGeom prst="rect">
+            <a:avLst/>
+          </a:prstGeom>
+          <a:noFill/>
+        </p:spPr>
+        <p:txBody>
+          <a:bodyPr wrap="square">
+            <a:spAutoFit/>
+          </a:bodyPr>
+          <a:lstStyle/>
+          <a:p>
+            <a:r>
+              <a:rPr lang="zh-CN" altLang="en-US" sz="1200" dirty="0">
+                <a:solidFill>
+                  <a:srgbClr val="0432FF"/>
+                </a:solidFill>
+              </a:rPr>
+              <a:t>https://www.youtube.com/watch?v=n0PQqsaGMhs&amp;pp=ygURZmFjZWJvb2sgRGVlcEZhY2U%3D</a:t>
+            </a:r>
+          </a:p>
+        </p:txBody>
+      </p:sp>
+      <p:sp>
+        <p:nvSpPr>
+          <p:cNvPr id="11" name="文本框 10">
+            <a:extLst>
+              <a:ext uri="{FF2B5EF4-FFF2-40B4-BE49-F238E27FC236}">
+                <a16:creationId xmlns:a16="http://schemas.microsoft.com/office/drawing/2014/main" id="{26D7F934-BF65-E23D-FA11-82E7336F3ABC}"/>
+              </a:ext>
+            </a:extLst>
+          </p:cNvPr>
+          <p:cNvSpPr txBox="1"/>
+          <p:nvPr/>
+        </p:nvSpPr>
+        <p:spPr>
+          <a:xfrm>
+            <a:off x="3925123" y="5177079"/>
+            <a:ext cx="8271640" cy="276999"/>
+          </a:xfrm>
+          <a:prstGeom prst="rect">
+            <a:avLst/>
+          </a:prstGeom>
+          <a:noFill/>
+        </p:spPr>
+        <p:txBody>
+          <a:bodyPr wrap="square">
+            <a:spAutoFit/>
+          </a:bodyPr>
+          <a:lstStyle/>
+          <a:p>
+            <a:r>
+              <a:rPr lang="zh-CN" altLang="en-US" sz="1200" dirty="0">
+                <a:solidFill>
+                  <a:srgbClr val="0432FF"/>
+                </a:solidFill>
+              </a:rPr>
+              <a:t>https://www.youtube.com/watch?v=K07cjCaleTk&amp;pp=ygUXR29vZ2xlIFNlbGYtRHJpdmluZy1DYXI%3D</a:t>
+            </a:r>
+          </a:p>
+        </p:txBody>
+      </p:sp>
+    </p:spTree>
+    <p:extLst>
+      <p:ext uri="{BB962C8B-B14F-4D97-AF65-F5344CB8AC3E}">
+        <p14:creationId xmlns:p14="http://schemas.microsoft.com/office/powerpoint/2010/main" val="3632059403"/>
       </p:ext>
     </p:extLst>
   </p:cSld>
